--- a/LHCC_2019_poster/ATLAS-Poster_ATLASWeek_2019_02.pptx
+++ b/LHCC_2019_poster/ATLAS-Poster_ATLASWeek_2019_02.pptx
@@ -1,349 +1,22 @@
 
 <file path=ppt/presentation.xml><?xml version="1.0" encoding="utf-8"?>
-<p:presentation xmlns:a="http://schemas.openxmlformats.org/drawingml/2006/main" xmlns:r="http://schemas.openxmlformats.org/officeDocument/2006/relationships" xmlns:p="http://schemas.openxmlformats.org/presentationml/2006/main">
+<p:presentation xmlns:a="http://schemas.openxmlformats.org/drawingml/2006/main" xmlns:p="http://schemas.openxmlformats.org/presentationml/2006/main" xmlns:r="http://schemas.openxmlformats.org/officeDocument/2006/relationships" xmlns:p14="http://schemas.microsoft.com/office/powerpoint/2010/main" xmlns:p15="http://schemas.microsoft.com/office/powerpoint/2012/main" xmlns:mc="http://schemas.openxmlformats.org/markup-compatibility/2006">
   <p:sldMasterIdLst>
-    <p:sldMasterId id="2147483648" r:id="rId1"/>
+    <p:sldMasterId id="2147483648" r:id="rId2"/>
   </p:sldMasterIdLst>
   <p:notesMasterIdLst>
-    <p:notesMasterId r:id="rId4"/>
+    <p:notesMasterId r:id="rId3"/>
   </p:notesMasterIdLst>
   <p:sldIdLst>
-    <p:sldId id="256" r:id="rId3"/>
+    <p:sldId id="256" r:id="rId4"/>
   </p:sldIdLst>
-  <p:sldSz cx="12599670" cy="18003520"/>
+  <p:sldSz cx="12599987" cy="18003837"/>
   <p:notesSz cx="6858000" cy="9144000"/>
-  <p:defaultTextStyle>
-    <a:lvl1pPr marL="0" algn="l" defTabSz="914400" rtl="0" eaLnBrk="1" latinLnBrk="0" hangingPunct="1">
-      <a:defRPr sz="1800" kern="1200">
-        <a:solidFill>
-          <a:schemeClr val="tx1"/>
-        </a:solidFill>
-        <a:latin typeface="+mn-lt"/>
-        <a:ea typeface="+mn-ea"/>
-        <a:cs typeface="+mn-cs"/>
-      </a:defRPr>
-    </a:lvl1pPr>
-    <a:lvl2pPr marL="457200" algn="l" defTabSz="914400" rtl="0" eaLnBrk="1" latinLnBrk="0" hangingPunct="1">
-      <a:defRPr sz="1800" kern="1200">
-        <a:solidFill>
-          <a:schemeClr val="tx1"/>
-        </a:solidFill>
-        <a:latin typeface="+mn-lt"/>
-        <a:ea typeface="+mn-ea"/>
-        <a:cs typeface="+mn-cs"/>
-      </a:defRPr>
-    </a:lvl2pPr>
-    <a:lvl3pPr marL="914400" algn="l" defTabSz="914400" rtl="0" eaLnBrk="1" latinLnBrk="0" hangingPunct="1">
-      <a:defRPr sz="1800" kern="1200">
-        <a:solidFill>
-          <a:schemeClr val="tx1"/>
-        </a:solidFill>
-        <a:latin typeface="+mn-lt"/>
-        <a:ea typeface="+mn-ea"/>
-        <a:cs typeface="+mn-cs"/>
-      </a:defRPr>
-    </a:lvl3pPr>
-    <a:lvl4pPr marL="1371600" algn="l" defTabSz="914400" rtl="0" eaLnBrk="1" latinLnBrk="0" hangingPunct="1">
-      <a:defRPr sz="1800" kern="1200">
-        <a:solidFill>
-          <a:schemeClr val="tx1"/>
-        </a:solidFill>
-        <a:latin typeface="+mn-lt"/>
-        <a:ea typeface="+mn-ea"/>
-        <a:cs typeface="+mn-cs"/>
-      </a:defRPr>
-    </a:lvl4pPr>
-    <a:lvl5pPr marL="1828800" algn="l" defTabSz="914400" rtl="0" eaLnBrk="1" latinLnBrk="0" hangingPunct="1">
-      <a:defRPr sz="1800" kern="1200">
-        <a:solidFill>
-          <a:schemeClr val="tx1"/>
-        </a:solidFill>
-        <a:latin typeface="+mn-lt"/>
-        <a:ea typeface="+mn-ea"/>
-        <a:cs typeface="+mn-cs"/>
-      </a:defRPr>
-    </a:lvl5pPr>
-    <a:lvl6pPr marL="2286000" algn="l" defTabSz="914400" rtl="0" eaLnBrk="1" latinLnBrk="0" hangingPunct="1">
-      <a:defRPr sz="1800" kern="1200">
-        <a:solidFill>
-          <a:schemeClr val="tx1"/>
-        </a:solidFill>
-        <a:latin typeface="+mn-lt"/>
-        <a:ea typeface="+mn-ea"/>
-        <a:cs typeface="+mn-cs"/>
-      </a:defRPr>
-    </a:lvl6pPr>
-    <a:lvl7pPr marL="2743200" algn="l" defTabSz="914400" rtl="0" eaLnBrk="1" latinLnBrk="0" hangingPunct="1">
-      <a:defRPr sz="1800" kern="1200">
-        <a:solidFill>
-          <a:schemeClr val="tx1"/>
-        </a:solidFill>
-        <a:latin typeface="+mn-lt"/>
-        <a:ea typeface="+mn-ea"/>
-        <a:cs typeface="+mn-cs"/>
-      </a:defRPr>
-    </a:lvl7pPr>
-    <a:lvl8pPr marL="3200400" algn="l" defTabSz="914400" rtl="0" eaLnBrk="1" latinLnBrk="0" hangingPunct="1">
-      <a:defRPr sz="1800" kern="1200">
-        <a:solidFill>
-          <a:schemeClr val="tx1"/>
-        </a:solidFill>
-        <a:latin typeface="+mn-lt"/>
-        <a:ea typeface="+mn-ea"/>
-        <a:cs typeface="+mn-cs"/>
-      </a:defRPr>
-    </a:lvl8pPr>
-    <a:lvl9pPr marL="3657600" algn="l" defTabSz="914400" rtl="0" eaLnBrk="1" latinLnBrk="0" hangingPunct="1">
-      <a:defRPr sz="1800" kern="1200">
-        <a:solidFill>
-          <a:schemeClr val="tx1"/>
-        </a:solidFill>
-        <a:latin typeface="+mn-lt"/>
-        <a:ea typeface="+mn-ea"/>
-        <a:cs typeface="+mn-cs"/>
-      </a:defRPr>
-    </a:lvl9pPr>
-  </p:defaultTextStyle>
 </p:presentation>
 </file>
 
 <file path=ppt/notesMasters/notesMaster1.xml><?xml version="1.0" encoding="utf-8"?>
-<p:notesMaster xmlns:a="http://schemas.openxmlformats.org/drawingml/2006/main" xmlns:r="http://schemas.openxmlformats.org/officeDocument/2006/relationships" xmlns:p="http://schemas.openxmlformats.org/presentationml/2006/main">
-  <p:cSld>
-    <p:bg>
-      <p:bgPr>
-        <a:effectLst/>
-      </p:bgPr>
-    </p:bg>
-    <p:spTree>
-      <p:nvGrpSpPr>
-        <p:cNvPr id="1" name=""/>
-        <p:cNvGrpSpPr/>
-        <p:nvPr/>
-      </p:nvGrpSpPr>
-      <p:grpSpPr>
-        <a:xfrm>
-          <a:off x="0" y="0"/>
-          <a:ext cx="0" cy="0"/>
-          <a:chOff x="0" y="0"/>
-          <a:chExt cx="0" cy="0"/>
-        </a:xfrm>
-      </p:grpSpPr>
-      <p:sp>
-        <p:nvSpPr>
-          <p:cNvPr id="40" name="PlaceHolder 1"/>
-          <p:cNvSpPr>
-            <a:spLocks noGrp="1"/>
-          </p:cNvSpPr>
-          <p:nvPr>
-            <p:ph type="sldImg"/>
-          </p:nvPr>
-        </p:nvSpPr>
-        <p:spPr>
-          <a:xfrm>
-            <a:off x="533520" y="764280"/>
-            <a:ext cx="6704640" cy="3771360"/>
-          </a:xfrm>
-          <a:prstGeom prst="rect">
-            <a:avLst/>
-          </a:prstGeom>
-        </p:spPr>
-        <p:txBody>
-          <a:bodyPr lIns="0" tIns="0" rIns="0" bIns="0" anchor="ctr"/>
-          <a:p>
-            <a:pPr algn="ctr"/>
-            <a:r>
-              <a:rPr lang="en-US" sz="4400" b="0" strike="noStrike" spc="-1">
-                <a:latin typeface="Arial" charset="0"/>
-              </a:rPr>
-              <a:t>Click to move the slide</a:t>
-            </a:r>
-            <a:endParaRPr lang="en-US" sz="4400" b="0" strike="noStrike" spc="-1">
-              <a:latin typeface="Arial" charset="0"/>
-            </a:endParaRPr>
-          </a:p>
-        </p:txBody>
-      </p:sp>
-      <p:sp>
-        <p:nvSpPr>
-          <p:cNvPr id="41" name="PlaceHolder 2"/>
-          <p:cNvSpPr>
-            <a:spLocks noGrp="1"/>
-          </p:cNvSpPr>
-          <p:nvPr>
-            <p:ph type="body"/>
-          </p:nvPr>
-        </p:nvSpPr>
-        <p:spPr>
-          <a:xfrm>
-            <a:off x="777240" y="4777560"/>
-            <a:ext cx="6217560" cy="4525920"/>
-          </a:xfrm>
-          <a:prstGeom prst="rect">
-            <a:avLst/>
-          </a:prstGeom>
-        </p:spPr>
-        <p:txBody>
-          <a:bodyPr lIns="0" tIns="0" rIns="0" bIns="0"/>
-          <a:p>
-            <a:r>
-              <a:rPr lang="en-US" sz="2000" b="0" strike="noStrike" spc="-1">
-                <a:latin typeface="Arial" charset="0"/>
-              </a:rPr>
-              <a:t>Click to edit the notes format</a:t>
-            </a:r>
-            <a:endParaRPr lang="en-US" sz="2000" b="0" strike="noStrike" spc="-1">
-              <a:latin typeface="Arial" charset="0"/>
-            </a:endParaRPr>
-          </a:p>
-        </p:txBody>
-      </p:sp>
-      <p:sp>
-        <p:nvSpPr>
-          <p:cNvPr id="42" name="PlaceHolder 3"/>
-          <p:cNvSpPr>
-            <a:spLocks noGrp="1"/>
-          </p:cNvSpPr>
-          <p:nvPr>
-            <p:ph type="hdr"/>
-          </p:nvPr>
-        </p:nvSpPr>
-        <p:spPr>
-          <a:xfrm>
-            <a:off x="0" y="0"/>
-            <a:ext cx="3372840" cy="502560"/>
-          </a:xfrm>
-          <a:prstGeom prst="rect">
-            <a:avLst/>
-          </a:prstGeom>
-        </p:spPr>
-        <p:txBody>
-          <a:bodyPr lIns="0" tIns="0" rIns="0" bIns="0"/>
-          <a:p>
-            <a:r>
-              <a:rPr lang="en-US" sz="1400" b="0" strike="noStrike" spc="-1">
-                <a:latin typeface="Times New Roman"/>
-              </a:rPr>
-              <a:t> </a:t>
-            </a:r>
-            <a:endParaRPr lang="en-US" sz="1400" b="0" strike="noStrike" spc="-1">
-              <a:latin typeface="Times New Roman"/>
-            </a:endParaRPr>
-          </a:p>
-        </p:txBody>
-      </p:sp>
-      <p:sp>
-        <p:nvSpPr>
-          <p:cNvPr id="43" name="PlaceHolder 4"/>
-          <p:cNvSpPr>
-            <a:spLocks noGrp="1"/>
-          </p:cNvSpPr>
-          <p:nvPr>
-            <p:ph type="dt"/>
-          </p:nvPr>
-        </p:nvSpPr>
-        <p:spPr>
-          <a:xfrm>
-            <a:off x="4399200" y="0"/>
-            <a:ext cx="3372840" cy="502560"/>
-          </a:xfrm>
-          <a:prstGeom prst="rect">
-            <a:avLst/>
-          </a:prstGeom>
-        </p:spPr>
-        <p:txBody>
-          <a:bodyPr lIns="0" tIns="0" rIns="0" bIns="0"/>
-          <a:p>
-            <a:pPr algn="r"/>
-            <a:r>
-              <a:rPr lang="en-US" sz="1400" b="0" strike="noStrike" spc="-1">
-                <a:latin typeface="Times New Roman"/>
-              </a:rPr>
-              <a:t> </a:t>
-            </a:r>
-            <a:endParaRPr lang="en-US" sz="1400" b="0" strike="noStrike" spc="-1">
-              <a:latin typeface="Times New Roman"/>
-            </a:endParaRPr>
-          </a:p>
-        </p:txBody>
-      </p:sp>
-      <p:sp>
-        <p:nvSpPr>
-          <p:cNvPr id="44" name="PlaceHolder 5"/>
-          <p:cNvSpPr>
-            <a:spLocks noGrp="1"/>
-          </p:cNvSpPr>
-          <p:nvPr>
-            <p:ph type="ftr"/>
-          </p:nvPr>
-        </p:nvSpPr>
-        <p:spPr>
-          <a:xfrm>
-            <a:off x="0" y="9555480"/>
-            <a:ext cx="3372840" cy="502560"/>
-          </a:xfrm>
-          <a:prstGeom prst="rect">
-            <a:avLst/>
-          </a:prstGeom>
-        </p:spPr>
-        <p:txBody>
-          <a:bodyPr lIns="0" tIns="0" rIns="0" bIns="0" anchor="b"/>
-          <a:p>
-            <a:r>
-              <a:rPr lang="en-US" sz="1400" b="0" strike="noStrike" spc="-1">
-                <a:latin typeface="Times New Roman"/>
-              </a:rPr>
-              <a:t> </a:t>
-            </a:r>
-            <a:endParaRPr lang="en-US" sz="1400" b="0" strike="noStrike" spc="-1">
-              <a:latin typeface="Times New Roman"/>
-            </a:endParaRPr>
-          </a:p>
-        </p:txBody>
-      </p:sp>
-      <p:sp>
-        <p:nvSpPr>
-          <p:cNvPr id="45" name="PlaceHolder 6"/>
-          <p:cNvSpPr>
-            <a:spLocks noGrp="1"/>
-          </p:cNvSpPr>
-          <p:nvPr>
-            <p:ph type="sldNum"/>
-          </p:nvPr>
-        </p:nvSpPr>
-        <p:spPr>
-          <a:xfrm>
-            <a:off x="4399200" y="9555480"/>
-            <a:ext cx="3372840" cy="502560"/>
-          </a:xfrm>
-          <a:prstGeom prst="rect">
-            <a:avLst/>
-          </a:prstGeom>
-        </p:spPr>
-        <p:txBody>
-          <a:bodyPr lIns="0" tIns="0" rIns="0" bIns="0" anchor="b"/>
-          <a:p>
-            <a:pPr algn="r"/>
-            <a:fld id="{667B5843-36C8-451E-8CD5-DD63CA3377A4}" type="slidenum">
-              <a:rPr lang="en-US" sz="1400" b="0" strike="noStrike" spc="-1">
-                <a:latin typeface="Times New Roman"/>
-              </a:rPr>
-            </a:fld>
-            <a:endParaRPr lang="en-US" sz="1400" b="0" strike="noStrike" spc="-1">
-              <a:latin typeface="Times New Roman"/>
-            </a:endParaRPr>
-          </a:p>
-        </p:txBody>
-      </p:sp>
-    </p:spTree>
-  </p:cSld>
-  <p:clrMap bg1="lt1" tx1="dk1" bg2="lt2" tx2="dk2" accent1="accent1" accent2="accent2" accent3="accent3" accent4="accent4" accent5="accent5" accent6="accent6" hlink="hlink" folHlink="folHlink"/>
-  <p:notesStyle/>
-</p:notesMaster>
-</file>
-
-<file path=ppt/notesSlides/notesSlide1.xml><?xml version="1.0" encoding="utf-8"?>
-<p:notes xmlns:a="http://schemas.openxmlformats.org/drawingml/2006/main" xmlns:r="http://schemas.openxmlformats.org/officeDocument/2006/relationships" xmlns:p="http://schemas.openxmlformats.org/presentationml/2006/main">
+<p:notesMaster xmlns:a="http://schemas.openxmlformats.org/drawingml/2006/main" xmlns:p="http://schemas.openxmlformats.org/presentationml/2006/main" xmlns:r="http://schemas.openxmlformats.org/officeDocument/2006/relationships" xmlns:p14="http://schemas.microsoft.com/office/powerpoint/2010/main" xmlns:p15="http://schemas.microsoft.com/office/powerpoint/2012/main" xmlns:mc="http://schemas.openxmlformats.org/markup-compatibility/2006">
   <p:cSld>
     <p:spTree>
       <p:nvGrpSpPr>
@@ -361,7 +34,7 @@
       </p:grpSpPr>
       <p:sp>
         <p:nvSpPr>
-          <p:cNvPr id="85" name="PlaceHolder 1"/>
+          <p:cNvPr id="40" name="PlaceHolder 1"/>
           <p:cNvSpPr>
             <a:spLocks noGrp="1"/>
           </p:cNvSpPr>
@@ -371,17 +44,32 @@
         </p:nvSpPr>
         <p:spPr>
           <a:xfrm>
-            <a:off x="2228760" y="685800"/>
-            <a:ext cx="2399760" cy="3428280"/>
-          </a:xfrm>
-          <a:prstGeom prst="rect">
-            <a:avLst/>
-          </a:prstGeom>
-        </p:spPr>
-      </p:sp>
-      <p:sp>
-        <p:nvSpPr>
-          <p:cNvPr id="86" name="PlaceHolder 2"/>
+            <a:off x="533520" y="764280"/>
+            <a:ext cx="6704640" cy="3771360"/>
+          </a:xfrm>
+          <a:prstGeom prst="rect">
+            <a:avLst/>
+          </a:prstGeom>
+        </p:spPr>
+        <p:txBody>
+          <a:bodyPr lIns="0" rIns="0" tIns="0" bIns="0" anchor="ctr"/>
+          <a:p>
+            <a:pPr algn="ctr"/>
+            <a:r>
+              <a:rPr b="0" lang="en-US" sz="4400" spc="-1" strike="noStrike">
+                <a:latin typeface="Arial"/>
+              </a:rPr>
+              <a:t>Click to move the slide</a:t>
+            </a:r>
+            <a:endParaRPr b="0" lang="en-US" sz="4400" spc="-1" strike="noStrike">
+              <a:latin typeface="Arial"/>
+            </a:endParaRPr>
+          </a:p>
+        </p:txBody>
+      </p:sp>
+      <p:sp>
+        <p:nvSpPr>
+          <p:cNvPr id="41" name="PlaceHolder 2"/>
           <p:cNvSpPr>
             <a:spLocks noGrp="1"/>
           </p:cNvSpPr>
@@ -391,32 +79,253 @@
         </p:nvSpPr>
         <p:spPr>
           <a:xfrm>
+            <a:off x="777240" y="4777560"/>
+            <a:ext cx="6217560" cy="4525920"/>
+          </a:xfrm>
+          <a:prstGeom prst="rect">
+            <a:avLst/>
+          </a:prstGeom>
+        </p:spPr>
+        <p:txBody>
+          <a:bodyPr lIns="0" rIns="0" tIns="0" bIns="0"/>
+          <a:p>
+            <a:r>
+              <a:rPr b="0" lang="en-US" sz="2000" spc="-1" strike="noStrike">
+                <a:latin typeface="Arial"/>
+              </a:rPr>
+              <a:t>Click to edit the notes </a:t>
+            </a:r>
+            <a:r>
+              <a:rPr b="0" lang="en-US" sz="2000" spc="-1" strike="noStrike">
+                <a:latin typeface="Arial"/>
+              </a:rPr>
+              <a:t>format</a:t>
+            </a:r>
+            <a:endParaRPr b="0" lang="en-US" sz="2000" spc="-1" strike="noStrike">
+              <a:latin typeface="Arial"/>
+            </a:endParaRPr>
+          </a:p>
+        </p:txBody>
+      </p:sp>
+      <p:sp>
+        <p:nvSpPr>
+          <p:cNvPr id="42" name="PlaceHolder 3"/>
+          <p:cNvSpPr>
+            <a:spLocks noGrp="1"/>
+          </p:cNvSpPr>
+          <p:nvPr>
+            <p:ph type="hdr"/>
+          </p:nvPr>
+        </p:nvSpPr>
+        <p:spPr>
+          <a:xfrm>
+            <a:off x="0" y="0"/>
+            <a:ext cx="3372840" cy="502560"/>
+          </a:xfrm>
+          <a:prstGeom prst="rect">
+            <a:avLst/>
+          </a:prstGeom>
+        </p:spPr>
+        <p:txBody>
+          <a:bodyPr lIns="0" rIns="0" tIns="0" bIns="0"/>
+          <a:p>
+            <a:r>
+              <a:rPr b="0" lang="en-US" sz="1400" spc="-1" strike="noStrike">
+                <a:latin typeface="Times New Roman"/>
+              </a:rPr>
+              <a:t> </a:t>
+            </a:r>
+            <a:endParaRPr b="0" lang="en-US" sz="1400" spc="-1" strike="noStrike">
+              <a:latin typeface="Times New Roman"/>
+            </a:endParaRPr>
+          </a:p>
+        </p:txBody>
+      </p:sp>
+      <p:sp>
+        <p:nvSpPr>
+          <p:cNvPr id="43" name="PlaceHolder 4"/>
+          <p:cNvSpPr>
+            <a:spLocks noGrp="1"/>
+          </p:cNvSpPr>
+          <p:nvPr>
+            <p:ph type="dt"/>
+          </p:nvPr>
+        </p:nvSpPr>
+        <p:spPr>
+          <a:xfrm>
+            <a:off x="4399200" y="0"/>
+            <a:ext cx="3372840" cy="502560"/>
+          </a:xfrm>
+          <a:prstGeom prst="rect">
+            <a:avLst/>
+          </a:prstGeom>
+        </p:spPr>
+        <p:txBody>
+          <a:bodyPr lIns="0" rIns="0" tIns="0" bIns="0"/>
+          <a:p>
+            <a:pPr algn="r"/>
+            <a:r>
+              <a:rPr b="0" lang="en-US" sz="1400" spc="-1" strike="noStrike">
+                <a:latin typeface="Times New Roman"/>
+              </a:rPr>
+              <a:t> </a:t>
+            </a:r>
+            <a:endParaRPr b="0" lang="en-US" sz="1400" spc="-1" strike="noStrike">
+              <a:latin typeface="Times New Roman"/>
+            </a:endParaRPr>
+          </a:p>
+        </p:txBody>
+      </p:sp>
+      <p:sp>
+        <p:nvSpPr>
+          <p:cNvPr id="44" name="PlaceHolder 5"/>
+          <p:cNvSpPr>
+            <a:spLocks noGrp="1"/>
+          </p:cNvSpPr>
+          <p:nvPr>
+            <p:ph type="ftr"/>
+          </p:nvPr>
+        </p:nvSpPr>
+        <p:spPr>
+          <a:xfrm>
+            <a:off x="0" y="9555480"/>
+            <a:ext cx="3372840" cy="502560"/>
+          </a:xfrm>
+          <a:prstGeom prst="rect">
+            <a:avLst/>
+          </a:prstGeom>
+        </p:spPr>
+        <p:txBody>
+          <a:bodyPr lIns="0" rIns="0" tIns="0" bIns="0" anchor="b"/>
+          <a:p>
+            <a:r>
+              <a:rPr b="0" lang="en-US" sz="1400" spc="-1" strike="noStrike">
+                <a:latin typeface="Times New Roman"/>
+              </a:rPr>
+              <a:t> </a:t>
+            </a:r>
+            <a:endParaRPr b="0" lang="en-US" sz="1400" spc="-1" strike="noStrike">
+              <a:latin typeface="Times New Roman"/>
+            </a:endParaRPr>
+          </a:p>
+        </p:txBody>
+      </p:sp>
+      <p:sp>
+        <p:nvSpPr>
+          <p:cNvPr id="45" name="PlaceHolder 6"/>
+          <p:cNvSpPr>
+            <a:spLocks noGrp="1"/>
+          </p:cNvSpPr>
+          <p:nvPr>
+            <p:ph type="sldNum"/>
+          </p:nvPr>
+        </p:nvSpPr>
+        <p:spPr>
+          <a:xfrm>
+            <a:off x="4399200" y="9555480"/>
+            <a:ext cx="3372840" cy="502560"/>
+          </a:xfrm>
+          <a:prstGeom prst="rect">
+            <a:avLst/>
+          </a:prstGeom>
+        </p:spPr>
+        <p:txBody>
+          <a:bodyPr lIns="0" rIns="0" tIns="0" bIns="0" anchor="b"/>
+          <a:p>
+            <a:pPr algn="r"/>
+            <a:fld id="{46B62682-AB41-4C95-BC75-C47618472C2B}" type="slidenum">
+              <a:rPr b="0" lang="en-US" sz="1400" spc="-1" strike="noStrike">
+                <a:latin typeface="Times New Roman"/>
+              </a:rPr>
+              <a:t>&lt;number&gt;</a:t>
+            </a:fld>
+            <a:endParaRPr b="0" lang="en-US" sz="1400" spc="-1" strike="noStrike">
+              <a:latin typeface="Times New Roman"/>
+            </a:endParaRPr>
+          </a:p>
+        </p:txBody>
+      </p:sp>
+    </p:spTree>
+  </p:cSld>
+  <p:clrMap bg1="lt1" bg2="lt2" tx1="dk1" tx2="dk2" accent1="accent1" accent2="accent2" accent3="accent3" accent4="accent4" accent5="accent5" accent6="accent6" hlink="hlink" folHlink="folHlink"/>
+</p:notesMaster>
+</file>
+
+<file path=ppt/notesSlides/notesSlide1.xml><?xml version="1.0" encoding="utf-8"?>
+<p:notes xmlns:a="http://schemas.openxmlformats.org/drawingml/2006/main" xmlns:p="http://schemas.openxmlformats.org/presentationml/2006/main" xmlns:r="http://schemas.openxmlformats.org/officeDocument/2006/relationships" xmlns:p14="http://schemas.microsoft.com/office/powerpoint/2010/main" xmlns:p15="http://schemas.microsoft.com/office/powerpoint/2012/main" xmlns:mc="http://schemas.openxmlformats.org/markup-compatibility/2006">
+  <p:cSld>
+    <p:spTree>
+      <p:nvGrpSpPr>
+        <p:cNvPr id="1" name=""/>
+        <p:cNvGrpSpPr/>
+        <p:nvPr/>
+      </p:nvGrpSpPr>
+      <p:grpSpPr>
+        <a:xfrm>
+          <a:off x="0" y="0"/>
+          <a:ext cx="0" cy="0"/>
+          <a:chOff x="0" y="0"/>
+          <a:chExt cx="0" cy="0"/>
+        </a:xfrm>
+      </p:grpSpPr>
+      <p:sp>
+        <p:nvSpPr>
+          <p:cNvPr id="101" name="PlaceHolder 1"/>
+          <p:cNvSpPr>
+            <a:spLocks noGrp="1"/>
+          </p:cNvSpPr>
+          <p:nvPr>
+            <p:ph type="sldImg"/>
+          </p:nvPr>
+        </p:nvSpPr>
+        <p:spPr>
+          <a:xfrm>
+            <a:off x="2228760" y="685800"/>
+            <a:ext cx="2397240" cy="3425760"/>
+          </a:xfrm>
+          <a:prstGeom prst="rect">
+            <a:avLst/>
+          </a:prstGeom>
+        </p:spPr>
+      </p:sp>
+      <p:sp>
+        <p:nvSpPr>
+          <p:cNvPr id="102" name="PlaceHolder 2"/>
+          <p:cNvSpPr>
+            <a:spLocks noGrp="1"/>
+          </p:cNvSpPr>
+          <p:nvPr>
+            <p:ph type="body"/>
+          </p:nvPr>
+        </p:nvSpPr>
+        <p:spPr>
+          <a:xfrm>
             <a:off x="685800" y="4343400"/>
-            <a:ext cx="5485680" cy="4114080"/>
-          </a:xfrm>
-          <a:prstGeom prst="rect">
-            <a:avLst/>
-          </a:prstGeom>
-        </p:spPr>
-        <p:txBody>
-          <a:bodyPr lIns="0" tIns="0" rIns="0" bIns="0"/>
-          <a:p>
-            <a:endParaRPr lang="en-US" sz="2000" b="0" strike="noStrike" spc="-1">
-              <a:latin typeface="Arial" charset="0"/>
-            </a:endParaRPr>
-          </a:p>
-        </p:txBody>
-      </p:sp>
-      <p:sp>
-        <p:nvSpPr>
-          <p:cNvPr id="87" name="CustomShape 3"/>
+            <a:ext cx="5483160" cy="4111560"/>
+          </a:xfrm>
+          <a:prstGeom prst="rect">
+            <a:avLst/>
+          </a:prstGeom>
+        </p:spPr>
+        <p:txBody>
+          <a:bodyPr lIns="0" rIns="0" tIns="0" bIns="0"/>
+          <a:p>
+            <a:endParaRPr b="0" lang="en-US" sz="2000" spc="-1" strike="noStrike">
+              <a:latin typeface="Arial"/>
+            </a:endParaRPr>
+          </a:p>
+        </p:txBody>
+      </p:sp>
+      <p:sp>
+        <p:nvSpPr>
+          <p:cNvPr id="103" name="CustomShape 3"/>
           <p:cNvSpPr/>
           <p:nvPr/>
         </p:nvSpPr>
         <p:spPr>
           <a:xfrm>
             <a:off x="3884760" y="8685360"/>
-            <a:ext cx="2971080" cy="456480"/>
+            <a:ext cx="2968560" cy="453960"/>
           </a:xfrm>
           <a:prstGeom prst="rect">
             <a:avLst/>
@@ -427,28 +336,19 @@
           </a:ln>
         </p:spPr>
         <p:style>
-          <a:lnRef idx="0">
-            <a:srgbClr val="FFFFFF"/>
-          </a:lnRef>
-          <a:fillRef idx="0">
-            <a:srgbClr val="FFFFFF"/>
-          </a:fillRef>
-          <a:effectRef idx="0">
-            <a:srgbClr val="FFFFFF"/>
-          </a:effectRef>
+          <a:lnRef idx="0"/>
+          <a:fillRef idx="0"/>
+          <a:effectRef idx="0"/>
           <a:fontRef idx="minor"/>
         </p:style>
       </p:sp>
     </p:spTree>
   </p:cSld>
-  <p:clrMapOvr>
-    <a:masterClrMapping/>
-  </p:clrMapOvr>
 </p:notes>
 </file>
 
 <file path=ppt/slideLayouts/slideLayout1.xml><?xml version="1.0" encoding="utf-8"?>
-<p:sldLayout xmlns:a="http://schemas.openxmlformats.org/drawingml/2006/main" xmlns:r="http://schemas.openxmlformats.org/officeDocument/2006/relationships" xmlns:p="http://schemas.openxmlformats.org/presentationml/2006/main" type="blank" preserve="1">
+<p:sldLayout xmlns:a="http://schemas.openxmlformats.org/drawingml/2006/main" xmlns:p="http://schemas.openxmlformats.org/presentationml/2006/main" xmlns:r="http://schemas.openxmlformats.org/officeDocument/2006/relationships" xmlns:p14="http://schemas.microsoft.com/office/powerpoint/2010/main" xmlns:p15="http://schemas.microsoft.com/office/powerpoint/2012/main" xmlns:mc="http://schemas.openxmlformats.org/markup-compatibility/2006" type="blank" preserve="1">
   <p:cSld name="Blank Slide">
     <p:spTree>
       <p:nvGrpSpPr>
@@ -466,14 +366,11 @@
       </p:grpSpPr>
     </p:spTree>
   </p:cSld>
-  <p:clrMapOvr>
-    <a:masterClrMapping/>
-  </p:clrMapOvr>
 </p:sldLayout>
 </file>
 
 <file path=ppt/slideLayouts/slideLayout10.xml><?xml version="1.0" encoding="utf-8"?>
-<p:sldLayout xmlns:a="http://schemas.openxmlformats.org/drawingml/2006/main" xmlns:r="http://schemas.openxmlformats.org/officeDocument/2006/relationships" xmlns:p="http://schemas.openxmlformats.org/presentationml/2006/main" type="objOverTx" preserve="1">
+<p:sldLayout xmlns:a="http://schemas.openxmlformats.org/drawingml/2006/main" xmlns:p="http://schemas.openxmlformats.org/presentationml/2006/main" xmlns:r="http://schemas.openxmlformats.org/officeDocument/2006/relationships" xmlns:p14="http://schemas.microsoft.com/office/powerpoint/2010/main" xmlns:p15="http://schemas.microsoft.com/office/powerpoint/2012/main" xmlns:mc="http://schemas.openxmlformats.org/markup-compatibility/2006" type="objOverTx" preserve="1">
   <p:cSld name="Title, Content over Content">
     <p:spTree>
       <p:nvGrpSpPr>
@@ -509,11 +406,11 @@
           </a:prstGeom>
         </p:spPr>
         <p:txBody>
-          <a:bodyPr lIns="0" tIns="0" rIns="0" bIns="0" anchor="ctr"/>
+          <a:bodyPr lIns="0" rIns="0" tIns="0" bIns="0" anchor="ctr"/>
           <a:p>
             <a:pPr algn="ctr"/>
-            <a:endParaRPr lang="en-US" sz="4400" b="0" strike="noStrike" spc="-1">
-              <a:latin typeface="Arial" charset="0"/>
+            <a:endParaRPr b="0" lang="en-US" sz="4400" spc="-1" strike="noStrike">
+              <a:latin typeface="Arial"/>
             </a:endParaRPr>
           </a:p>
         </p:txBody>
@@ -538,12 +435,12 @@
           </a:prstGeom>
         </p:spPr>
         <p:txBody>
-          <a:bodyPr lIns="0" tIns="0" rIns="0" bIns="0">
+          <a:bodyPr lIns="0" rIns="0" tIns="0" bIns="0">
             <a:normAutofit/>
           </a:bodyPr>
           <a:p>
-            <a:endParaRPr lang="en-US" sz="3200" b="0" strike="noStrike" spc="-1">
-              <a:latin typeface="Arial" charset="0"/>
+            <a:endParaRPr b="0" lang="en-US" sz="3200" spc="-1" strike="noStrike">
+              <a:latin typeface="Arial"/>
             </a:endParaRPr>
           </a:p>
         </p:txBody>
@@ -568,26 +465,23 @@
           </a:prstGeom>
         </p:spPr>
         <p:txBody>
-          <a:bodyPr lIns="0" tIns="0" rIns="0" bIns="0">
+          <a:bodyPr lIns="0" rIns="0" tIns="0" bIns="0">
             <a:normAutofit/>
           </a:bodyPr>
           <a:p>
-            <a:endParaRPr lang="en-US" sz="3200" b="0" strike="noStrike" spc="-1">
-              <a:latin typeface="Arial" charset="0"/>
+            <a:endParaRPr b="0" lang="en-US" sz="3200" spc="-1" strike="noStrike">
+              <a:latin typeface="Arial"/>
             </a:endParaRPr>
           </a:p>
         </p:txBody>
       </p:sp>
     </p:spTree>
   </p:cSld>
-  <p:clrMapOvr>
-    <a:masterClrMapping/>
-  </p:clrMapOvr>
 </p:sldLayout>
 </file>
 
 <file path=ppt/slideLayouts/slideLayout11.xml><?xml version="1.0" encoding="utf-8"?>
-<p:sldLayout xmlns:a="http://schemas.openxmlformats.org/drawingml/2006/main" xmlns:r="http://schemas.openxmlformats.org/officeDocument/2006/relationships" xmlns:p="http://schemas.openxmlformats.org/presentationml/2006/main" type="fourObj" preserve="1">
+<p:sldLayout xmlns:a="http://schemas.openxmlformats.org/drawingml/2006/main" xmlns:p="http://schemas.openxmlformats.org/presentationml/2006/main" xmlns:r="http://schemas.openxmlformats.org/officeDocument/2006/relationships" xmlns:p14="http://schemas.microsoft.com/office/powerpoint/2010/main" xmlns:p15="http://schemas.microsoft.com/office/powerpoint/2012/main" xmlns:mc="http://schemas.openxmlformats.org/markup-compatibility/2006" type="fourObj" preserve="1">
   <p:cSld name="Title, 4 Content">
     <p:spTree>
       <p:nvGrpSpPr>
@@ -623,11 +517,11 @@
           </a:prstGeom>
         </p:spPr>
         <p:txBody>
-          <a:bodyPr lIns="0" tIns="0" rIns="0" bIns="0" anchor="ctr"/>
+          <a:bodyPr lIns="0" rIns="0" tIns="0" bIns="0" anchor="ctr"/>
           <a:p>
             <a:pPr algn="ctr"/>
-            <a:endParaRPr lang="en-US" sz="4400" b="0" strike="noStrike" spc="-1">
-              <a:latin typeface="Arial" charset="0"/>
+            <a:endParaRPr b="0" lang="en-US" sz="4400" spc="-1" strike="noStrike">
+              <a:latin typeface="Arial"/>
             </a:endParaRPr>
           </a:p>
         </p:txBody>
@@ -652,12 +546,12 @@
           </a:prstGeom>
         </p:spPr>
         <p:txBody>
-          <a:bodyPr lIns="0" tIns="0" rIns="0" bIns="0">
+          <a:bodyPr lIns="0" rIns="0" tIns="0" bIns="0">
             <a:normAutofit/>
           </a:bodyPr>
           <a:p>
-            <a:endParaRPr lang="en-US" sz="3200" b="0" strike="noStrike" spc="-1">
-              <a:latin typeface="Arial" charset="0"/>
+            <a:endParaRPr b="0" lang="en-US" sz="3200" spc="-1" strike="noStrike">
+              <a:latin typeface="Arial"/>
             </a:endParaRPr>
           </a:p>
         </p:txBody>
@@ -682,12 +576,12 @@
           </a:prstGeom>
         </p:spPr>
         <p:txBody>
-          <a:bodyPr lIns="0" tIns="0" rIns="0" bIns="0">
+          <a:bodyPr lIns="0" rIns="0" tIns="0" bIns="0">
             <a:normAutofit/>
           </a:bodyPr>
           <a:p>
-            <a:endParaRPr lang="en-US" sz="3200" b="0" strike="noStrike" spc="-1">
-              <a:latin typeface="Arial" charset="0"/>
+            <a:endParaRPr b="0" lang="en-US" sz="3200" spc="-1" strike="noStrike">
+              <a:latin typeface="Arial"/>
             </a:endParaRPr>
           </a:p>
         </p:txBody>
@@ -712,12 +606,12 @@
           </a:prstGeom>
         </p:spPr>
         <p:txBody>
-          <a:bodyPr lIns="0" tIns="0" rIns="0" bIns="0">
+          <a:bodyPr lIns="0" rIns="0" tIns="0" bIns="0">
             <a:normAutofit/>
           </a:bodyPr>
           <a:p>
-            <a:endParaRPr lang="en-US" sz="3200" b="0" strike="noStrike" spc="-1">
-              <a:latin typeface="Arial" charset="0"/>
+            <a:endParaRPr b="0" lang="en-US" sz="3200" spc="-1" strike="noStrike">
+              <a:latin typeface="Arial"/>
             </a:endParaRPr>
           </a:p>
         </p:txBody>
@@ -742,26 +636,23 @@
           </a:prstGeom>
         </p:spPr>
         <p:txBody>
-          <a:bodyPr lIns="0" tIns="0" rIns="0" bIns="0">
+          <a:bodyPr lIns="0" rIns="0" tIns="0" bIns="0">
             <a:normAutofit/>
           </a:bodyPr>
           <a:p>
-            <a:endParaRPr lang="en-US" sz="3200" b="0" strike="noStrike" spc="-1">
-              <a:latin typeface="Arial" charset="0"/>
+            <a:endParaRPr b="0" lang="en-US" sz="3200" spc="-1" strike="noStrike">
+              <a:latin typeface="Arial"/>
             </a:endParaRPr>
           </a:p>
         </p:txBody>
       </p:sp>
     </p:spTree>
   </p:cSld>
-  <p:clrMapOvr>
-    <a:masterClrMapping/>
-  </p:clrMapOvr>
 </p:sldLayout>
 </file>
 
 <file path=ppt/slideLayouts/slideLayout12.xml><?xml version="1.0" encoding="utf-8"?>
-<p:sldLayout xmlns:a="http://schemas.openxmlformats.org/drawingml/2006/main" xmlns:r="http://schemas.openxmlformats.org/officeDocument/2006/relationships" xmlns:p="http://schemas.openxmlformats.org/presentationml/2006/main" type="blank" preserve="1">
+<p:sldLayout xmlns:a="http://schemas.openxmlformats.org/drawingml/2006/main" xmlns:p="http://schemas.openxmlformats.org/presentationml/2006/main" xmlns:r="http://schemas.openxmlformats.org/officeDocument/2006/relationships" xmlns:p14="http://schemas.microsoft.com/office/powerpoint/2010/main" xmlns:p15="http://schemas.microsoft.com/office/powerpoint/2012/main" xmlns:mc="http://schemas.openxmlformats.org/markup-compatibility/2006" type="blank" preserve="1">
   <p:cSld name="Title, 6 Content">
     <p:spTree>
       <p:nvGrpSpPr>
@@ -797,11 +688,11 @@
           </a:prstGeom>
         </p:spPr>
         <p:txBody>
-          <a:bodyPr lIns="0" tIns="0" rIns="0" bIns="0" anchor="ctr"/>
+          <a:bodyPr lIns="0" rIns="0" tIns="0" bIns="0" anchor="ctr"/>
           <a:p>
             <a:pPr algn="ctr"/>
-            <a:endParaRPr lang="en-US" sz="4400" b="0" strike="noStrike" spc="-1">
-              <a:latin typeface="Arial" charset="0"/>
+            <a:endParaRPr b="0" lang="en-US" sz="4400" spc="-1" strike="noStrike">
+              <a:latin typeface="Arial"/>
             </a:endParaRPr>
           </a:p>
         </p:txBody>
@@ -826,12 +717,12 @@
           </a:prstGeom>
         </p:spPr>
         <p:txBody>
-          <a:bodyPr lIns="0" tIns="0" rIns="0" bIns="0">
+          <a:bodyPr lIns="0" rIns="0" tIns="0" bIns="0">
             <a:normAutofit/>
           </a:bodyPr>
           <a:p>
-            <a:endParaRPr lang="en-US" sz="3200" b="0" strike="noStrike" spc="-1">
-              <a:latin typeface="Arial" charset="0"/>
+            <a:endParaRPr b="0" lang="en-US" sz="3200" spc="-1" strike="noStrike">
+              <a:latin typeface="Arial"/>
             </a:endParaRPr>
           </a:p>
         </p:txBody>
@@ -856,12 +747,12 @@
           </a:prstGeom>
         </p:spPr>
         <p:txBody>
-          <a:bodyPr lIns="0" tIns="0" rIns="0" bIns="0">
+          <a:bodyPr lIns="0" rIns="0" tIns="0" bIns="0">
             <a:normAutofit/>
           </a:bodyPr>
           <a:p>
-            <a:endParaRPr lang="en-US" sz="3200" b="0" strike="noStrike" spc="-1">
-              <a:latin typeface="Arial" charset="0"/>
+            <a:endParaRPr b="0" lang="en-US" sz="3200" spc="-1" strike="noStrike">
+              <a:latin typeface="Arial"/>
             </a:endParaRPr>
           </a:p>
         </p:txBody>
@@ -886,12 +777,12 @@
           </a:prstGeom>
         </p:spPr>
         <p:txBody>
-          <a:bodyPr lIns="0" tIns="0" rIns="0" bIns="0">
+          <a:bodyPr lIns="0" rIns="0" tIns="0" bIns="0">
             <a:normAutofit/>
           </a:bodyPr>
           <a:p>
-            <a:endParaRPr lang="en-US" sz="3200" b="0" strike="noStrike" spc="-1">
-              <a:latin typeface="Arial" charset="0"/>
+            <a:endParaRPr b="0" lang="en-US" sz="3200" spc="-1" strike="noStrike">
+              <a:latin typeface="Arial"/>
             </a:endParaRPr>
           </a:p>
         </p:txBody>
@@ -916,12 +807,12 @@
           </a:prstGeom>
         </p:spPr>
         <p:txBody>
-          <a:bodyPr lIns="0" tIns="0" rIns="0" bIns="0">
+          <a:bodyPr lIns="0" rIns="0" tIns="0" bIns="0">
             <a:normAutofit/>
           </a:bodyPr>
           <a:p>
-            <a:endParaRPr lang="en-US" sz="3200" b="0" strike="noStrike" spc="-1">
-              <a:latin typeface="Arial" charset="0"/>
+            <a:endParaRPr b="0" lang="en-US" sz="3200" spc="-1" strike="noStrike">
+              <a:latin typeface="Arial"/>
             </a:endParaRPr>
           </a:p>
         </p:txBody>
@@ -946,12 +837,12 @@
           </a:prstGeom>
         </p:spPr>
         <p:txBody>
-          <a:bodyPr lIns="0" tIns="0" rIns="0" bIns="0">
+          <a:bodyPr lIns="0" rIns="0" tIns="0" bIns="0">
             <a:normAutofit/>
           </a:bodyPr>
           <a:p>
-            <a:endParaRPr lang="en-US" sz="3200" b="0" strike="noStrike" spc="-1">
-              <a:latin typeface="Arial" charset="0"/>
+            <a:endParaRPr b="0" lang="en-US" sz="3200" spc="-1" strike="noStrike">
+              <a:latin typeface="Arial"/>
             </a:endParaRPr>
           </a:p>
         </p:txBody>
@@ -976,26 +867,23 @@
           </a:prstGeom>
         </p:spPr>
         <p:txBody>
-          <a:bodyPr lIns="0" tIns="0" rIns="0" bIns="0">
+          <a:bodyPr lIns="0" rIns="0" tIns="0" bIns="0">
             <a:normAutofit/>
           </a:bodyPr>
           <a:p>
-            <a:endParaRPr lang="en-US" sz="3200" b="0" strike="noStrike" spc="-1">
-              <a:latin typeface="Arial" charset="0"/>
+            <a:endParaRPr b="0" lang="en-US" sz="3200" spc="-1" strike="noStrike">
+              <a:latin typeface="Arial"/>
             </a:endParaRPr>
           </a:p>
         </p:txBody>
       </p:sp>
     </p:spTree>
   </p:cSld>
-  <p:clrMapOvr>
-    <a:masterClrMapping/>
-  </p:clrMapOvr>
 </p:sldLayout>
 </file>
 
 <file path=ppt/slideLayouts/slideLayout2.xml><?xml version="1.0" encoding="utf-8"?>
-<p:sldLayout xmlns:a="http://schemas.openxmlformats.org/drawingml/2006/main" xmlns:r="http://schemas.openxmlformats.org/officeDocument/2006/relationships" xmlns:p="http://schemas.openxmlformats.org/presentationml/2006/main" type="tx" preserve="1">
+<p:sldLayout xmlns:a="http://schemas.openxmlformats.org/drawingml/2006/main" xmlns:p="http://schemas.openxmlformats.org/presentationml/2006/main" xmlns:r="http://schemas.openxmlformats.org/officeDocument/2006/relationships" xmlns:p14="http://schemas.microsoft.com/office/powerpoint/2010/main" xmlns:p15="http://schemas.microsoft.com/office/powerpoint/2012/main" xmlns:mc="http://schemas.openxmlformats.org/markup-compatibility/2006" type="tx" preserve="1">
   <p:cSld name="Title Slide">
     <p:spTree>
       <p:nvGrpSpPr>
@@ -1031,11 +919,11 @@
           </a:prstGeom>
         </p:spPr>
         <p:txBody>
-          <a:bodyPr lIns="0" tIns="0" rIns="0" bIns="0" anchor="ctr"/>
+          <a:bodyPr lIns="0" rIns="0" tIns="0" bIns="0" anchor="ctr"/>
           <a:p>
             <a:pPr algn="ctr"/>
-            <a:endParaRPr lang="en-US" sz="4400" b="0" strike="noStrike" spc="-1">
-              <a:latin typeface="Arial" charset="0"/>
+            <a:endParaRPr b="0" lang="en-US" sz="4400" spc="-1" strike="noStrike">
+              <a:latin typeface="Arial"/>
             </a:endParaRPr>
           </a:p>
         </p:txBody>
@@ -1060,25 +948,22 @@
           </a:prstGeom>
         </p:spPr>
         <p:txBody>
-          <a:bodyPr lIns="0" tIns="0" rIns="0" bIns="0" anchor="ctr"/>
+          <a:bodyPr lIns="0" rIns="0" tIns="0" bIns="0" anchor="ctr"/>
           <a:p>
             <a:pPr algn="ctr"/>
-            <a:endParaRPr lang="en-US" sz="3200" b="0" strike="noStrike" spc="-1">
-              <a:latin typeface="Arial" charset="0"/>
+            <a:endParaRPr b="0" lang="en-US" sz="3200" spc="-1" strike="noStrike">
+              <a:latin typeface="Arial"/>
             </a:endParaRPr>
           </a:p>
         </p:txBody>
       </p:sp>
     </p:spTree>
   </p:cSld>
-  <p:clrMapOvr>
-    <a:masterClrMapping/>
-  </p:clrMapOvr>
 </p:sldLayout>
 </file>
 
 <file path=ppt/slideLayouts/slideLayout3.xml><?xml version="1.0" encoding="utf-8"?>
-<p:sldLayout xmlns:a="http://schemas.openxmlformats.org/drawingml/2006/main" xmlns:r="http://schemas.openxmlformats.org/officeDocument/2006/relationships" xmlns:p="http://schemas.openxmlformats.org/presentationml/2006/main" type="obj" preserve="1">
+<p:sldLayout xmlns:a="http://schemas.openxmlformats.org/drawingml/2006/main" xmlns:p="http://schemas.openxmlformats.org/presentationml/2006/main" xmlns:r="http://schemas.openxmlformats.org/officeDocument/2006/relationships" xmlns:p14="http://schemas.microsoft.com/office/powerpoint/2010/main" xmlns:p15="http://schemas.microsoft.com/office/powerpoint/2012/main" xmlns:mc="http://schemas.openxmlformats.org/markup-compatibility/2006" type="obj" preserve="1">
   <p:cSld name="Title, Content">
     <p:spTree>
       <p:nvGrpSpPr>
@@ -1114,11 +999,11 @@
           </a:prstGeom>
         </p:spPr>
         <p:txBody>
-          <a:bodyPr lIns="0" tIns="0" rIns="0" bIns="0" anchor="ctr"/>
+          <a:bodyPr lIns="0" rIns="0" tIns="0" bIns="0" anchor="ctr"/>
           <a:p>
             <a:pPr algn="ctr"/>
-            <a:endParaRPr lang="en-US" sz="4400" b="0" strike="noStrike" spc="-1">
-              <a:latin typeface="Arial" charset="0"/>
+            <a:endParaRPr b="0" lang="en-US" sz="4400" spc="-1" strike="noStrike">
+              <a:latin typeface="Arial"/>
             </a:endParaRPr>
           </a:p>
         </p:txBody>
@@ -1143,26 +1028,23 @@
           </a:prstGeom>
         </p:spPr>
         <p:txBody>
-          <a:bodyPr lIns="0" tIns="0" rIns="0" bIns="0">
+          <a:bodyPr lIns="0" rIns="0" tIns="0" bIns="0">
             <a:normAutofit/>
           </a:bodyPr>
           <a:p>
-            <a:endParaRPr lang="en-US" sz="3200" b="0" strike="noStrike" spc="-1">
-              <a:latin typeface="Arial" charset="0"/>
+            <a:endParaRPr b="0" lang="en-US" sz="3200" spc="-1" strike="noStrike">
+              <a:latin typeface="Arial"/>
             </a:endParaRPr>
           </a:p>
         </p:txBody>
       </p:sp>
     </p:spTree>
   </p:cSld>
-  <p:clrMapOvr>
-    <a:masterClrMapping/>
-  </p:clrMapOvr>
 </p:sldLayout>
 </file>
 
 <file path=ppt/slideLayouts/slideLayout4.xml><?xml version="1.0" encoding="utf-8"?>
-<p:sldLayout xmlns:a="http://schemas.openxmlformats.org/drawingml/2006/main" xmlns:r="http://schemas.openxmlformats.org/officeDocument/2006/relationships" xmlns:p="http://schemas.openxmlformats.org/presentationml/2006/main" type="twoObj" preserve="1">
+<p:sldLayout xmlns:a="http://schemas.openxmlformats.org/drawingml/2006/main" xmlns:p="http://schemas.openxmlformats.org/presentationml/2006/main" xmlns:r="http://schemas.openxmlformats.org/officeDocument/2006/relationships" xmlns:p14="http://schemas.microsoft.com/office/powerpoint/2010/main" xmlns:p15="http://schemas.microsoft.com/office/powerpoint/2012/main" xmlns:mc="http://schemas.openxmlformats.org/markup-compatibility/2006" type="twoObj" preserve="1">
   <p:cSld name="Title, 2 Content">
     <p:spTree>
       <p:nvGrpSpPr>
@@ -1198,11 +1080,11 @@
           </a:prstGeom>
         </p:spPr>
         <p:txBody>
-          <a:bodyPr lIns="0" tIns="0" rIns="0" bIns="0" anchor="ctr"/>
+          <a:bodyPr lIns="0" rIns="0" tIns="0" bIns="0" anchor="ctr"/>
           <a:p>
             <a:pPr algn="ctr"/>
-            <a:endParaRPr lang="en-US" sz="4400" b="0" strike="noStrike" spc="-1">
-              <a:latin typeface="Arial" charset="0"/>
+            <a:endParaRPr b="0" lang="en-US" sz="4400" spc="-1" strike="noStrike">
+              <a:latin typeface="Arial"/>
             </a:endParaRPr>
           </a:p>
         </p:txBody>
@@ -1227,12 +1109,12 @@
           </a:prstGeom>
         </p:spPr>
         <p:txBody>
-          <a:bodyPr lIns="0" tIns="0" rIns="0" bIns="0">
+          <a:bodyPr lIns="0" rIns="0" tIns="0" bIns="0">
             <a:normAutofit/>
           </a:bodyPr>
           <a:p>
-            <a:endParaRPr lang="en-US" sz="3200" b="0" strike="noStrike" spc="-1">
-              <a:latin typeface="Arial" charset="0"/>
+            <a:endParaRPr b="0" lang="en-US" sz="3200" spc="-1" strike="noStrike">
+              <a:latin typeface="Arial"/>
             </a:endParaRPr>
           </a:p>
         </p:txBody>
@@ -1257,26 +1139,23 @@
           </a:prstGeom>
         </p:spPr>
         <p:txBody>
-          <a:bodyPr lIns="0" tIns="0" rIns="0" bIns="0">
+          <a:bodyPr lIns="0" rIns="0" tIns="0" bIns="0">
             <a:normAutofit/>
           </a:bodyPr>
           <a:p>
-            <a:endParaRPr lang="en-US" sz="3200" b="0" strike="noStrike" spc="-1">
-              <a:latin typeface="Arial" charset="0"/>
+            <a:endParaRPr b="0" lang="en-US" sz="3200" spc="-1" strike="noStrike">
+              <a:latin typeface="Arial"/>
             </a:endParaRPr>
           </a:p>
         </p:txBody>
       </p:sp>
     </p:spTree>
   </p:cSld>
-  <p:clrMapOvr>
-    <a:masterClrMapping/>
-  </p:clrMapOvr>
 </p:sldLayout>
 </file>
 
 <file path=ppt/slideLayouts/slideLayout5.xml><?xml version="1.0" encoding="utf-8"?>
-<p:sldLayout xmlns:a="http://schemas.openxmlformats.org/drawingml/2006/main" xmlns:r="http://schemas.openxmlformats.org/officeDocument/2006/relationships" xmlns:p="http://schemas.openxmlformats.org/presentationml/2006/main" type="titleOnly" preserve="1">
+<p:sldLayout xmlns:a="http://schemas.openxmlformats.org/drawingml/2006/main" xmlns:p="http://schemas.openxmlformats.org/presentationml/2006/main" xmlns:r="http://schemas.openxmlformats.org/officeDocument/2006/relationships" xmlns:p14="http://schemas.microsoft.com/office/powerpoint/2010/main" xmlns:p15="http://schemas.microsoft.com/office/powerpoint/2012/main" xmlns:mc="http://schemas.openxmlformats.org/markup-compatibility/2006" type="titleOnly" preserve="1">
   <p:cSld name="Title Only">
     <p:spTree>
       <p:nvGrpSpPr>
@@ -1312,25 +1191,22 @@
           </a:prstGeom>
         </p:spPr>
         <p:txBody>
-          <a:bodyPr lIns="0" tIns="0" rIns="0" bIns="0" anchor="ctr"/>
+          <a:bodyPr lIns="0" rIns="0" tIns="0" bIns="0" anchor="ctr"/>
           <a:p>
             <a:pPr algn="ctr"/>
-            <a:endParaRPr lang="en-US" sz="4400" b="0" strike="noStrike" spc="-1">
-              <a:latin typeface="Arial" charset="0"/>
+            <a:endParaRPr b="0" lang="en-US" sz="4400" spc="-1" strike="noStrike">
+              <a:latin typeface="Arial"/>
             </a:endParaRPr>
           </a:p>
         </p:txBody>
       </p:sp>
     </p:spTree>
   </p:cSld>
-  <p:clrMapOvr>
-    <a:masterClrMapping/>
-  </p:clrMapOvr>
 </p:sldLayout>
 </file>
 
 <file path=ppt/slideLayouts/slideLayout6.xml><?xml version="1.0" encoding="utf-8"?>
-<p:sldLayout xmlns:a="http://schemas.openxmlformats.org/drawingml/2006/main" xmlns:r="http://schemas.openxmlformats.org/officeDocument/2006/relationships" xmlns:p="http://schemas.openxmlformats.org/presentationml/2006/main" type="objOnly" preserve="1">
+<p:sldLayout xmlns:a="http://schemas.openxmlformats.org/drawingml/2006/main" xmlns:p="http://schemas.openxmlformats.org/presentationml/2006/main" xmlns:r="http://schemas.openxmlformats.org/officeDocument/2006/relationships" xmlns:p14="http://schemas.microsoft.com/office/powerpoint/2010/main" xmlns:p15="http://schemas.microsoft.com/office/powerpoint/2012/main" xmlns:mc="http://schemas.openxmlformats.org/markup-compatibility/2006" type="objOnly" preserve="1">
   <p:cSld name="Centered Text">
     <p:spTree>
       <p:nvGrpSpPr>
@@ -1366,25 +1242,22 @@
           </a:prstGeom>
         </p:spPr>
         <p:txBody>
-          <a:bodyPr lIns="0" tIns="0" rIns="0" bIns="0" anchor="ctr"/>
+          <a:bodyPr lIns="0" rIns="0" tIns="0" bIns="0" anchor="ctr"/>
           <a:p>
             <a:pPr algn="ctr"/>
-            <a:endParaRPr lang="en-US" sz="3200" b="0" strike="noStrike" spc="-1">
-              <a:latin typeface="Arial" charset="0"/>
+            <a:endParaRPr b="0" lang="en-US" sz="3200" spc="-1" strike="noStrike">
+              <a:latin typeface="Arial"/>
             </a:endParaRPr>
           </a:p>
         </p:txBody>
       </p:sp>
     </p:spTree>
   </p:cSld>
-  <p:clrMapOvr>
-    <a:masterClrMapping/>
-  </p:clrMapOvr>
 </p:sldLayout>
 </file>
 
 <file path=ppt/slideLayouts/slideLayout7.xml><?xml version="1.0" encoding="utf-8"?>
-<p:sldLayout xmlns:a="http://schemas.openxmlformats.org/drawingml/2006/main" xmlns:r="http://schemas.openxmlformats.org/officeDocument/2006/relationships" xmlns:p="http://schemas.openxmlformats.org/presentationml/2006/main" type="twoObjAndObj" preserve="1">
+<p:sldLayout xmlns:a="http://schemas.openxmlformats.org/drawingml/2006/main" xmlns:p="http://schemas.openxmlformats.org/presentationml/2006/main" xmlns:r="http://schemas.openxmlformats.org/officeDocument/2006/relationships" xmlns:p14="http://schemas.microsoft.com/office/powerpoint/2010/main" xmlns:p15="http://schemas.microsoft.com/office/powerpoint/2012/main" xmlns:mc="http://schemas.openxmlformats.org/markup-compatibility/2006" type="twoObjAndObj" preserve="1">
   <p:cSld name="Title, 2 Content and Content">
     <p:spTree>
       <p:nvGrpSpPr>
@@ -1420,11 +1293,11 @@
           </a:prstGeom>
         </p:spPr>
         <p:txBody>
-          <a:bodyPr lIns="0" tIns="0" rIns="0" bIns="0" anchor="ctr"/>
+          <a:bodyPr lIns="0" rIns="0" tIns="0" bIns="0" anchor="ctr"/>
           <a:p>
             <a:pPr algn="ctr"/>
-            <a:endParaRPr lang="en-US" sz="4400" b="0" strike="noStrike" spc="-1">
-              <a:latin typeface="Arial" charset="0"/>
+            <a:endParaRPr b="0" lang="en-US" sz="4400" spc="-1" strike="noStrike">
+              <a:latin typeface="Arial"/>
             </a:endParaRPr>
           </a:p>
         </p:txBody>
@@ -1449,12 +1322,12 @@
           </a:prstGeom>
         </p:spPr>
         <p:txBody>
-          <a:bodyPr lIns="0" tIns="0" rIns="0" bIns="0">
+          <a:bodyPr lIns="0" rIns="0" tIns="0" bIns="0">
             <a:normAutofit/>
           </a:bodyPr>
           <a:p>
-            <a:endParaRPr lang="en-US" sz="3200" b="0" strike="noStrike" spc="-1">
-              <a:latin typeface="Arial" charset="0"/>
+            <a:endParaRPr b="0" lang="en-US" sz="3200" spc="-1" strike="noStrike">
+              <a:latin typeface="Arial"/>
             </a:endParaRPr>
           </a:p>
         </p:txBody>
@@ -1479,12 +1352,12 @@
           </a:prstGeom>
         </p:spPr>
         <p:txBody>
-          <a:bodyPr lIns="0" tIns="0" rIns="0" bIns="0">
+          <a:bodyPr lIns="0" rIns="0" tIns="0" bIns="0">
             <a:normAutofit/>
           </a:bodyPr>
           <a:p>
-            <a:endParaRPr lang="en-US" sz="3200" b="0" strike="noStrike" spc="-1">
-              <a:latin typeface="Arial" charset="0"/>
+            <a:endParaRPr b="0" lang="en-US" sz="3200" spc="-1" strike="noStrike">
+              <a:latin typeface="Arial"/>
             </a:endParaRPr>
           </a:p>
         </p:txBody>
@@ -1509,26 +1382,23 @@
           </a:prstGeom>
         </p:spPr>
         <p:txBody>
-          <a:bodyPr lIns="0" tIns="0" rIns="0" bIns="0">
+          <a:bodyPr lIns="0" rIns="0" tIns="0" bIns="0">
             <a:normAutofit/>
           </a:bodyPr>
           <a:p>
-            <a:endParaRPr lang="en-US" sz="3200" b="0" strike="noStrike" spc="-1">
-              <a:latin typeface="Arial" charset="0"/>
+            <a:endParaRPr b="0" lang="en-US" sz="3200" spc="-1" strike="noStrike">
+              <a:latin typeface="Arial"/>
             </a:endParaRPr>
           </a:p>
         </p:txBody>
       </p:sp>
     </p:spTree>
   </p:cSld>
-  <p:clrMapOvr>
-    <a:masterClrMapping/>
-  </p:clrMapOvr>
 </p:sldLayout>
 </file>
 
 <file path=ppt/slideLayouts/slideLayout8.xml><?xml version="1.0" encoding="utf-8"?>
-<p:sldLayout xmlns:a="http://schemas.openxmlformats.org/drawingml/2006/main" xmlns:r="http://schemas.openxmlformats.org/officeDocument/2006/relationships" xmlns:p="http://schemas.openxmlformats.org/presentationml/2006/main" type="objAndTwoObj" preserve="1">
+<p:sldLayout xmlns:a="http://schemas.openxmlformats.org/drawingml/2006/main" xmlns:p="http://schemas.openxmlformats.org/presentationml/2006/main" xmlns:r="http://schemas.openxmlformats.org/officeDocument/2006/relationships" xmlns:p14="http://schemas.microsoft.com/office/powerpoint/2010/main" xmlns:p15="http://schemas.microsoft.com/office/powerpoint/2012/main" xmlns:mc="http://schemas.openxmlformats.org/markup-compatibility/2006" type="objAndTwoObj" preserve="1">
   <p:cSld name="Title Content and 2 Content">
     <p:spTree>
       <p:nvGrpSpPr>
@@ -1564,11 +1434,11 @@
           </a:prstGeom>
         </p:spPr>
         <p:txBody>
-          <a:bodyPr lIns="0" tIns="0" rIns="0" bIns="0" anchor="ctr"/>
+          <a:bodyPr lIns="0" rIns="0" tIns="0" bIns="0" anchor="ctr"/>
           <a:p>
             <a:pPr algn="ctr"/>
-            <a:endParaRPr lang="en-US" sz="4400" b="0" strike="noStrike" spc="-1">
-              <a:latin typeface="Arial" charset="0"/>
+            <a:endParaRPr b="0" lang="en-US" sz="4400" spc="-1" strike="noStrike">
+              <a:latin typeface="Arial"/>
             </a:endParaRPr>
           </a:p>
         </p:txBody>
@@ -1593,12 +1463,12 @@
           </a:prstGeom>
         </p:spPr>
         <p:txBody>
-          <a:bodyPr lIns="0" tIns="0" rIns="0" bIns="0">
+          <a:bodyPr lIns="0" rIns="0" tIns="0" bIns="0">
             <a:normAutofit/>
           </a:bodyPr>
           <a:p>
-            <a:endParaRPr lang="en-US" sz="3200" b="0" strike="noStrike" spc="-1">
-              <a:latin typeface="Arial" charset="0"/>
+            <a:endParaRPr b="0" lang="en-US" sz="3200" spc="-1" strike="noStrike">
+              <a:latin typeface="Arial"/>
             </a:endParaRPr>
           </a:p>
         </p:txBody>
@@ -1623,12 +1493,12 @@
           </a:prstGeom>
         </p:spPr>
         <p:txBody>
-          <a:bodyPr lIns="0" tIns="0" rIns="0" bIns="0">
+          <a:bodyPr lIns="0" rIns="0" tIns="0" bIns="0">
             <a:normAutofit/>
           </a:bodyPr>
           <a:p>
-            <a:endParaRPr lang="en-US" sz="3200" b="0" strike="noStrike" spc="-1">
-              <a:latin typeface="Arial" charset="0"/>
+            <a:endParaRPr b="0" lang="en-US" sz="3200" spc="-1" strike="noStrike">
+              <a:latin typeface="Arial"/>
             </a:endParaRPr>
           </a:p>
         </p:txBody>
@@ -1653,26 +1523,23 @@
           </a:prstGeom>
         </p:spPr>
         <p:txBody>
-          <a:bodyPr lIns="0" tIns="0" rIns="0" bIns="0">
+          <a:bodyPr lIns="0" rIns="0" tIns="0" bIns="0">
             <a:normAutofit/>
           </a:bodyPr>
           <a:p>
-            <a:endParaRPr lang="en-US" sz="3200" b="0" strike="noStrike" spc="-1">
-              <a:latin typeface="Arial" charset="0"/>
+            <a:endParaRPr b="0" lang="en-US" sz="3200" spc="-1" strike="noStrike">
+              <a:latin typeface="Arial"/>
             </a:endParaRPr>
           </a:p>
         </p:txBody>
       </p:sp>
     </p:spTree>
   </p:cSld>
-  <p:clrMapOvr>
-    <a:masterClrMapping/>
-  </p:clrMapOvr>
 </p:sldLayout>
 </file>
 
 <file path=ppt/slideLayouts/slideLayout9.xml><?xml version="1.0" encoding="utf-8"?>
-<p:sldLayout xmlns:a="http://schemas.openxmlformats.org/drawingml/2006/main" xmlns:r="http://schemas.openxmlformats.org/officeDocument/2006/relationships" xmlns:p="http://schemas.openxmlformats.org/presentationml/2006/main" type="twoObjOverTx" preserve="1">
+<p:sldLayout xmlns:a="http://schemas.openxmlformats.org/drawingml/2006/main" xmlns:p="http://schemas.openxmlformats.org/presentationml/2006/main" xmlns:r="http://schemas.openxmlformats.org/officeDocument/2006/relationships" xmlns:p14="http://schemas.microsoft.com/office/powerpoint/2010/main" xmlns:p15="http://schemas.microsoft.com/office/powerpoint/2012/main" xmlns:mc="http://schemas.openxmlformats.org/markup-compatibility/2006" type="twoObjOverTx" preserve="1">
   <p:cSld name="Title, 2 Content over Content">
     <p:spTree>
       <p:nvGrpSpPr>
@@ -1708,11 +1575,11 @@
           </a:prstGeom>
         </p:spPr>
         <p:txBody>
-          <a:bodyPr lIns="0" tIns="0" rIns="0" bIns="0" anchor="ctr"/>
+          <a:bodyPr lIns="0" rIns="0" tIns="0" bIns="0" anchor="ctr"/>
           <a:p>
             <a:pPr algn="ctr"/>
-            <a:endParaRPr lang="en-US" sz="4400" b="0" strike="noStrike" spc="-1">
-              <a:latin typeface="Arial" charset="0"/>
+            <a:endParaRPr b="0" lang="en-US" sz="4400" spc="-1" strike="noStrike">
+              <a:latin typeface="Arial"/>
             </a:endParaRPr>
           </a:p>
         </p:txBody>
@@ -1737,12 +1604,12 @@
           </a:prstGeom>
         </p:spPr>
         <p:txBody>
-          <a:bodyPr lIns="0" tIns="0" rIns="0" bIns="0">
+          <a:bodyPr lIns="0" rIns="0" tIns="0" bIns="0">
             <a:normAutofit/>
           </a:bodyPr>
           <a:p>
-            <a:endParaRPr lang="en-US" sz="3200" b="0" strike="noStrike" spc="-1">
-              <a:latin typeface="Arial" charset="0"/>
+            <a:endParaRPr b="0" lang="en-US" sz="3200" spc="-1" strike="noStrike">
+              <a:latin typeface="Arial"/>
             </a:endParaRPr>
           </a:p>
         </p:txBody>
@@ -1767,12 +1634,12 @@
           </a:prstGeom>
         </p:spPr>
         <p:txBody>
-          <a:bodyPr lIns="0" tIns="0" rIns="0" bIns="0">
+          <a:bodyPr lIns="0" rIns="0" tIns="0" bIns="0">
             <a:normAutofit/>
           </a:bodyPr>
           <a:p>
-            <a:endParaRPr lang="en-US" sz="3200" b="0" strike="noStrike" spc="-1">
-              <a:latin typeface="Arial" charset="0"/>
+            <a:endParaRPr b="0" lang="en-US" sz="3200" spc="-1" strike="noStrike">
+              <a:latin typeface="Arial"/>
             </a:endParaRPr>
           </a:p>
         </p:txBody>
@@ -1797,33 +1664,29 @@
           </a:prstGeom>
         </p:spPr>
         <p:txBody>
-          <a:bodyPr lIns="0" tIns="0" rIns="0" bIns="0">
+          <a:bodyPr lIns="0" rIns="0" tIns="0" bIns="0">
             <a:normAutofit/>
           </a:bodyPr>
           <a:p>
-            <a:endParaRPr lang="en-US" sz="3200" b="0" strike="noStrike" spc="-1">
-              <a:latin typeface="Arial" charset="0"/>
+            <a:endParaRPr b="0" lang="en-US" sz="3200" spc="-1" strike="noStrike">
+              <a:latin typeface="Arial"/>
             </a:endParaRPr>
           </a:p>
         </p:txBody>
       </p:sp>
     </p:spTree>
   </p:cSld>
-  <p:clrMapOvr>
-    <a:masterClrMapping/>
-  </p:clrMapOvr>
 </p:sldLayout>
 </file>
 
 <file path=ppt/slideMasters/slideMaster1.xml><?xml version="1.0" encoding="utf-8"?>
-<p:sldMaster xmlns:a="http://schemas.openxmlformats.org/drawingml/2006/main" xmlns:r="http://schemas.openxmlformats.org/officeDocument/2006/relationships" xmlns:p="http://schemas.openxmlformats.org/presentationml/2006/main">
+<p:sldMaster xmlns:a="http://schemas.openxmlformats.org/drawingml/2006/main" xmlns:p="http://schemas.openxmlformats.org/presentationml/2006/main" xmlns:r="http://schemas.openxmlformats.org/officeDocument/2006/relationships" xmlns:p14="http://schemas.microsoft.com/office/powerpoint/2010/main" xmlns:p15="http://schemas.microsoft.com/office/powerpoint/2012/main" xmlns:mc="http://schemas.openxmlformats.org/markup-compatibility/2006">
   <p:cSld>
     <p:bg>
       <p:bgPr>
         <a:solidFill>
-          <a:srgbClr val="FFFFFF"/>
+          <a:srgbClr val="ffffff"/>
         </a:solidFill>
-        <a:effectLst/>
       </p:bgPr>
     </p:bg>
     <p:spTree>
@@ -1842,20 +1705,18 @@
       </p:grpSpPr>
       <p:pic>
         <p:nvPicPr>
-          <p:cNvPr id="0" name="Image 3"/>
+          <p:cNvPr id="0" name="Image 3" descr=""/>
           <p:cNvPicPr/>
           <p:nvPr/>
         </p:nvPicPr>
         <p:blipFill>
-          <a:blip r:embed="rId13"/>
-          <a:stretch>
-            <a:fillRect/>
-          </a:stretch>
+          <a:blip r:embed="rId2"/>
+          <a:stretch/>
         </p:blipFill>
         <p:spPr>
           <a:xfrm>
             <a:off x="0" y="0"/>
-            <a:ext cx="12599280" cy="3418920"/>
+            <a:ext cx="12596760" cy="3416400"/>
           </a:xfrm>
           <a:prstGeom prst="rect">
             <a:avLst/>
@@ -1867,20 +1728,18 @@
       </p:pic>
       <p:pic>
         <p:nvPicPr>
-          <p:cNvPr id="2" name="Image 4"/>
+          <p:cNvPr id="1" name="Image 4" descr=""/>
           <p:cNvPicPr/>
           <p:nvPr/>
         </p:nvPicPr>
         <p:blipFill>
-          <a:blip r:embed="rId14"/>
-          <a:stretch>
-            <a:fillRect/>
-          </a:stretch>
+          <a:blip r:embed="rId3"/>
+          <a:stretch/>
         </p:blipFill>
         <p:spPr>
           <a:xfrm>
             <a:off x="0" y="17193240"/>
-            <a:ext cx="12599280" cy="810000"/>
+            <a:ext cx="12596760" cy="807480"/>
           </a:xfrm>
           <a:prstGeom prst="rect">
             <a:avLst/>
@@ -1892,7 +1751,7 @@
       </p:pic>
       <p:sp>
         <p:nvSpPr>
-          <p:cNvPr id="3" name="PlaceHolder 1"/>
+          <p:cNvPr id="2" name="PlaceHolder 1"/>
           <p:cNvSpPr>
             <a:spLocks noGrp="1"/>
           </p:cNvSpPr>
@@ -1910,24 +1769,36 @@
           </a:prstGeom>
         </p:spPr>
         <p:txBody>
-          <a:bodyPr lIns="0" tIns="0" rIns="0" bIns="0" anchor="ctr"/>
+          <a:bodyPr lIns="0" rIns="0" tIns="0" bIns="0" anchor="ctr"/>
           <a:p>
             <a:pPr algn="ctr"/>
             <a:r>
-              <a:rPr lang="en-US" sz="4400" b="0" strike="noStrike" spc="-1">
-                <a:latin typeface="Arial" charset="0"/>
-              </a:rPr>
-              <a:t>Click to edit the title text format</a:t>
-            </a:r>
-            <a:endParaRPr lang="en-US" sz="4400" b="0" strike="noStrike" spc="-1">
-              <a:latin typeface="Arial" charset="0"/>
-            </a:endParaRPr>
-          </a:p>
-        </p:txBody>
-      </p:sp>
-      <p:sp>
-        <p:nvSpPr>
-          <p:cNvPr id="4" name="PlaceHolder 2"/>
+              <a:rPr b="0" lang="en-US" sz="4400" spc="-1" strike="noStrike">
+                <a:latin typeface="Arial"/>
+              </a:rPr>
+              <a:t>Click to edit </a:t>
+            </a:r>
+            <a:r>
+              <a:rPr b="0" lang="en-US" sz="4400" spc="-1" strike="noStrike">
+                <a:latin typeface="Arial"/>
+              </a:rPr>
+              <a:t>the title text </a:t>
+            </a:r>
+            <a:r>
+              <a:rPr b="0" lang="en-US" sz="4400" spc="-1" strike="noStrike">
+                <a:latin typeface="Arial"/>
+              </a:rPr>
+              <a:t>format</a:t>
+            </a:r>
+            <a:endParaRPr b="0" lang="en-US" sz="4400" spc="-1" strike="noStrike">
+              <a:latin typeface="Arial"/>
+            </a:endParaRPr>
+          </a:p>
+        </p:txBody>
+      </p:sp>
+      <p:sp>
+        <p:nvSpPr>
+          <p:cNvPr id="3" name="PlaceHolder 2"/>
           <p:cNvSpPr>
             <a:spLocks noGrp="1"/>
           </p:cNvSpPr>
@@ -1945,35 +1816,35 @@
           </a:prstGeom>
         </p:spPr>
         <p:txBody>
-          <a:bodyPr lIns="0" tIns="0" rIns="0" bIns="0">
+          <a:bodyPr lIns="0" rIns="0" tIns="0" bIns="0">
             <a:normAutofit/>
           </a:bodyPr>
           <a:p>
-            <a:pPr marL="431800" indent="-323850">
+            <a:pPr marL="432000" indent="-324000">
               <a:spcBef>
-                <a:spcPts val="1415"/>
+                <a:spcPts val="1417"/>
               </a:spcBef>
               <a:buClr>
                 <a:srgbClr val="000000"/>
               </a:buClr>
               <a:buSzPct val="45000"/>
-              <a:buFont typeface="Wingdings" panose="05000000000000000000" charset="2"/>
+              <a:buFont typeface="Wingdings" charset="2"/>
               <a:buChar char=""/>
             </a:pPr>
             <a:r>
-              <a:rPr lang="en-US" sz="3200" b="0" strike="noStrike" spc="-1">
-                <a:latin typeface="Arial" charset="0"/>
+              <a:rPr b="0" lang="en-US" sz="3200" spc="-1" strike="noStrike">
+                <a:latin typeface="Arial"/>
               </a:rPr>
               <a:t>Click to edit the outline text format</a:t>
             </a:r>
-            <a:endParaRPr lang="en-US" sz="3200" b="0" strike="noStrike" spc="-1">
-              <a:latin typeface="Arial" charset="0"/>
-            </a:endParaRPr>
-          </a:p>
-          <a:p>
-            <a:pPr marL="864235" lvl="1" indent="-323850">
+            <a:endParaRPr b="0" lang="en-US" sz="3200" spc="-1" strike="noStrike">
+              <a:latin typeface="Arial"/>
+            </a:endParaRPr>
+          </a:p>
+          <a:p>
+            <a:pPr lvl="1" marL="864000" indent="-324000">
               <a:spcBef>
-                <a:spcPts val="1135"/>
+                <a:spcPts val="1134"/>
               </a:spcBef>
               <a:buClr>
                 <a:srgbClr val="000000"/>
@@ -1983,17 +1854,17 @@
               <a:buChar char=""/>
             </a:pPr>
             <a:r>
-              <a:rPr lang="en-US" sz="2800" b="0" strike="noStrike" spc="-1">
-                <a:latin typeface="Arial" charset="0"/>
+              <a:rPr b="0" lang="en-US" sz="2800" spc="-1" strike="noStrike">
+                <a:latin typeface="Arial"/>
               </a:rPr>
               <a:t>Second Outline Level</a:t>
             </a:r>
-            <a:endParaRPr lang="en-US" sz="2800" b="0" strike="noStrike" spc="-1">
-              <a:latin typeface="Arial" charset="0"/>
-            </a:endParaRPr>
-          </a:p>
-          <a:p>
-            <a:pPr marL="1296035" lvl="2" indent="-288290">
+            <a:endParaRPr b="0" lang="en-US" sz="2800" spc="-1" strike="noStrike">
+              <a:latin typeface="Arial"/>
+            </a:endParaRPr>
+          </a:p>
+          <a:p>
+            <a:pPr lvl="2" marL="1296000" indent="-288000">
               <a:spcBef>
                 <a:spcPts val="850"/>
               </a:spcBef>
@@ -2001,23 +1872,23 @@
                 <a:srgbClr val="000000"/>
               </a:buClr>
               <a:buSzPct val="45000"/>
-              <a:buFont typeface="Wingdings" panose="05000000000000000000" charset="2"/>
+              <a:buFont typeface="Wingdings" charset="2"/>
               <a:buChar char=""/>
             </a:pPr>
             <a:r>
-              <a:rPr lang="en-US" sz="2400" b="0" strike="noStrike" spc="-1">
-                <a:latin typeface="Arial" charset="0"/>
+              <a:rPr b="0" lang="en-US" sz="2400" spc="-1" strike="noStrike">
+                <a:latin typeface="Arial"/>
               </a:rPr>
               <a:t>Third Outline Level</a:t>
             </a:r>
-            <a:endParaRPr lang="en-US" sz="2400" b="0" strike="noStrike" spc="-1">
-              <a:latin typeface="Arial" charset="0"/>
-            </a:endParaRPr>
-          </a:p>
-          <a:p>
-            <a:pPr marL="1727835" lvl="3" indent="-215900">
+            <a:endParaRPr b="0" lang="en-US" sz="2400" spc="-1" strike="noStrike">
+              <a:latin typeface="Arial"/>
+            </a:endParaRPr>
+          </a:p>
+          <a:p>
+            <a:pPr lvl="3" marL="1728000" indent="-216000">
               <a:spcBef>
-                <a:spcPts val="565"/>
+                <a:spcPts val="567"/>
               </a:spcBef>
               <a:buClr>
                 <a:srgbClr val="000000"/>
@@ -2027,110 +1898,105 @@
               <a:buChar char=""/>
             </a:pPr>
             <a:r>
-              <a:rPr lang="en-US" sz="2000" b="0" strike="noStrike" spc="-1">
-                <a:latin typeface="Arial" charset="0"/>
+              <a:rPr b="0" lang="en-US" sz="2000" spc="-1" strike="noStrike">
+                <a:latin typeface="Arial"/>
               </a:rPr>
               <a:t>Fourth Outline Level</a:t>
             </a:r>
-            <a:endParaRPr lang="en-US" sz="2000" b="0" strike="noStrike" spc="-1">
-              <a:latin typeface="Arial" charset="0"/>
-            </a:endParaRPr>
-          </a:p>
-          <a:p>
-            <a:pPr marL="2160270" lvl="4" indent="-215900">
+            <a:endParaRPr b="0" lang="en-US" sz="2000" spc="-1" strike="noStrike">
+              <a:latin typeface="Arial"/>
+            </a:endParaRPr>
+          </a:p>
+          <a:p>
+            <a:pPr lvl="4" marL="2160000" indent="-216000">
               <a:spcBef>
-                <a:spcPts val="285"/>
+                <a:spcPts val="283"/>
               </a:spcBef>
               <a:buClr>
                 <a:srgbClr val="000000"/>
               </a:buClr>
               <a:buSzPct val="45000"/>
-              <a:buFont typeface="Wingdings" panose="05000000000000000000" charset="2"/>
+              <a:buFont typeface="Wingdings" charset="2"/>
               <a:buChar char=""/>
             </a:pPr>
             <a:r>
-              <a:rPr lang="en-US" sz="2000" b="0" strike="noStrike" spc="-1">
-                <a:latin typeface="Arial" charset="0"/>
+              <a:rPr b="0" lang="en-US" sz="2000" spc="-1" strike="noStrike">
+                <a:latin typeface="Arial"/>
               </a:rPr>
               <a:t>Fifth Outline Level</a:t>
             </a:r>
-            <a:endParaRPr lang="en-US" sz="2000" b="0" strike="noStrike" spc="-1">
-              <a:latin typeface="Arial" charset="0"/>
-            </a:endParaRPr>
-          </a:p>
-          <a:p>
-            <a:pPr marL="2592070" lvl="5" indent="-215900">
+            <a:endParaRPr b="0" lang="en-US" sz="2000" spc="-1" strike="noStrike">
+              <a:latin typeface="Arial"/>
+            </a:endParaRPr>
+          </a:p>
+          <a:p>
+            <a:pPr lvl="5" marL="2592000" indent="-216000">
               <a:spcBef>
-                <a:spcPts val="285"/>
+                <a:spcPts val="283"/>
               </a:spcBef>
               <a:buClr>
                 <a:srgbClr val="000000"/>
               </a:buClr>
               <a:buSzPct val="45000"/>
-              <a:buFont typeface="Wingdings" panose="05000000000000000000" charset="2"/>
+              <a:buFont typeface="Wingdings" charset="2"/>
               <a:buChar char=""/>
             </a:pPr>
             <a:r>
-              <a:rPr lang="en-US" sz="2000" b="0" strike="noStrike" spc="-1">
-                <a:latin typeface="Arial" charset="0"/>
+              <a:rPr b="0" lang="en-US" sz="2000" spc="-1" strike="noStrike">
+                <a:latin typeface="Arial"/>
               </a:rPr>
               <a:t>Sixth Outline Level</a:t>
             </a:r>
-            <a:endParaRPr lang="en-US" sz="2000" b="0" strike="noStrike" spc="-1">
-              <a:latin typeface="Arial" charset="0"/>
-            </a:endParaRPr>
-          </a:p>
-          <a:p>
-            <a:pPr marL="3023870" lvl="6" indent="-215900">
+            <a:endParaRPr b="0" lang="en-US" sz="2000" spc="-1" strike="noStrike">
+              <a:latin typeface="Arial"/>
+            </a:endParaRPr>
+          </a:p>
+          <a:p>
+            <a:pPr lvl="6" marL="3024000" indent="-216000">
               <a:spcBef>
-                <a:spcPts val="285"/>
+                <a:spcPts val="283"/>
               </a:spcBef>
               <a:buClr>
                 <a:srgbClr val="000000"/>
               </a:buClr>
               <a:buSzPct val="45000"/>
-              <a:buFont typeface="Wingdings" panose="05000000000000000000" charset="2"/>
+              <a:buFont typeface="Wingdings" charset="2"/>
               <a:buChar char=""/>
             </a:pPr>
             <a:r>
-              <a:rPr lang="en-US" sz="2000" b="0" strike="noStrike" spc="-1">
-                <a:latin typeface="Arial" charset="0"/>
+              <a:rPr b="0" lang="en-US" sz="2000" spc="-1" strike="noStrike">
+                <a:latin typeface="Arial"/>
               </a:rPr>
               <a:t>Seventh Outline Level</a:t>
             </a:r>
-            <a:endParaRPr lang="en-US" sz="2000" b="0" strike="noStrike" spc="-1">
-              <a:latin typeface="Arial" charset="0"/>
+            <a:endParaRPr b="0" lang="en-US" sz="2000" spc="-1" strike="noStrike">
+              <a:latin typeface="Arial"/>
             </a:endParaRPr>
           </a:p>
         </p:txBody>
       </p:sp>
     </p:spTree>
   </p:cSld>
-  <p:clrMap bg1="lt1" tx1="dk1" bg2="lt2" tx2="dk2" accent1="accent1" accent2="accent2" accent3="accent3" accent4="accent4" accent5="accent5" accent6="accent6" hlink="hlink" folHlink="folHlink"/>
+  <p:clrMap bg1="lt1" bg2="lt2" tx1="dk1" tx2="dk2" accent1="accent1" accent2="accent2" accent3="accent3" accent4="accent4" accent5="accent5" accent6="accent6" hlink="hlink" folHlink="folHlink"/>
   <p:sldLayoutIdLst>
-    <p:sldLayoutId id="2147483649" r:id="rId1"/>
-    <p:sldLayoutId id="2147483650" r:id="rId2"/>
-    <p:sldLayoutId id="2147483651" r:id="rId3"/>
-    <p:sldLayoutId id="2147483652" r:id="rId4"/>
-    <p:sldLayoutId id="2147483653" r:id="rId5"/>
-    <p:sldLayoutId id="2147483654" r:id="rId6"/>
-    <p:sldLayoutId id="2147483655" r:id="rId7"/>
-    <p:sldLayoutId id="2147483656" r:id="rId8"/>
-    <p:sldLayoutId id="2147483657" r:id="rId9"/>
-    <p:sldLayoutId id="2147483658" r:id="rId10"/>
-    <p:sldLayoutId id="2147483659" r:id="rId11"/>
-    <p:sldLayoutId id="2147483660" r:id="rId12"/>
+    <p:sldLayoutId id="2147483649" r:id="rId4"/>
+    <p:sldLayoutId id="2147483650" r:id="rId5"/>
+    <p:sldLayoutId id="2147483651" r:id="rId6"/>
+    <p:sldLayoutId id="2147483652" r:id="rId7"/>
+    <p:sldLayoutId id="2147483653" r:id="rId8"/>
+    <p:sldLayoutId id="2147483654" r:id="rId9"/>
+    <p:sldLayoutId id="2147483655" r:id="rId10"/>
+    <p:sldLayoutId id="2147483656" r:id="rId11"/>
+    <p:sldLayoutId id="2147483657" r:id="rId12"/>
+    <p:sldLayoutId id="2147483658" r:id="rId13"/>
+    <p:sldLayoutId id="2147483659" r:id="rId14"/>
+    <p:sldLayoutId id="2147483660" r:id="rId15"/>
   </p:sldLayoutIdLst>
-  <p:txStyles>
-    <p:titleStyle/>
-    <p:bodyStyle/>
-    <p:otherStyle/>
-  </p:txStyles>
 </p:sldMaster>
 </file>
 
 <file path=ppt/slides/slide1.xml><?xml version="1.0" encoding="utf-8"?>
-<p:sld xmlns:a="http://schemas.openxmlformats.org/drawingml/2006/main" xmlns:r="http://schemas.openxmlformats.org/officeDocument/2006/relationships" xmlns:p="http://schemas.openxmlformats.org/presentationml/2006/main">
+<p:sld xmlns:a="http://schemas.openxmlformats.org/drawingml/2006/main" xmlns:p="http://schemas.openxmlformats.org/presentationml/2006/main" xmlns:r="http://schemas.openxmlformats.org/officeDocument/2006/relationships" xmlns:p14="http://schemas.microsoft.com/office/powerpoint/2010/main" xmlns:p15="http://schemas.microsoft.com/office/powerpoint/2012/main" xmlns:mc="http://schemas.openxmlformats.org/markup-compatibility/2006">
   <p:cSld>
     <p:spTree>
       <p:nvGrpSpPr>
@@ -2146,22 +2012,50 @@
           <a:chExt cx="0" cy="0"/>
         </a:xfrm>
       </p:grpSpPr>
+      <p:sp>
+        <p:nvSpPr>
+          <p:cNvPr id="46" name="CustomShape 1"/>
+          <p:cNvSpPr/>
+          <p:nvPr/>
+        </p:nvSpPr>
+        <p:spPr>
+          <a:xfrm>
+            <a:off x="10551960" y="36000"/>
+            <a:ext cx="1991160" cy="2054160"/>
+          </a:xfrm>
+          <a:prstGeom prst="ellipse">
+            <a:avLst/>
+          </a:prstGeom>
+          <a:solidFill>
+            <a:srgbClr val="ffffff"/>
+          </a:solidFill>
+          <a:ln>
+            <a:solidFill>
+              <a:srgbClr val="3465a4"/>
+            </a:solidFill>
+          </a:ln>
+        </p:spPr>
+        <p:style>
+          <a:lnRef idx="0"/>
+          <a:fillRef idx="0"/>
+          <a:effectRef idx="0"/>
+          <a:fontRef idx="minor"/>
+        </p:style>
+      </p:sp>
       <p:pic>
         <p:nvPicPr>
-          <p:cNvPr id="82" name="Picture 81"/>
+          <p:cNvPr id="47" name="" descr=""/>
           <p:cNvPicPr/>
           <p:nvPr/>
         </p:nvPicPr>
         <p:blipFill>
           <a:blip r:embed="rId1"/>
-          <a:stretch>
-            <a:fillRect/>
-          </a:stretch>
+          <a:stretch/>
         </p:blipFill>
         <p:spPr>
           <a:xfrm>
-            <a:off x="0" y="10332000"/>
-            <a:ext cx="3024378" cy="2040255"/>
+            <a:off x="3149280" y="13890600"/>
+            <a:ext cx="3027600" cy="2053800"/>
           </a:xfrm>
           <a:prstGeom prst="rect">
             <a:avLst/>
@@ -2173,20 +2067,18 @@
       </p:pic>
       <p:pic>
         <p:nvPicPr>
-          <p:cNvPr id="81" name="Picture 80"/>
+          <p:cNvPr id="48" name="Picture 77" descr=""/>
           <p:cNvPicPr/>
           <p:nvPr/>
         </p:nvPicPr>
         <p:blipFill>
           <a:blip r:embed="rId2"/>
-          <a:stretch>
-            <a:fillRect/>
-          </a:stretch>
+          <a:stretch/>
         </p:blipFill>
         <p:spPr>
           <a:xfrm>
-            <a:off x="3168000" y="8460000"/>
-            <a:ext cx="2880360" cy="1943100"/>
+            <a:off x="6143040" y="13804560"/>
+            <a:ext cx="3453840" cy="2475360"/>
           </a:xfrm>
           <a:prstGeom prst="rect">
             <a:avLst/>
@@ -2198,20 +2090,19 @@
       </p:pic>
       <p:pic>
         <p:nvPicPr>
-          <p:cNvPr id="80" name="Picture 79"/>
+          <p:cNvPr id="49" name="Picture 79" descr=""/>
           <p:cNvPicPr/>
           <p:nvPr/>
         </p:nvPicPr>
         <p:blipFill>
           <a:blip r:embed="rId3"/>
-          <a:stretch>
-            <a:fillRect/>
-          </a:stretch>
+          <a:srcRect l="5879" t="0" r="0" b="0"/>
+          <a:stretch/>
         </p:blipFill>
         <p:spPr>
           <a:xfrm>
-            <a:off x="0" y="8460000"/>
-            <a:ext cx="2986920" cy="2014920"/>
+            <a:off x="55440" y="11545560"/>
+            <a:ext cx="3035160" cy="2135160"/>
           </a:xfrm>
           <a:prstGeom prst="rect">
             <a:avLst/>
@@ -2223,21 +2114,19 @@
       </p:pic>
       <p:pic>
         <p:nvPicPr>
-          <p:cNvPr id="66" name="Picture 19"/>
+          <p:cNvPr id="50" name="Picture 81" descr=""/>
           <p:cNvPicPr/>
           <p:nvPr/>
         </p:nvPicPr>
         <p:blipFill>
           <a:blip r:embed="rId4"/>
-          <a:srcRect l="840" t="1132" r="-1495"/>
-          <a:stretch>
-            <a:fillRect/>
-          </a:stretch>
+          <a:srcRect l="0" t="0" r="0" b="2394"/>
+          <a:stretch/>
         </p:blipFill>
         <p:spPr>
           <a:xfrm>
-            <a:off x="2880000" y="6012000"/>
-            <a:ext cx="2933741" cy="2233001"/>
+            <a:off x="2687760" y="8928720"/>
+            <a:ext cx="3381480" cy="2225520"/>
           </a:xfrm>
           <a:prstGeom prst="rect">
             <a:avLst/>
@@ -2249,20 +2138,19 @@
       </p:pic>
       <p:pic>
         <p:nvPicPr>
-          <p:cNvPr id="68" name="Picture 51"/>
+          <p:cNvPr id="51" name="Picture 80" descr=""/>
           <p:cNvPicPr/>
           <p:nvPr/>
         </p:nvPicPr>
         <p:blipFill>
           <a:blip r:embed="rId5"/>
-          <a:stretch>
-            <a:fillRect/>
-          </a:stretch>
+          <a:srcRect l="3779" t="0" r="0" b="1275"/>
+          <a:stretch/>
         </p:blipFill>
         <p:spPr>
           <a:xfrm>
-            <a:off x="2772000" y="3744000"/>
-            <a:ext cx="3143880" cy="2405160"/>
+            <a:off x="19440" y="9609840"/>
+            <a:ext cx="3071160" cy="2125080"/>
           </a:xfrm>
           <a:prstGeom prst="rect">
             <a:avLst/>
@@ -2274,21 +2162,19 @@
       </p:pic>
       <p:pic>
         <p:nvPicPr>
-          <p:cNvPr id="79" name="Picture 78"/>
+          <p:cNvPr id="52" name="Picture 19" descr=""/>
           <p:cNvPicPr/>
           <p:nvPr/>
         </p:nvPicPr>
         <p:blipFill>
           <a:blip r:embed="rId6"/>
-          <a:srcRect l="-1415"/>
-          <a:stretch>
-            <a:fillRect/>
-          </a:stretch>
+          <a:srcRect l="840" t="1132" r="-1495" b="0"/>
+          <a:stretch/>
         </p:blipFill>
         <p:spPr>
           <a:xfrm>
-            <a:off x="-46990" y="13895705"/>
-            <a:ext cx="3368169" cy="2252091"/>
+            <a:off x="3368160" y="5796000"/>
+            <a:ext cx="2550960" cy="1941120"/>
           </a:xfrm>
           <a:prstGeom prst="rect">
             <a:avLst/>
@@ -2300,20 +2186,18 @@
       </p:pic>
       <p:pic>
         <p:nvPicPr>
-          <p:cNvPr id="84" name="Picture 83"/>
+          <p:cNvPr id="53" name="Picture 51" descr=""/>
           <p:cNvPicPr/>
           <p:nvPr/>
         </p:nvPicPr>
         <p:blipFill>
           <a:blip r:embed="rId7"/>
-          <a:stretch>
-            <a:fillRect/>
-          </a:stretch>
+          <a:stretch/>
         </p:blipFill>
         <p:spPr>
           <a:xfrm>
-            <a:off x="3060000" y="14004001"/>
-            <a:ext cx="3096387" cy="2168271"/>
+            <a:off x="3161520" y="3744000"/>
+            <a:ext cx="2895840" cy="2214720"/>
           </a:xfrm>
           <a:prstGeom prst="rect">
             <a:avLst/>
@@ -2325,20 +2209,19 @@
       </p:pic>
       <p:pic>
         <p:nvPicPr>
-          <p:cNvPr id="74" name="Picture 73"/>
+          <p:cNvPr id="54" name="Picture 78" descr=""/>
           <p:cNvPicPr/>
           <p:nvPr/>
         </p:nvPicPr>
         <p:blipFill>
           <a:blip r:embed="rId8"/>
-          <a:stretch>
-            <a:fillRect/>
-          </a:stretch>
+          <a:srcRect l="5505" t="4119" r="7551" b="1388"/>
+          <a:stretch/>
         </p:blipFill>
         <p:spPr>
           <a:xfrm>
-            <a:off x="8856000" y="9108000"/>
-            <a:ext cx="3715560" cy="2454480"/>
+            <a:off x="38880" y="13879440"/>
+            <a:ext cx="2884680" cy="2100600"/>
           </a:xfrm>
           <a:prstGeom prst="rect">
             <a:avLst/>
@@ -2350,20 +2233,19 @@
       </p:pic>
       <p:pic>
         <p:nvPicPr>
-          <p:cNvPr id="75" name="Picture 74"/>
+          <p:cNvPr id="55" name="Picture 73" descr=""/>
           <p:cNvPicPr/>
           <p:nvPr/>
         </p:nvPicPr>
         <p:blipFill>
           <a:blip r:embed="rId9"/>
-          <a:stretch>
-            <a:fillRect/>
-          </a:stretch>
+          <a:srcRect l="0" t="0" r="1045" b="0"/>
+          <a:stretch/>
         </p:blipFill>
         <p:spPr>
           <a:xfrm>
-            <a:off x="8778875" y="6660000"/>
-            <a:ext cx="3768725" cy="2555875"/>
+            <a:off x="8925120" y="6273360"/>
+            <a:ext cx="3674160" cy="2451960"/>
           </a:xfrm>
           <a:prstGeom prst="rect">
             <a:avLst/>
@@ -2373,16 +2255,40 @@
           </a:ln>
         </p:spPr>
       </p:pic>
-      <p:sp>
-        <p:nvSpPr>
-          <p:cNvPr id="46" name="CustomShape 1"/>
+      <p:pic>
+        <p:nvPicPr>
+          <p:cNvPr id="56" name="Picture 74" descr=""/>
+          <p:cNvPicPr/>
+          <p:nvPr/>
+        </p:nvPicPr>
+        <p:blipFill>
+          <a:blip r:embed="rId10"/>
+          <a:srcRect l="0" t="0" r="1920" b="0"/>
+          <a:stretch/>
+        </p:blipFill>
+        <p:spPr>
+          <a:xfrm>
+            <a:off x="8905320" y="3809160"/>
+            <a:ext cx="3693960" cy="2553480"/>
+          </a:xfrm>
+          <a:prstGeom prst="rect">
+            <a:avLst/>
+          </a:prstGeom>
+          <a:ln>
+            <a:noFill/>
+          </a:ln>
+        </p:spPr>
+      </p:pic>
+      <p:sp>
+        <p:nvSpPr>
+          <p:cNvPr id="57" name="CustomShape 2"/>
           <p:cNvSpPr/>
           <p:nvPr/>
         </p:nvSpPr>
         <p:spPr>
           <a:xfrm>
-            <a:off x="3322955" y="635"/>
-            <a:ext cx="9243695" cy="2234565"/>
+            <a:off x="3375360" y="0"/>
+            <a:ext cx="6955200" cy="2232000"/>
           </a:xfrm>
           <a:prstGeom prst="rect">
             <a:avLst/>
@@ -2393,19 +2299,13 @@
           </a:ln>
         </p:spPr>
         <p:style>
-          <a:lnRef idx="0">
-            <a:srgbClr val="FFFFFF"/>
-          </a:lnRef>
-          <a:fillRef idx="0">
-            <a:srgbClr val="FFFFFF"/>
-          </a:fillRef>
-          <a:effectRef idx="0">
-            <a:srgbClr val="FFFFFF"/>
-          </a:effectRef>
+          <a:lnRef idx="0"/>
+          <a:fillRef idx="0"/>
+          <a:effectRef idx="0"/>
           <a:fontRef idx="minor"/>
         </p:style>
         <p:txBody>
-          <a:bodyPr lIns="0" tIns="0" rIns="0" bIns="0" anchor="ctr"/>
+          <a:bodyPr lIns="0" rIns="0" tIns="0" bIns="0" anchor="ctr"/>
           <a:p>
             <a:pPr algn="ctr">
               <a:lnSpc>
@@ -2413,31 +2313,31 @@
               </a:lnSpc>
             </a:pPr>
             <a:r>
-              <a:rPr lang="en-US" sz="3200" b="1" strike="noStrike" spc="-1">
-                <a:solidFill>
-                  <a:srgbClr val="FFFFFF"/>
-                </a:solidFill>
-                <a:latin typeface="Arial" charset="0"/>
+              <a:rPr b="1" lang="en-US" sz="3600" spc="-1" strike="noStrike">
+                <a:solidFill>
+                  <a:srgbClr val="ffffff"/>
+                </a:solidFill>
+                <a:latin typeface="Arial"/>
                 <a:ea typeface="DejaVu Sans"/>
               </a:rPr>
               <a:t>Performance of the ATLAS RPC detector and trigger at 13 TeV</a:t>
             </a:r>
-            <a:endParaRPr lang="en-US" sz="3200" b="0" strike="noStrike" spc="-1">
-              <a:latin typeface="Arial" charset="0"/>
-            </a:endParaRPr>
-          </a:p>
-        </p:txBody>
-      </p:sp>
-      <p:sp>
-        <p:nvSpPr>
-          <p:cNvPr id="47" name="CustomShape 2"/>
+            <a:endParaRPr b="0" lang="en-US" sz="3600" spc="-1" strike="noStrike">
+              <a:latin typeface="Arial"/>
+            </a:endParaRPr>
+          </a:p>
+        </p:txBody>
+      </p:sp>
+      <p:sp>
+        <p:nvSpPr>
+          <p:cNvPr id="58" name="CustomShape 3"/>
           <p:cNvSpPr/>
           <p:nvPr/>
         </p:nvSpPr>
         <p:spPr>
           <a:xfrm>
             <a:off x="318240" y="17498520"/>
-            <a:ext cx="10365120" cy="608760"/>
+            <a:ext cx="10362600" cy="606240"/>
           </a:xfrm>
           <a:prstGeom prst="rect">
             <a:avLst/>
@@ -2448,19 +2348,13 @@
           </a:ln>
         </p:spPr>
         <p:style>
-          <a:lnRef idx="0">
-            <a:srgbClr val="FFFFFF"/>
-          </a:lnRef>
-          <a:fillRef idx="0">
-            <a:srgbClr val="FFFFFF"/>
-          </a:fillRef>
-          <a:effectRef idx="0">
-            <a:srgbClr val="FFFFFF"/>
-          </a:effectRef>
+          <a:lnRef idx="0"/>
+          <a:fillRef idx="0"/>
+          <a:effectRef idx="0"/>
           <a:fontRef idx="minor"/>
         </p:style>
         <p:txBody>
-          <a:bodyPr lIns="0" tIns="0" rIns="0" bIns="0" anchor="ctr"/>
+          <a:bodyPr lIns="0" rIns="0" tIns="0" bIns="0" anchor="ctr"/>
           <a:p>
             <a:pPr>
               <a:lnSpc>
@@ -2468,17 +2362,17 @@
               </a:lnSpc>
             </a:pPr>
             <a:r>
-              <a:rPr lang="en-US" sz="1800" b="0" strike="noStrike" spc="-1">
-                <a:solidFill>
-                  <a:srgbClr val="FFFFFF"/>
-                </a:solidFill>
-                <a:latin typeface="Arial" charset="0"/>
+              <a:rPr b="0" lang="en-US" sz="1800" spc="-1" strike="noStrike">
+                <a:solidFill>
+                  <a:srgbClr val="ffffff"/>
+                </a:solidFill>
+                <a:latin typeface="Arial"/>
                 <a:ea typeface="DejaVu Sans"/>
               </a:rPr>
               <a:t>Heng Li (University of Science and Technology of China)  on behalf of the ATLAS Collaboration  </a:t>
             </a:r>
-            <a:endParaRPr lang="en-US" sz="1800" b="0" strike="noStrike" spc="-1">
-              <a:latin typeface="Arial" charset="0"/>
+            <a:endParaRPr b="0" lang="en-US" sz="1800" spc="-1" strike="noStrike">
+              <a:latin typeface="Arial"/>
             </a:endParaRPr>
           </a:p>
           <a:p>
@@ -2488,31 +2382,31 @@
               </a:lnSpc>
             </a:pPr>
             <a:r>
-              <a:rPr lang="en-US" sz="1800" b="0" strike="noStrike" spc="-1">
-                <a:solidFill>
-                  <a:srgbClr val="FFFFFF"/>
+              <a:rPr b="0" lang="en-US" sz="1800" spc="-1" strike="noStrike">
+                <a:solidFill>
+                  <a:srgbClr val="ffffff"/>
                 </a:solidFill>
                 <a:latin typeface="Arial Narrow"/>
                 <a:ea typeface="DejaVu Sans"/>
               </a:rPr>
               <a:t> </a:t>
             </a:r>
-            <a:endParaRPr lang="en-US" sz="1800" b="0" strike="noStrike" spc="-1">
-              <a:latin typeface="Arial" charset="0"/>
-            </a:endParaRPr>
-          </a:p>
-        </p:txBody>
-      </p:sp>
-      <p:sp>
-        <p:nvSpPr>
-          <p:cNvPr id="49" name="CustomShape 4"/>
+            <a:endParaRPr b="0" lang="en-US" sz="1800" spc="-1" strike="noStrike">
+              <a:latin typeface="Arial"/>
+            </a:endParaRPr>
+          </a:p>
+        </p:txBody>
+      </p:sp>
+      <p:sp>
+        <p:nvSpPr>
+          <p:cNvPr id="59" name="CustomShape 4"/>
           <p:cNvSpPr/>
           <p:nvPr/>
         </p:nvSpPr>
         <p:spPr>
           <a:xfrm>
             <a:off x="3109680" y="2147400"/>
-            <a:ext cx="9491400" cy="1355760"/>
+            <a:ext cx="9488880" cy="1353240"/>
           </a:xfrm>
           <a:prstGeom prst="rect">
             <a:avLst/>
@@ -2528,19 +2422,13 @@
           </a:ln>
         </p:spPr>
         <p:style>
-          <a:lnRef idx="0">
-            <a:srgbClr val="FFFFFF"/>
-          </a:lnRef>
-          <a:fillRef idx="0">
-            <a:srgbClr val="FFFFFF"/>
-          </a:fillRef>
-          <a:effectRef idx="0">
-            <a:srgbClr val="FFFFFF"/>
-          </a:effectRef>
+          <a:lnRef idx="0"/>
+          <a:fillRef idx="0"/>
+          <a:effectRef idx="0"/>
           <a:fontRef idx="minor"/>
         </p:style>
         <p:txBody>
-          <a:bodyPr lIns="0" tIns="0" rIns="0" bIns="0"/>
+          <a:bodyPr lIns="0" rIns="0" tIns="0" bIns="0"/>
           <a:p>
             <a:pPr>
               <a:lnSpc>
@@ -2548,56 +2436,50 @@
               </a:lnSpc>
             </a:pPr>
             <a:r>
-              <a:rPr lang="en-US" sz="2000" b="0" strike="noStrike" spc="-1">
-                <a:solidFill>
-                  <a:srgbClr val="000000"/>
-                </a:solidFill>
-                <a:latin typeface="Arial" charset="0"/>
+              <a:rPr b="0" lang="en-US" sz="2000" spc="-1" strike="noStrike">
+                <a:solidFill>
+                  <a:srgbClr val="000000"/>
+                </a:solidFill>
+                <a:latin typeface="Arial"/>
                 <a:ea typeface="DejaVu Sans"/>
               </a:rPr>
               <a:t> </a:t>
             </a:r>
-            <a:endParaRPr lang="en-US" sz="2000" b="0" strike="noStrike" spc="-1">
-              <a:latin typeface="Arial" charset="0"/>
-            </a:endParaRPr>
-          </a:p>
-        </p:txBody>
-      </p:sp>
-      <p:sp>
-        <p:nvSpPr>
-          <p:cNvPr id="50" name="CustomShape 5"/>
+            <a:endParaRPr b="0" lang="en-US" sz="2000" spc="-1" strike="noStrike">
+              <a:latin typeface="Arial"/>
+            </a:endParaRPr>
+          </a:p>
+        </p:txBody>
+      </p:sp>
+      <p:sp>
+        <p:nvSpPr>
+          <p:cNvPr id="60" name="CustomShape 5"/>
           <p:cNvSpPr/>
           <p:nvPr/>
         </p:nvSpPr>
         <p:spPr>
           <a:xfrm>
-            <a:off x="0" y="3434040"/>
-            <a:ext cx="6084000" cy="364320"/>
+            <a:off x="0" y="3398040"/>
+            <a:ext cx="6124320" cy="361800"/>
           </a:xfrm>
           <a:prstGeom prst="rect">
             <a:avLst/>
           </a:prstGeom>
           <a:solidFill>
-            <a:srgbClr val="2462A1"/>
+            <a:srgbClr val="2462a1"/>
           </a:solidFill>
           <a:ln>
             <a:noFill/>
           </a:ln>
         </p:spPr>
         <p:style>
-          <a:lnRef idx="0">
-            <a:srgbClr val="FFFFFF"/>
-          </a:lnRef>
-          <a:fillRef idx="0">
-            <a:srgbClr val="FFFFFF"/>
-          </a:fillRef>
-          <a:effectRef idx="0">
-            <a:srgbClr val="FFFFFF"/>
-          </a:effectRef>
+          <a:lnRef idx="0"/>
+          <a:fillRef idx="0"/>
+          <a:effectRef idx="0"/>
           <a:fontRef idx="minor"/>
         </p:style>
         <p:txBody>
-          <a:bodyPr lIns="90000" tIns="45000" rIns="90000" bIns="45000"/>
+          <a:bodyPr lIns="90000" rIns="90000" tIns="45000" bIns="45000"/>
           <a:p>
             <a:pPr>
               <a:lnSpc>
@@ -2605,56 +2487,50 @@
               </a:lnSpc>
             </a:pPr>
             <a:r>
-              <a:rPr lang="en-US" sz="1800" b="1" strike="noStrike" spc="-1">
-                <a:solidFill>
-                  <a:srgbClr val="FFFFFF"/>
-                </a:solidFill>
-                <a:latin typeface="Arial" charset="0"/>
+              <a:rPr b="1" lang="en-US" sz="1800" spc="-1" strike="noStrike">
+                <a:solidFill>
+                  <a:srgbClr val="ffffff"/>
+                </a:solidFill>
+                <a:latin typeface="Arial"/>
                 <a:ea typeface="DejaVu Sans"/>
               </a:rPr>
               <a:t>The ATLAS RPC Detector and Trigger System </a:t>
             </a:r>
-            <a:endParaRPr lang="en-US" sz="1800" b="0" strike="noStrike" spc="-1">
-              <a:latin typeface="Arial" charset="0"/>
-            </a:endParaRPr>
-          </a:p>
-        </p:txBody>
-      </p:sp>
-      <p:sp>
-        <p:nvSpPr>
-          <p:cNvPr id="51" name="CustomShape 6"/>
+            <a:endParaRPr b="0" lang="en-US" sz="1800" spc="-1" strike="noStrike">
+              <a:latin typeface="Arial"/>
+            </a:endParaRPr>
+          </a:p>
+        </p:txBody>
+      </p:sp>
+      <p:sp>
+        <p:nvSpPr>
+          <p:cNvPr id="61" name="CustomShape 6"/>
           <p:cNvSpPr/>
           <p:nvPr/>
         </p:nvSpPr>
         <p:spPr>
           <a:xfrm>
-            <a:off x="6127200" y="3434040"/>
-            <a:ext cx="6449760" cy="364320"/>
+            <a:off x="6150240" y="13398840"/>
+            <a:ext cx="6447240" cy="361800"/>
           </a:xfrm>
           <a:prstGeom prst="rect">
             <a:avLst/>
           </a:prstGeom>
           <a:solidFill>
-            <a:srgbClr val="2462A1"/>
+            <a:srgbClr val="2462a1"/>
           </a:solidFill>
           <a:ln>
             <a:noFill/>
           </a:ln>
         </p:spPr>
         <p:style>
-          <a:lnRef idx="0">
-            <a:srgbClr val="FFFFFF"/>
-          </a:lnRef>
-          <a:fillRef idx="0">
-            <a:srgbClr val="FFFFFF"/>
-          </a:fillRef>
-          <a:effectRef idx="0">
-            <a:srgbClr val="FFFFFF"/>
-          </a:effectRef>
+          <a:lnRef idx="0"/>
+          <a:fillRef idx="0"/>
+          <a:effectRef idx="0"/>
           <a:fontRef idx="minor"/>
         </p:style>
         <p:txBody>
-          <a:bodyPr lIns="90000" tIns="45000" rIns="90000" bIns="45000"/>
+          <a:bodyPr lIns="90000" rIns="90000" tIns="45000" bIns="45000"/>
           <a:p>
             <a:pPr>
               <a:lnSpc>
@@ -2662,56 +2538,50 @@
               </a:lnSpc>
             </a:pPr>
             <a:r>
-              <a:rPr lang="en-US" sz="1800" b="1" strike="noStrike" spc="-1">
-                <a:solidFill>
-                  <a:srgbClr val="FFFFFF"/>
-                </a:solidFill>
-                <a:latin typeface="Arial" charset="0"/>
+              <a:rPr b="1" lang="en-US" sz="1800" spc="-1" strike="noStrike">
+                <a:solidFill>
+                  <a:srgbClr val="ffffff"/>
+                </a:solidFill>
+                <a:latin typeface="Arial"/>
                 <a:ea typeface="DejaVu Sans"/>
               </a:rPr>
               <a:t>Trigger timing performance</a:t>
             </a:r>
-            <a:endParaRPr lang="en-US" sz="1800" b="0" strike="noStrike" spc="-1">
-              <a:latin typeface="Arial" charset="0"/>
-            </a:endParaRPr>
-          </a:p>
-        </p:txBody>
-      </p:sp>
-      <p:sp>
-        <p:nvSpPr>
-          <p:cNvPr id="52" name="CustomShape 7"/>
+            <a:endParaRPr b="0" lang="en-US" sz="1800" spc="-1" strike="noStrike">
+              <a:latin typeface="Arial"/>
+            </a:endParaRPr>
+          </a:p>
+        </p:txBody>
+      </p:sp>
+      <p:sp>
+        <p:nvSpPr>
+          <p:cNvPr id="62" name="CustomShape 7"/>
           <p:cNvSpPr/>
           <p:nvPr/>
         </p:nvSpPr>
         <p:spPr>
           <a:xfrm>
-            <a:off x="17280" y="13706640"/>
-            <a:ext cx="6109200" cy="364320"/>
+            <a:off x="17280" y="13624560"/>
+            <a:ext cx="6017400" cy="335880"/>
           </a:xfrm>
           <a:prstGeom prst="rect">
             <a:avLst/>
           </a:prstGeom>
           <a:solidFill>
-            <a:srgbClr val="2462A1"/>
+            <a:srgbClr val="2462a1"/>
           </a:solidFill>
           <a:ln>
             <a:noFill/>
           </a:ln>
         </p:spPr>
         <p:style>
-          <a:lnRef idx="0">
-            <a:srgbClr val="FFFFFF"/>
-          </a:lnRef>
-          <a:fillRef idx="0">
-            <a:srgbClr val="FFFFFF"/>
-          </a:fillRef>
-          <a:effectRef idx="0">
-            <a:srgbClr val="FFFFFF"/>
-          </a:effectRef>
+          <a:lnRef idx="0"/>
+          <a:fillRef idx="0"/>
+          <a:effectRef idx="0"/>
           <a:fontRef idx="minor"/>
         </p:style>
         <p:txBody>
-          <a:bodyPr lIns="90000" tIns="45000" rIns="90000" bIns="45000"/>
+          <a:bodyPr lIns="90000" rIns="90000" tIns="45000" bIns="45000"/>
           <a:p>
             <a:pPr>
               <a:lnSpc>
@@ -2719,86 +2589,50 @@
               </a:lnSpc>
             </a:pPr>
             <a:r>
-              <a:rPr lang="x-none" altLang="en-US" sz="1800" b="1" strike="noStrike" spc="-1">
-                <a:solidFill>
-                  <a:srgbClr val="FFFFFF"/>
-                </a:solidFill>
-                <a:latin typeface="Arial" charset="0"/>
-                <a:ea typeface="DejaVu Sans"/>
-              </a:rPr>
-              <a:t>Detector</a:t>
-            </a:r>
-            <a:r>
-              <a:rPr lang="en-US" sz="1800" b="1" strike="noStrike" spc="-1">
-                <a:solidFill>
-                  <a:srgbClr val="FFFFFF"/>
-                </a:solidFill>
-                <a:latin typeface="Arial" charset="0"/>
-                <a:ea typeface="DejaVu Sans"/>
-              </a:rPr>
-              <a:t> efficiency </a:t>
-            </a:r>
-            <a:r>
-              <a:rPr lang="x-none" altLang="en-US" sz="1800" b="1" strike="noStrike" spc="-1">
-                <a:solidFill>
-                  <a:srgbClr val="FFFFFF"/>
-                </a:solidFill>
-                <a:latin typeface="Arial" charset="0"/>
-                <a:ea typeface="DejaVu Sans"/>
-              </a:rPr>
-              <a:t>overall performance</a:t>
-            </a:r>
-            <a:r>
-              <a:rPr lang="en-US" sz="1800" b="1" strike="noStrike" spc="-1">
-                <a:solidFill>
-                  <a:srgbClr val="FFFFFF"/>
-                </a:solidFill>
-                <a:latin typeface="Arial" charset="0"/>
-                <a:ea typeface="DejaVu Sans"/>
-              </a:rPr>
-              <a:t>  </a:t>
-            </a:r>
-            <a:endParaRPr lang="en-US" sz="1800" b="0" strike="noStrike" spc="-1">
-              <a:latin typeface="Arial" charset="0"/>
-            </a:endParaRPr>
-          </a:p>
-        </p:txBody>
-      </p:sp>
-      <p:sp>
-        <p:nvSpPr>
-          <p:cNvPr id="53" name="CustomShape 8"/>
+              <a:rPr b="1" lang="en-US" sz="1800" spc="-1" strike="noStrike">
+                <a:solidFill>
+                  <a:srgbClr val="ffffff"/>
+                </a:solidFill>
+                <a:latin typeface="Arial"/>
+                <a:ea typeface="DejaVu Sans"/>
+              </a:rPr>
+              <a:t>Detector efficiency overall performance  </a:t>
+            </a:r>
+            <a:endParaRPr b="0" lang="en-US" sz="1800" spc="-1" strike="noStrike">
+              <a:latin typeface="Arial"/>
+            </a:endParaRPr>
+          </a:p>
+        </p:txBody>
+      </p:sp>
+      <p:sp>
+        <p:nvSpPr>
+          <p:cNvPr id="63" name="CustomShape 8"/>
           <p:cNvSpPr/>
           <p:nvPr/>
         </p:nvSpPr>
         <p:spPr>
           <a:xfrm>
-            <a:off x="6153840" y="11555999"/>
-            <a:ext cx="6402600" cy="364320"/>
+            <a:off x="6197400" y="8691480"/>
+            <a:ext cx="6400080" cy="361800"/>
           </a:xfrm>
           <a:prstGeom prst="rect">
             <a:avLst/>
           </a:prstGeom>
           <a:solidFill>
-            <a:srgbClr val="2462A1"/>
+            <a:srgbClr val="2462a1"/>
           </a:solidFill>
           <a:ln>
             <a:noFill/>
           </a:ln>
         </p:spPr>
         <p:style>
-          <a:lnRef idx="0">
-            <a:srgbClr val="FFFFFF"/>
-          </a:lnRef>
-          <a:fillRef idx="0">
-            <a:srgbClr val="FFFFFF"/>
-          </a:fillRef>
-          <a:effectRef idx="0">
-            <a:srgbClr val="FFFFFF"/>
-          </a:effectRef>
+          <a:lnRef idx="0"/>
+          <a:fillRef idx="0"/>
+          <a:effectRef idx="0"/>
           <a:fontRef idx="minor"/>
         </p:style>
         <p:txBody>
-          <a:bodyPr lIns="90000" tIns="45000" rIns="90000" bIns="45000"/>
+          <a:bodyPr lIns="90000" rIns="90000" tIns="45000" bIns="45000"/>
           <a:p>
             <a:pPr>
               <a:lnSpc>
@@ -2806,66 +2640,60 @@
               </a:lnSpc>
             </a:pPr>
             <a:r>
-              <a:rPr lang="en-US" sz="1800" b="1" strike="noStrike" spc="-1">
-                <a:solidFill>
-                  <a:srgbClr val="FFFFFF"/>
-                </a:solidFill>
-                <a:latin typeface="Arial" charset="0"/>
+              <a:rPr b="1" lang="en-US" sz="1800" spc="-1" strike="noStrike">
+                <a:solidFill>
+                  <a:srgbClr val="ffffff"/>
+                </a:solidFill>
+                <a:latin typeface="Arial"/>
                 <a:ea typeface="Noto Sans CJK SC Regular"/>
               </a:rPr>
-              <a:t>Trigger efficiency vs. offline muon η/</a:t>
-            </a:r>
-            <a:r>
-              <a:rPr lang="en-US" sz="1800" b="1" strike="noStrike" spc="-1">
-                <a:solidFill>
-                  <a:srgbClr val="FFFFFF"/>
-                </a:solidFill>
-                <a:latin typeface="Arial" charset="0"/>
+              <a:t>Trigger efficiency vs. offline muon η and </a:t>
+            </a:r>
+            <a:r>
+              <a:rPr b="1" lang="en-US" sz="1800" spc="-1" strike="noStrike">
+                <a:solidFill>
+                  <a:srgbClr val="ffffff"/>
+                </a:solidFill>
+                <a:latin typeface="Arial"/>
                 <a:ea typeface="DejaVu Sans"/>
               </a:rPr>
               <a:t>φ</a:t>
             </a:r>
-            <a:endParaRPr lang="en-US" sz="1800" b="0" strike="noStrike" spc="-1">
-              <a:latin typeface="Arial" charset="0"/>
-            </a:endParaRPr>
-          </a:p>
-        </p:txBody>
-      </p:sp>
-      <p:sp>
-        <p:nvSpPr>
-          <p:cNvPr id="54" name="CustomShape 9"/>
+            <a:endParaRPr b="0" lang="en-US" sz="1800" spc="-1" strike="noStrike">
+              <a:latin typeface="Arial"/>
+            </a:endParaRPr>
+          </a:p>
+        </p:txBody>
+      </p:sp>
+      <p:sp>
+        <p:nvSpPr>
+          <p:cNvPr id="64" name="CustomShape 9"/>
           <p:cNvSpPr/>
           <p:nvPr/>
         </p:nvSpPr>
         <p:spPr>
           <a:xfrm>
-            <a:off x="3128400" y="2160000"/>
-            <a:ext cx="9453240" cy="364320"/>
+            <a:off x="3128400" y="2124000"/>
+            <a:ext cx="9450720" cy="361800"/>
           </a:xfrm>
           <a:prstGeom prst="rect">
             <a:avLst/>
           </a:prstGeom>
           <a:solidFill>
-            <a:srgbClr val="2462A1"/>
+            <a:srgbClr val="2462a1"/>
           </a:solidFill>
           <a:ln>
             <a:noFill/>
           </a:ln>
         </p:spPr>
         <p:style>
-          <a:lnRef idx="0">
-            <a:srgbClr val="FFFFFF"/>
-          </a:lnRef>
-          <a:fillRef idx="0">
-            <a:srgbClr val="FFFFFF"/>
-          </a:fillRef>
-          <a:effectRef idx="0">
-            <a:srgbClr val="FFFFFF"/>
-          </a:effectRef>
+          <a:lnRef idx="0"/>
+          <a:fillRef idx="0"/>
+          <a:effectRef idx="0"/>
           <a:fontRef idx="minor"/>
         </p:style>
         <p:txBody>
-          <a:bodyPr lIns="90000" tIns="45000" rIns="90000" bIns="45000"/>
+          <a:bodyPr lIns="90000" rIns="90000" tIns="45000" bIns="45000"/>
           <a:p>
             <a:pPr>
               <a:lnSpc>
@@ -2873,31 +2701,31 @@
               </a:lnSpc>
             </a:pPr>
             <a:r>
-              <a:rPr lang="en-US" sz="1800" b="1" strike="noStrike" spc="-1">
-                <a:solidFill>
-                  <a:srgbClr val="FFFFFF"/>
-                </a:solidFill>
-                <a:latin typeface="Arial" charset="0"/>
+              <a:rPr b="1" lang="en-US" sz="1800" spc="-1" strike="noStrike">
+                <a:solidFill>
+                  <a:srgbClr val="ffffff"/>
+                </a:solidFill>
+                <a:latin typeface="Arial"/>
                 <a:ea typeface="DejaVu Sans"/>
               </a:rPr>
               <a:t>Introduction</a:t>
             </a:r>
-            <a:endParaRPr lang="en-US" sz="1800" b="0" strike="noStrike" spc="-1">
-              <a:latin typeface="Arial" charset="0"/>
-            </a:endParaRPr>
-          </a:p>
-        </p:txBody>
-      </p:sp>
-      <p:sp>
-        <p:nvSpPr>
-          <p:cNvPr id="55" name="CustomShape 10"/>
+            <a:endParaRPr b="0" lang="en-US" sz="1800" spc="-1" strike="noStrike">
+              <a:latin typeface="Arial"/>
+            </a:endParaRPr>
+          </a:p>
+        </p:txBody>
+      </p:sp>
+      <p:sp>
+        <p:nvSpPr>
+          <p:cNvPr id="65" name="CustomShape 10"/>
           <p:cNvSpPr/>
           <p:nvPr/>
         </p:nvSpPr>
         <p:spPr>
           <a:xfrm>
-            <a:off x="3101400" y="2505240"/>
-            <a:ext cx="9495720" cy="942480"/>
+            <a:off x="3101400" y="2469240"/>
+            <a:ext cx="9493200" cy="939960"/>
           </a:xfrm>
           <a:prstGeom prst="rect">
             <a:avLst/>
@@ -2908,19 +2736,13 @@
           </a:ln>
         </p:spPr>
         <p:style>
-          <a:lnRef idx="0">
-            <a:srgbClr val="FFFFFF"/>
-          </a:lnRef>
-          <a:fillRef idx="0">
-            <a:srgbClr val="FFFFFF"/>
-          </a:fillRef>
-          <a:effectRef idx="0">
-            <a:srgbClr val="FFFFFF"/>
-          </a:effectRef>
+          <a:lnRef idx="0"/>
+          <a:fillRef idx="0"/>
+          <a:effectRef idx="0"/>
           <a:fontRef idx="minor"/>
         </p:style>
         <p:txBody>
-          <a:bodyPr lIns="90000" tIns="45000" rIns="90000" bIns="45000"/>
+          <a:bodyPr lIns="90000" rIns="90000" tIns="45000" bIns="45000"/>
           <a:p>
             <a:pPr>
               <a:lnSpc>
@@ -2928,31 +2750,31 @@
               </a:lnSpc>
             </a:pPr>
             <a:r>
-              <a:rPr lang="en-US" sz="1400" b="0" strike="noStrike" spc="-1">
-                <a:solidFill>
-                  <a:srgbClr val="000000"/>
-                </a:solidFill>
-                <a:latin typeface="Arial" charset="0"/>
-                <a:ea typeface="DejaVu Sans"/>
-              </a:rPr>
-              <a:t>The ATLAS experiment utilises the Resistive Plate Chambers detector (RPC) for the first level muon trigger system in the barrel region of the detector. This poster presents measurements of RPC detector and trigger performance using proton-proton collisions at a centre-of-mass energy of 13 TeV collected in 2018, showing results in terms of the trigger timing and efficiency.</a:t>
-            </a:r>
-            <a:endParaRPr lang="en-US" sz="1400" b="0" strike="noStrike" spc="-1">
-              <a:latin typeface="Arial" charset="0"/>
-            </a:endParaRPr>
-          </a:p>
-        </p:txBody>
-      </p:sp>
-      <p:sp>
-        <p:nvSpPr>
-          <p:cNvPr id="56" name="CustomShape 11"/>
+              <a:rPr b="0" lang="en-US" sz="1400" spc="-1" strike="noStrike">
+                <a:solidFill>
+                  <a:srgbClr val="000000"/>
+                </a:solidFill>
+                <a:latin typeface="Arial"/>
+                <a:ea typeface="DejaVu Sans"/>
+              </a:rPr>
+              <a:t>The ATLAS experiment utilises the Resistive Plate Chambers detector (RPC) for the first level muon trigger system in the barrel region of the detector. This poster presents measurements of RPC detector and trigger performance using proton-proton collisions at a centre-of-mass energy of 13 TeV collected in 2018, showing results in terms of the detector and trigger timing and efficiency.</a:t>
+            </a:r>
+            <a:endParaRPr b="0" lang="en-US" sz="1400" spc="-1" strike="noStrike">
+              <a:latin typeface="Arial"/>
+            </a:endParaRPr>
+          </a:p>
+        </p:txBody>
+      </p:sp>
+      <p:sp>
+        <p:nvSpPr>
+          <p:cNvPr id="66" name="CustomShape 11"/>
           <p:cNvSpPr/>
           <p:nvPr/>
         </p:nvSpPr>
         <p:spPr>
           <a:xfrm>
-            <a:off x="151920" y="3780000"/>
-            <a:ext cx="2591280" cy="2371680"/>
+            <a:off x="0" y="3816000"/>
+            <a:ext cx="3198240" cy="479880"/>
           </a:xfrm>
           <a:prstGeom prst="rect">
             <a:avLst/>
@@ -2963,19 +2785,13 @@
           </a:ln>
         </p:spPr>
         <p:style>
-          <a:lnRef idx="0">
-            <a:srgbClr val="FFFFFF"/>
-          </a:lnRef>
-          <a:fillRef idx="0">
-            <a:srgbClr val="FFFFFF"/>
-          </a:fillRef>
-          <a:effectRef idx="0">
-            <a:srgbClr val="FFFFFF"/>
-          </a:effectRef>
+          <a:lnRef idx="0"/>
+          <a:fillRef idx="0"/>
+          <a:effectRef idx="0"/>
           <a:fontRef idx="minor"/>
         </p:style>
         <p:txBody>
-          <a:bodyPr lIns="90000" tIns="45000" rIns="90000" bIns="45000"/>
+          <a:bodyPr lIns="90000" rIns="90000" tIns="45000" bIns="45000"/>
           <a:p>
             <a:pPr>
               <a:lnSpc>
@@ -2983,17 +2799,17 @@
               </a:lnSpc>
             </a:pPr>
             <a:r>
-              <a:rPr lang="en-US" sz="1200" b="0" strike="noStrike" spc="-1">
-                <a:solidFill>
-                  <a:srgbClr val="000000"/>
-                </a:solidFill>
-                <a:latin typeface="Arial" charset="0"/>
+              <a:rPr b="1" lang="en-US" sz="1200" spc="-1" strike="noStrike">
+                <a:solidFill>
+                  <a:srgbClr val="000000"/>
+                </a:solidFill>
+                <a:latin typeface="Arial"/>
                 <a:ea typeface="DejaVu Sans"/>
               </a:rPr>
               <a:t>The present ATLAS muon trigger in the barrel region based on</a:t>
             </a:r>
-            <a:endParaRPr lang="en-US" sz="1200" b="0" strike="noStrike" spc="-1">
-              <a:latin typeface="Arial" charset="0"/>
+            <a:endParaRPr b="0" lang="en-US" sz="1200" spc="-1" strike="noStrike">
+              <a:latin typeface="Arial"/>
             </a:endParaRPr>
           </a:p>
           <a:p>
@@ -3002,181 +2818,137 @@
                 <a:spcPct val="100000"/>
               </a:lnSpc>
             </a:pPr>
-            <a:endParaRPr lang="en-US" sz="1200" b="0" strike="noStrike" spc="-1">
-              <a:latin typeface="Arial" charset="0"/>
-            </a:endParaRPr>
-          </a:p>
-          <a:p>
-            <a:pPr marL="171450" indent="-170815">
-              <a:lnSpc>
-                <a:spcPct val="100000"/>
-              </a:lnSpc>
-              <a:buClr>
-                <a:srgbClr val="000000"/>
-              </a:buClr>
-              <a:buFont typeface="Arial" charset="0"/>
-              <a:buChar char="•"/>
-            </a:pPr>
-            <a:r>
-              <a:rPr lang="en-US" sz="1200" b="0" strike="noStrike" spc="-1">
-                <a:solidFill>
-                  <a:srgbClr val="000000"/>
-                </a:solidFill>
-                <a:latin typeface="Arial" charset="0"/>
+            <a:endParaRPr b="0" lang="en-US" sz="1200" spc="-1" strike="noStrike">
+              <a:latin typeface="Arial"/>
+            </a:endParaRPr>
+          </a:p>
+          <a:p>
+            <a:pPr marL="164520" indent="-164520">
+              <a:lnSpc>
+                <a:spcPct val="100000"/>
+              </a:lnSpc>
+              <a:buBlip>
+                <a:blip r:embed="rId11"/>
+              </a:buBlip>
+            </a:pPr>
+            <a:r>
+              <a:rPr b="0" lang="en-US" sz="1200" spc="-1" strike="noStrike">
+                <a:solidFill>
+                  <a:srgbClr val="000000"/>
+                </a:solidFill>
+                <a:latin typeface="Arial"/>
                 <a:ea typeface="DejaVu Sans"/>
               </a:rPr>
               <a:t>3 concentric RPC layers</a:t>
             </a:r>
-            <a:endParaRPr lang="en-US" sz="1200" b="0" strike="noStrike" spc="-1">
-              <a:latin typeface="Arial" charset="0"/>
-            </a:endParaRPr>
-          </a:p>
-          <a:p>
-            <a:pPr marL="171450" indent="-170815">
-              <a:lnSpc>
-                <a:spcPct val="100000"/>
-              </a:lnSpc>
-              <a:buClr>
-                <a:srgbClr val="000000"/>
-              </a:buClr>
-              <a:buFont typeface="Arial" charset="0"/>
-              <a:buChar char="•"/>
-            </a:pPr>
-            <a:r>
-              <a:rPr lang="en-US" sz="1200" b="0" strike="noStrike" spc="-1">
-                <a:solidFill>
-                  <a:srgbClr val="000000"/>
-                </a:solidFill>
-                <a:latin typeface="Arial" charset="0"/>
-                <a:ea typeface="DejaVu Sans"/>
-              </a:rPr>
-              <a:t>16 physical sectors, </a:t>
-            </a:r>
-            <a:r>
-              <a:rPr lang="x-none" altLang="en-US" sz="1200" b="0" strike="noStrike" spc="-1">
-                <a:solidFill>
-                  <a:srgbClr val="000000"/>
-                </a:solidFill>
-                <a:latin typeface="Arial" charset="0"/>
-                <a:ea typeface="DejaVu Sans"/>
-              </a:rPr>
-              <a:t>more than </a:t>
-            </a:r>
-            <a:r>
-              <a:rPr lang="en-US" sz="1200" b="0" strike="noStrike" spc="-1">
-                <a:solidFill>
-                  <a:srgbClr val="000000"/>
-                </a:solidFill>
-                <a:latin typeface="Arial" charset="0"/>
-                <a:ea typeface="DejaVu Sans"/>
-              </a:rPr>
-              <a:t>37</a:t>
-            </a:r>
-            <a:r>
-              <a:rPr lang="x-none" altLang="en-US" sz="1200" b="0" strike="noStrike" spc="-1">
-                <a:solidFill>
-                  <a:srgbClr val="000000"/>
-                </a:solidFill>
-                <a:latin typeface="Arial" charset="0"/>
-                <a:ea typeface="DejaVu Sans"/>
-              </a:rPr>
-              <a:t>00 gas volumes</a:t>
-            </a:r>
-            <a:endParaRPr lang="x-none" altLang="en-US" sz="1200" b="0" strike="noStrike" spc="-1">
-              <a:solidFill>
-                <a:srgbClr val="000000"/>
-              </a:solidFill>
-              <a:latin typeface="Arial" charset="0"/>
-              <a:ea typeface="DejaVu Sans"/>
-            </a:endParaRPr>
-          </a:p>
-          <a:p>
-            <a:pPr marL="171450" indent="-170815">
-              <a:lnSpc>
-                <a:spcPct val="100000"/>
-              </a:lnSpc>
-              <a:buClr>
-                <a:srgbClr val="000000"/>
-              </a:buClr>
-              <a:buFont typeface="Arial" charset="0"/>
-              <a:buChar char="•"/>
-            </a:pPr>
-            <a:r>
-              <a:rPr lang="en-US" sz="1200" b="0" strike="noStrike" spc="-1">
-                <a:solidFill>
-                  <a:srgbClr val="000000"/>
-                </a:solidFill>
-                <a:latin typeface="Arial" charset="0"/>
-                <a:ea typeface="DejaVu Sans"/>
-              </a:rPr>
-              <a:t>each physical sector is segmented in 2 trigger sectors</a:t>
-            </a:r>
-            <a:endParaRPr lang="en-US" sz="1200" b="0" strike="noStrike" spc="-1">
-              <a:latin typeface="Arial" charset="0"/>
-            </a:endParaRPr>
-          </a:p>
-          <a:p>
-            <a:pPr marL="171450" indent="-170815">
-              <a:lnSpc>
-                <a:spcPct val="100000"/>
-              </a:lnSpc>
-              <a:buClr>
-                <a:srgbClr val="000000"/>
-              </a:buClr>
-              <a:buFont typeface="Arial" charset="0"/>
-              <a:buChar char="•"/>
-            </a:pPr>
-            <a:r>
-              <a:rPr lang="en-US" sz="1200" b="0" strike="noStrike" spc="-1">
-                <a:solidFill>
-                  <a:srgbClr val="000000"/>
-                </a:solidFill>
-                <a:latin typeface="Arial" charset="0"/>
-                <a:ea typeface="DejaVu Sans"/>
-              </a:rPr>
-              <a:t>totally 64 trigger sectors in side A and side C</a:t>
-            </a:r>
-            <a:endParaRPr lang="en-US" sz="1200" b="0" strike="noStrike" spc="-1">
-              <a:latin typeface="Arial" charset="0"/>
-            </a:endParaRPr>
-          </a:p>
-          <a:p>
-            <a:pPr marL="171450" indent="-170815">
-              <a:lnSpc>
-                <a:spcPct val="100000"/>
-              </a:lnSpc>
-              <a:buClr>
-                <a:srgbClr val="000000"/>
-              </a:buClr>
-              <a:buFont typeface="Arial" charset="0"/>
-              <a:buChar char="•"/>
-            </a:pPr>
-            <a:r>
-              <a:rPr lang="en-US" sz="1200" b="0" strike="noStrike" spc="-1">
-                <a:solidFill>
-                  <a:srgbClr val="000000"/>
-                </a:solidFill>
-                <a:latin typeface="Arial" charset="0"/>
-                <a:ea typeface="DejaVu Sans"/>
-              </a:rPr>
-              <a:t>each trigger sector is segmented along η in towers</a:t>
-            </a:r>
-            <a:endParaRPr lang="en-US" sz="1200" b="0" strike="noStrike" spc="-1">
-              <a:latin typeface="Arial" charset="0"/>
-            </a:endParaRPr>
-          </a:p>
-        </p:txBody>
-      </p:sp>
-      <p:sp>
-        <p:nvSpPr>
-          <p:cNvPr id="57" name="CustomShape 12"/>
+            <a:endParaRPr b="0" lang="en-US" sz="1200" spc="-1" strike="noStrike">
+              <a:latin typeface="Arial"/>
+            </a:endParaRPr>
+          </a:p>
+          <a:p>
+            <a:pPr marL="164520" indent="-164520">
+              <a:lnSpc>
+                <a:spcPct val="100000"/>
+              </a:lnSpc>
+              <a:buBlip>
+                <a:blip r:embed="rId12"/>
+              </a:buBlip>
+            </a:pPr>
+            <a:r>
+              <a:rPr b="0" lang="en-US" sz="1200" spc="-1" strike="noStrike">
+                <a:solidFill>
+                  <a:srgbClr val="000000"/>
+                </a:solidFill>
+                <a:latin typeface="Arial"/>
+                <a:ea typeface="DejaVu Sans"/>
+              </a:rPr>
+              <a:t>16 physical sectors, ~3700 gas volumes</a:t>
+            </a:r>
+            <a:endParaRPr b="0" lang="en-US" sz="1200" spc="-1" strike="noStrike">
+              <a:latin typeface="Arial"/>
+            </a:endParaRPr>
+          </a:p>
+          <a:p>
+            <a:pPr marL="164520" indent="-164520">
+              <a:lnSpc>
+                <a:spcPct val="100000"/>
+              </a:lnSpc>
+              <a:buBlip>
+                <a:blip r:embed="rId13"/>
+              </a:buBlip>
+            </a:pPr>
+            <a:r>
+              <a:rPr b="0" lang="en-US" sz="1200" spc="-1" strike="noStrike">
+                <a:solidFill>
+                  <a:srgbClr val="000000"/>
+                </a:solidFill>
+                <a:latin typeface="Arial"/>
+                <a:ea typeface="DejaVu Sans"/>
+              </a:rPr>
+              <a:t>each physical sector is segmented in 4 trigger sectors</a:t>
+            </a:r>
+            <a:endParaRPr b="0" lang="en-US" sz="1200" spc="-1" strike="noStrike">
+              <a:latin typeface="Arial"/>
+            </a:endParaRPr>
+          </a:p>
+          <a:p>
+            <a:pPr marL="164520" indent="-164520">
+              <a:lnSpc>
+                <a:spcPct val="100000"/>
+              </a:lnSpc>
+              <a:buBlip>
+                <a:blip r:embed="rId14"/>
+              </a:buBlip>
+            </a:pPr>
+            <a:r>
+              <a:rPr b="0" lang="en-US" sz="1200" spc="-1" strike="noStrike">
+                <a:solidFill>
+                  <a:srgbClr val="000000"/>
+                </a:solidFill>
+                <a:latin typeface="Arial"/>
+                <a:ea typeface="DejaVu Sans"/>
+              </a:rPr>
+              <a:t>64 trigger sectors in side A and side C</a:t>
+            </a:r>
+            <a:endParaRPr b="0" lang="en-US" sz="1200" spc="-1" strike="noStrike">
+              <a:latin typeface="Arial"/>
+            </a:endParaRPr>
+          </a:p>
+          <a:p>
+            <a:pPr marL="164520" indent="-164520">
+              <a:lnSpc>
+                <a:spcPct val="100000"/>
+              </a:lnSpc>
+              <a:buBlip>
+                <a:blip r:embed="rId15"/>
+              </a:buBlip>
+            </a:pPr>
+            <a:r>
+              <a:rPr b="0" lang="en-US" sz="1200" spc="-1" strike="noStrike">
+                <a:solidFill>
+                  <a:srgbClr val="000000"/>
+                </a:solidFill>
+                <a:latin typeface="Arial"/>
+                <a:ea typeface="DejaVu Sans"/>
+              </a:rPr>
+              <a:t>each trigger sector is segmented along η in towers [1] [3]</a:t>
+            </a:r>
+            <a:endParaRPr b="0" lang="en-US" sz="1200" spc="-1" strike="noStrike">
+              <a:latin typeface="Arial"/>
+            </a:endParaRPr>
+          </a:p>
+        </p:txBody>
+      </p:sp>
+      <p:sp>
+        <p:nvSpPr>
+          <p:cNvPr id="67" name="CustomShape 12"/>
           <p:cNvSpPr/>
           <p:nvPr/>
         </p:nvSpPr>
         <p:spPr>
           <a:xfrm>
-            <a:off x="6207840" y="9252000"/>
-            <a:ext cx="2550240" cy="1824120"/>
+            <a:off x="6217920" y="6602400"/>
+            <a:ext cx="2834280" cy="907200"/>
           </a:xfrm>
           <a:prstGeom prst="rect">
             <a:avLst/>
@@ -3187,19 +2959,13 @@
           </a:ln>
         </p:spPr>
         <p:style>
-          <a:lnRef idx="0">
-            <a:srgbClr val="FFFFFF"/>
-          </a:lnRef>
-          <a:fillRef idx="0">
-            <a:srgbClr val="FFFFFF"/>
-          </a:fillRef>
-          <a:effectRef idx="0">
-            <a:srgbClr val="FFFFFF"/>
-          </a:effectRef>
+          <a:lnRef idx="0"/>
+          <a:fillRef idx="0"/>
+          <a:effectRef idx="0"/>
           <a:fontRef idx="minor"/>
         </p:style>
         <p:txBody>
-          <a:bodyPr lIns="90000" tIns="45000" rIns="90000" bIns="45000"/>
+          <a:bodyPr lIns="90000" rIns="90000" tIns="45000" bIns="45000"/>
           <a:p>
             <a:pPr>
               <a:lnSpc>
@@ -3207,17 +2973,17 @@
               </a:lnSpc>
             </a:pPr>
             <a:r>
-              <a:rPr lang="en-US" sz="1200" b="0" strike="noStrike" spc="-1">
-                <a:solidFill>
-                  <a:srgbClr val="000000"/>
-                </a:solidFill>
-                <a:latin typeface="Arial" charset="0"/>
-                <a:ea typeface="DejaVu Sans"/>
-              </a:rPr>
-              <a:t>Plateau value of the trigger efficiency as a function of time [2]. </a:t>
-            </a:r>
-            <a:endParaRPr lang="en-US" sz="1200" b="0" strike="noStrike" spc="-1">
-              <a:latin typeface="Arial" charset="0"/>
+              <a:rPr b="1" lang="en-US" sz="1200" spc="-1" strike="noStrike">
+                <a:solidFill>
+                  <a:srgbClr val="000000"/>
+                </a:solidFill>
+                <a:latin typeface="Arial"/>
+                <a:ea typeface="DejaVu Sans"/>
+              </a:rPr>
+              <a:t>Plateau value of the L1 muon barrel trigger efficiency for offline muons as a function of time [4]. </a:t>
+            </a:r>
+            <a:endParaRPr b="0" lang="en-US" sz="1200" spc="-1" strike="noStrike">
+              <a:latin typeface="Arial"/>
             </a:endParaRPr>
           </a:p>
           <a:p>
@@ -3226,92 +2992,88 @@
                 <a:spcPct val="100000"/>
               </a:lnSpc>
             </a:pPr>
-            <a:endParaRPr lang="en-US" sz="1200" b="0" strike="noStrike" spc="-1">
-              <a:latin typeface="Arial" charset="0"/>
-            </a:endParaRPr>
-          </a:p>
-          <a:p>
-            <a:pPr marL="171450" indent="-170815">
-              <a:lnSpc>
-                <a:spcPct val="100000"/>
-              </a:lnSpc>
-              <a:buClr>
-                <a:srgbClr val="000000"/>
-              </a:buClr>
-              <a:buFont typeface="Arial" charset="0"/>
-              <a:buChar char="•"/>
-            </a:pPr>
-            <a:r>
-              <a:rPr lang="en-US" sz="1200" b="0" strike="noStrike" spc="-1">
-                <a:solidFill>
-                  <a:srgbClr val="000000"/>
-                </a:solidFill>
-                <a:latin typeface="Arial" charset="0"/>
-                <a:ea typeface="DejaVu Sans"/>
-              </a:rPr>
-              <a:t>each point corresponds to a different ATLAS run recorded in 2017</a:t>
-            </a:r>
-            <a:endParaRPr lang="en-US" sz="1200" b="0" strike="noStrike" spc="-1">
-              <a:latin typeface="Arial" charset="0"/>
-            </a:endParaRPr>
-          </a:p>
-          <a:p>
-            <a:pPr marL="171450" indent="-170815">
-              <a:lnSpc>
-                <a:spcPct val="100000"/>
-              </a:lnSpc>
-              <a:buClr>
-                <a:srgbClr val="000000"/>
-              </a:buClr>
-              <a:buFont typeface="Arial" charset="0"/>
-              <a:buChar char="•"/>
-            </a:pPr>
-            <a:r>
-              <a:rPr lang="en-US" sz="1200" b="0" strike="noStrike" spc="-1">
-                <a:solidFill>
-                  <a:srgbClr val="000000"/>
-                </a:solidFill>
-                <a:latin typeface="Arial" charset="0"/>
+            <a:endParaRPr b="0" lang="en-US" sz="1200" spc="-1" strike="noStrike">
+              <a:latin typeface="Arial"/>
+            </a:endParaRPr>
+          </a:p>
+          <a:p>
+            <a:pPr marL="171360" indent="-168120">
+              <a:lnSpc>
+                <a:spcPct val="100000"/>
+              </a:lnSpc>
+              <a:buBlip>
+                <a:blip r:embed="rId16"/>
+              </a:buBlip>
+            </a:pPr>
+            <a:r>
+              <a:rPr b="0" lang="en-US" sz="1200" spc="-1" strike="noStrike">
+                <a:solidFill>
+                  <a:srgbClr val="000000"/>
+                </a:solidFill>
+                <a:latin typeface="Arial"/>
+                <a:ea typeface="DejaVu Sans"/>
+              </a:rPr>
+              <a:t>each point corresponds to a different ATLAS run recorded in 2018</a:t>
+            </a:r>
+            <a:endParaRPr b="0" lang="en-US" sz="1200" spc="-1" strike="noStrike">
+              <a:latin typeface="Arial"/>
+            </a:endParaRPr>
+          </a:p>
+          <a:p>
+            <a:pPr marL="171360" indent="-168120">
+              <a:lnSpc>
+                <a:spcPct val="100000"/>
+              </a:lnSpc>
+              <a:buBlip>
+                <a:blip r:embed="rId17"/>
+              </a:buBlip>
+            </a:pPr>
+            <a:r>
+              <a:rPr b="0" lang="en-US" sz="1200" spc="-1" strike="noStrike">
+                <a:solidFill>
+                  <a:srgbClr val="000000"/>
+                </a:solidFill>
+                <a:latin typeface="Arial"/>
                 <a:ea typeface="DejaVu Sans"/>
               </a:rPr>
               <a:t>only runs with integrated luminosity greater than 50 pb</a:t>
             </a:r>
             <a:r>
-              <a:rPr lang="en-US" sz="1200" b="0" strike="noStrike" spc="-1" baseline="30000">
-                <a:solidFill>
-                  <a:srgbClr val="000000"/>
-                </a:solidFill>
-                <a:latin typeface="Arial" charset="0"/>
-                <a:ea typeface="DejaVu Sans"/>
-              </a:rPr>
-              <a:t>-1</a:t>
-            </a:r>
-            <a:r>
-              <a:rPr lang="en-US" sz="1200" b="0" strike="noStrike" spc="-1">
-                <a:solidFill>
-                  <a:srgbClr val="000000"/>
-                </a:solidFill>
-                <a:latin typeface="Arial" charset="0"/>
-                <a:ea typeface="DejaVu Sans"/>
-              </a:rPr>
-              <a:t> and at least 1000 muons collected are used</a:t>
-            </a:r>
-            <a:endParaRPr lang="en-US" sz="1200" b="0" strike="noStrike" spc="-1">
-              <a:latin typeface="Arial" charset="0"/>
-            </a:endParaRPr>
-          </a:p>
-        </p:txBody>
-      </p:sp>
-      <p:sp>
-        <p:nvSpPr>
-          <p:cNvPr id="58" name="CustomShape 13"/>
+              <a:rPr b="0" lang="en-US" sz="1200" spc="-1" strike="noStrike" baseline="30000">
+                <a:solidFill>
+                  <a:srgbClr val="000000"/>
+                </a:solidFill>
+                <a:latin typeface="Arial"/>
+                <a:ea typeface="DejaVu Sans"/>
+              </a:rPr>
+              <a:t>-1 </a:t>
+            </a:r>
+            <a:r>
+              <a:rPr b="0" lang="en-US" sz="1200" spc="-1" strike="noStrike">
+                <a:solidFill>
+                  <a:srgbClr val="000000"/>
+                </a:solidFill>
+                <a:latin typeface="Arial"/>
+                <a:ea typeface="DejaVu Sans"/>
+              </a:rPr>
+              <a:t>are used</a:t>
+            </a:r>
+            <a:endParaRPr b="0" lang="en-US" sz="1200" spc="-1" strike="noStrike">
+              <a:latin typeface="Arial"/>
+            </a:endParaRPr>
+          </a:p>
+        </p:txBody>
+      </p:sp>
+      <p:sp>
+        <p:nvSpPr>
+          <p:cNvPr id="68" name="CustomShape 13"/>
           <p:cNvSpPr/>
           <p:nvPr/>
         </p:nvSpPr>
         <p:spPr>
           <a:xfrm>
-            <a:off x="28575" y="16048990"/>
-            <a:ext cx="6076315" cy="1115060"/>
+            <a:off x="28440" y="16049160"/>
+            <a:ext cx="6073920" cy="1112400"/>
           </a:xfrm>
           <a:prstGeom prst="rect">
             <a:avLst/>
@@ -3322,28 +3084,22 @@
           </a:ln>
         </p:spPr>
         <p:style>
-          <a:lnRef idx="0">
-            <a:srgbClr val="FFFFFF"/>
-          </a:lnRef>
-          <a:fillRef idx="0">
-            <a:srgbClr val="FFFFFF"/>
-          </a:fillRef>
-          <a:effectRef idx="0">
-            <a:srgbClr val="FFFFFF"/>
-          </a:effectRef>
+          <a:lnRef idx="0"/>
+          <a:fillRef idx="0"/>
+          <a:effectRef idx="0"/>
           <a:fontRef idx="minor"/>
         </p:style>
       </p:sp>
       <p:sp>
         <p:nvSpPr>
-          <p:cNvPr id="60" name="CustomShape 15"/>
+          <p:cNvPr id="69" name="CustomShape 14"/>
           <p:cNvSpPr/>
           <p:nvPr/>
         </p:nvSpPr>
         <p:spPr>
           <a:xfrm>
-            <a:off x="108000" y="6228000"/>
-            <a:ext cx="2726055" cy="2055495"/>
+            <a:off x="0" y="5838480"/>
+            <a:ext cx="3198600" cy="1735200"/>
           </a:xfrm>
           <a:prstGeom prst="rect">
             <a:avLst/>
@@ -3354,19 +3110,13 @@
           </a:ln>
         </p:spPr>
         <p:style>
-          <a:lnRef idx="0">
-            <a:srgbClr val="FFFFFF"/>
-          </a:lnRef>
-          <a:fillRef idx="0">
-            <a:srgbClr val="FFFFFF"/>
-          </a:fillRef>
-          <a:effectRef idx="0">
-            <a:srgbClr val="FFFFFF"/>
-          </a:effectRef>
+          <a:lnRef idx="0"/>
+          <a:fillRef idx="0"/>
+          <a:effectRef idx="0"/>
           <a:fontRef idx="minor"/>
         </p:style>
         <p:txBody>
-          <a:bodyPr lIns="90000" tIns="45000" rIns="90000" bIns="45000"/>
+          <a:bodyPr lIns="90000" rIns="90000" tIns="45000" bIns="45000"/>
           <a:p>
             <a:pPr>
               <a:lnSpc>
@@ -3374,17 +3124,17 @@
               </a:lnSpc>
             </a:pPr>
             <a:r>
-              <a:rPr lang="en-US" sz="1200" b="0" strike="noStrike" spc="-1">
-                <a:solidFill>
-                  <a:srgbClr val="000000"/>
-                </a:solidFill>
-                <a:latin typeface="Arial" charset="0"/>
-                <a:ea typeface="DejaVu Sans"/>
-              </a:rPr>
-              <a:t>The Level-1 (L1) trigger algorithm is based on hit coincidence of 3 concentric RPC stations</a:t>
-            </a:r>
-            <a:endParaRPr lang="en-US" sz="1200" b="0" strike="noStrike" spc="-1">
-              <a:latin typeface="Arial" charset="0"/>
+              <a:rPr b="1" lang="en-US" sz="1200" spc="-1" strike="noStrike">
+                <a:solidFill>
+                  <a:srgbClr val="000000"/>
+                </a:solidFill>
+                <a:latin typeface="Arial"/>
+                <a:ea typeface="DejaVu Sans"/>
+              </a:rPr>
+              <a:t>The Level-1 (L1) trigger algorithm is based on hit coincidence of 3 concentric RPC stations [3]</a:t>
+            </a:r>
+            <a:endParaRPr b="0" lang="en-US" sz="1200" spc="-1" strike="noStrike">
+              <a:latin typeface="Arial"/>
             </a:endParaRPr>
           </a:p>
           <a:p>
@@ -3393,112 +3143,108 @@
                 <a:spcPct val="100000"/>
               </a:lnSpc>
             </a:pPr>
-            <a:endParaRPr lang="en-US" sz="1200" b="0" strike="noStrike" spc="-1">
-              <a:latin typeface="Arial" charset="0"/>
-            </a:endParaRPr>
-          </a:p>
-          <a:p>
-            <a:pPr marL="171450" indent="-170815">
-              <a:lnSpc>
-                <a:spcPct val="100000"/>
-              </a:lnSpc>
-              <a:buClr>
-                <a:srgbClr val="000000"/>
-              </a:buClr>
-              <a:buFont typeface="Arial" charset="0"/>
-              <a:buChar char="•"/>
-            </a:pPr>
-            <a:r>
-              <a:rPr lang="en-US" sz="1200" b="0" strike="noStrike" spc="-1">
-                <a:solidFill>
-                  <a:srgbClr val="000000"/>
-                </a:solidFill>
-                <a:latin typeface="Arial" charset="0"/>
-                <a:ea typeface="DejaVu Sans"/>
-              </a:rPr>
-              <a:t>Low p</a:t>
-            </a:r>
-            <a:r>
-              <a:rPr lang="en-US" sz="1200" b="0" strike="noStrike" spc="-1" baseline="-25000">
-                <a:solidFill>
-                  <a:srgbClr val="000000"/>
-                </a:solidFill>
-                <a:latin typeface="Arial" charset="0"/>
+            <a:endParaRPr b="0" lang="en-US" sz="1200" spc="-1" strike="noStrike">
+              <a:latin typeface="Arial"/>
+            </a:endParaRPr>
+          </a:p>
+          <a:p>
+            <a:pPr marL="164520" indent="-164160">
+              <a:lnSpc>
+                <a:spcPct val="100000"/>
+              </a:lnSpc>
+              <a:buBlip>
+                <a:blip r:embed="rId18"/>
+              </a:buBlip>
+            </a:pPr>
+            <a:r>
+              <a:rPr b="0" lang="en-US" sz="1200" spc="-1" strike="noStrike">
+                <a:solidFill>
+                  <a:srgbClr val="000000"/>
+                </a:solidFill>
+                <a:latin typeface="Arial"/>
+                <a:ea typeface="DejaVu Sans"/>
+              </a:rPr>
+              <a:t>low p</a:t>
+            </a:r>
+            <a:r>
+              <a:rPr b="0" lang="en-US" sz="1200" spc="-1" strike="noStrike" baseline="-25000">
+                <a:solidFill>
+                  <a:srgbClr val="000000"/>
+                </a:solidFill>
+                <a:latin typeface="Arial"/>
                 <a:ea typeface="DejaVu Sans"/>
               </a:rPr>
               <a:t>T</a:t>
             </a:r>
             <a:r>
-              <a:rPr lang="en-US" sz="1200" b="0" strike="noStrike" spc="-1">
-                <a:solidFill>
-                  <a:srgbClr val="000000"/>
-                </a:solidFill>
-                <a:latin typeface="Arial" charset="0"/>
+              <a:rPr b="0" lang="en-US" sz="1200" spc="-1" strike="noStrike">
+                <a:solidFill>
+                  <a:srgbClr val="000000"/>
+                </a:solidFill>
+                <a:latin typeface="Arial"/>
                 <a:ea typeface="DejaVu Sans"/>
               </a:rPr>
               <a:t> trigger: coincidence between the innermost two RPC stations</a:t>
             </a:r>
-            <a:endParaRPr lang="en-US" sz="1200" b="0" strike="noStrike" spc="-1">
-              <a:latin typeface="Arial" charset="0"/>
-            </a:endParaRPr>
-          </a:p>
-          <a:p>
-            <a:pPr marL="171450" indent="-170815">
-              <a:lnSpc>
-                <a:spcPct val="100000"/>
-              </a:lnSpc>
-              <a:buClr>
-                <a:srgbClr val="000000"/>
-              </a:buClr>
-              <a:buFont typeface="Arial" charset="0"/>
-              <a:buChar char="•"/>
-            </a:pPr>
-            <a:r>
-              <a:rPr lang="en-US" sz="1200" b="0" strike="noStrike" spc="-1">
-                <a:solidFill>
-                  <a:srgbClr val="000000"/>
-                </a:solidFill>
-                <a:latin typeface="Arial" charset="0"/>
-                <a:ea typeface="DejaVu Sans"/>
-              </a:rPr>
-              <a:t>High p</a:t>
-            </a:r>
-            <a:r>
-              <a:rPr lang="en-US" sz="1200" b="0" strike="noStrike" spc="-1" baseline="-25000">
-                <a:solidFill>
-                  <a:srgbClr val="000000"/>
-                </a:solidFill>
-                <a:latin typeface="Arial" charset="0"/>
+            <a:endParaRPr b="0" lang="en-US" sz="1200" spc="-1" strike="noStrike">
+              <a:latin typeface="Arial"/>
+            </a:endParaRPr>
+          </a:p>
+          <a:p>
+            <a:pPr marL="164520" indent="-164160">
+              <a:lnSpc>
+                <a:spcPct val="100000"/>
+              </a:lnSpc>
+              <a:buBlip>
+                <a:blip r:embed="rId19"/>
+              </a:buBlip>
+            </a:pPr>
+            <a:r>
+              <a:rPr b="0" lang="en-US" sz="1200" spc="-1" strike="noStrike">
+                <a:solidFill>
+                  <a:srgbClr val="000000"/>
+                </a:solidFill>
+                <a:latin typeface="Arial"/>
+                <a:ea typeface="DejaVu Sans"/>
+              </a:rPr>
+              <a:t>ligh p</a:t>
+            </a:r>
+            <a:r>
+              <a:rPr b="0" lang="en-US" sz="1200" spc="-1" strike="noStrike" baseline="-25000">
+                <a:solidFill>
+                  <a:srgbClr val="000000"/>
+                </a:solidFill>
+                <a:latin typeface="Arial"/>
                 <a:ea typeface="DejaVu Sans"/>
               </a:rPr>
               <a:t>T</a:t>
             </a:r>
             <a:r>
-              <a:rPr lang="en-US" sz="1200" b="0" strike="noStrike" spc="-1">
-                <a:solidFill>
-                  <a:srgbClr val="000000"/>
-                </a:solidFill>
-                <a:latin typeface="Arial" charset="0"/>
+              <a:rPr b="0" lang="en-US" sz="1200" spc="-1" strike="noStrike">
+                <a:solidFill>
+                  <a:srgbClr val="000000"/>
+                </a:solidFill>
+                <a:latin typeface="Arial"/>
                 <a:ea typeface="DejaVu Sans"/>
               </a:rPr>
               <a:t> trigger: additional confirmation on the third external station</a:t>
             </a:r>
-            <a:endParaRPr lang="en-US" sz="1200" b="0" strike="noStrike" spc="-1">
-              <a:latin typeface="Arial" charset="0"/>
-            </a:endParaRPr>
-          </a:p>
-        </p:txBody>
-      </p:sp>
-      <p:sp>
-        <p:nvSpPr>
-          <p:cNvPr id="61" name="CustomShape 16"/>
+            <a:endParaRPr b="0" lang="en-US" sz="1200" spc="-1" strike="noStrike">
+              <a:latin typeface="Arial"/>
+            </a:endParaRPr>
+          </a:p>
+        </p:txBody>
+      </p:sp>
+      <p:sp>
+        <p:nvSpPr>
+          <p:cNvPr id="70" name="CustomShape 15"/>
           <p:cNvSpPr/>
           <p:nvPr/>
         </p:nvSpPr>
         <p:spPr>
           <a:xfrm>
-            <a:off x="9327615" y="3858815"/>
-            <a:ext cx="3074040" cy="820080"/>
+            <a:off x="9446400" y="14598720"/>
+            <a:ext cx="3191760" cy="1386000"/>
           </a:xfrm>
           <a:prstGeom prst="rect">
             <a:avLst/>
@@ -3509,51 +3255,144 @@
           </a:ln>
         </p:spPr>
         <p:style>
-          <a:lnRef idx="0">
-            <a:srgbClr val="FFFFFF"/>
-          </a:lnRef>
-          <a:fillRef idx="0">
-            <a:srgbClr val="FFFFFF"/>
-          </a:fillRef>
-          <a:effectRef idx="0">
-            <a:srgbClr val="FFFFFF"/>
-          </a:effectRef>
+          <a:lnRef idx="0"/>
+          <a:fillRef idx="0"/>
+          <a:effectRef idx="0"/>
           <a:fontRef idx="minor"/>
         </p:style>
         <p:txBody>
-          <a:bodyPr lIns="90000" tIns="45000" rIns="90000" bIns="45000"/>
+          <a:bodyPr lIns="90000" rIns="90000" tIns="45000" bIns="45000"/>
           <a:p>
             <a:pPr>
               <a:lnSpc>
                 <a:spcPct val="100000"/>
               </a:lnSpc>
             </a:pPr>
-            <a:r>
-              <a:rPr lang="en-US" sz="1200" b="0" strike="noStrike" spc="-1">
-                <a:solidFill>
-                  <a:srgbClr val="000000"/>
-                </a:solidFill>
-                <a:latin typeface="Arial" charset="0"/>
-                <a:ea typeface="DejaVu Sans"/>
-              </a:rPr>
-              <a:t>Fraction of RPC trigger hits associated to the correct BC [1] for each of the barrel muon trigger towers for one example run in 2017  [2]. </a:t>
-            </a:r>
-            <a:endParaRPr lang="en-US" sz="1200" b="0" strike="noStrike" spc="-1">
-              <a:latin typeface="Arial" charset="0"/>
-            </a:endParaRPr>
-          </a:p>
-        </p:txBody>
-      </p:sp>
-      <p:sp>
-        <p:nvSpPr>
-          <p:cNvPr id="62" name="CustomShape 17"/>
+            <a:endParaRPr b="0" lang="en-US" sz="1800" spc="-1" strike="noStrike">
+              <a:latin typeface="Arial"/>
+            </a:endParaRPr>
+          </a:p>
+          <a:p>
+            <a:pPr marL="216000" indent="-213840">
+              <a:lnSpc>
+                <a:spcPct val="100000"/>
+              </a:lnSpc>
+              <a:buBlip>
+                <a:blip r:embed="rId20"/>
+              </a:buBlip>
+            </a:pPr>
+            <a:r>
+              <a:rPr b="0" lang="en-US" sz="1200" spc="-1" strike="noStrike">
+                <a:solidFill>
+                  <a:srgbClr val="000000"/>
+                </a:solidFill>
+                <a:latin typeface="Arial"/>
+                <a:ea typeface="DejaVu Sans"/>
+              </a:rPr>
+              <a:t>each point corresponds to a different ATLAS run recorded in 2018</a:t>
+            </a:r>
+            <a:endParaRPr b="0" lang="en-US" sz="1200" spc="-1" strike="noStrike">
+              <a:latin typeface="Arial"/>
+            </a:endParaRPr>
+          </a:p>
+          <a:p>
+            <a:pPr marL="216000" indent="-213840">
+              <a:lnSpc>
+                <a:spcPct val="100000"/>
+              </a:lnSpc>
+              <a:buBlip>
+                <a:blip r:embed="rId21"/>
+              </a:buBlip>
+            </a:pPr>
+            <a:r>
+              <a:rPr b="0" lang="en-US" sz="1200" spc="-1" strike="noStrike">
+                <a:solidFill>
+                  <a:srgbClr val="000000"/>
+                </a:solidFill>
+                <a:latin typeface="Arial"/>
+                <a:ea typeface="DejaVu Sans"/>
+              </a:rPr>
+              <a:t>only runs with integrated luminosity greater than 50 pb</a:t>
+            </a:r>
+            <a:r>
+              <a:rPr b="0" lang="en-US" sz="1200" spc="-1" strike="noStrike" baseline="30000">
+                <a:solidFill>
+                  <a:srgbClr val="000000"/>
+                </a:solidFill>
+                <a:latin typeface="Arial"/>
+                <a:ea typeface="DejaVu Sans"/>
+              </a:rPr>
+              <a:t>-1</a:t>
+            </a:r>
+            <a:r>
+              <a:rPr b="0" lang="en-US" sz="1200" spc="-1" strike="noStrike">
+                <a:solidFill>
+                  <a:srgbClr val="000000"/>
+                </a:solidFill>
+                <a:latin typeface="Arial"/>
+                <a:ea typeface="DejaVu Sans"/>
+              </a:rPr>
+              <a:t> are used</a:t>
+            </a:r>
+            <a:endParaRPr b="0" lang="en-US" sz="1200" spc="-1" strike="noStrike">
+              <a:latin typeface="Arial"/>
+            </a:endParaRPr>
+          </a:p>
+          <a:p>
+            <a:pPr marL="216000" indent="-213840">
+              <a:lnSpc>
+                <a:spcPct val="100000"/>
+              </a:lnSpc>
+              <a:buBlip>
+                <a:blip r:embed="rId22"/>
+              </a:buBlip>
+            </a:pPr>
+            <a:r>
+              <a:rPr b="0" lang="en-US" sz="1200" spc="-1" strike="noStrike">
+                <a:solidFill>
+                  <a:srgbClr val="000000"/>
+                </a:solidFill>
+                <a:latin typeface="Arial"/>
+                <a:ea typeface="DejaVu Sans"/>
+              </a:rPr>
+              <a:t>the fraction of high p</a:t>
+            </a:r>
+            <a:r>
+              <a:rPr b="0" lang="en-US" sz="1200" spc="-1" strike="noStrike" baseline="-25000">
+                <a:solidFill>
+                  <a:srgbClr val="000000"/>
+                </a:solidFill>
+                <a:latin typeface="Arial"/>
+                <a:ea typeface="DejaVu Sans"/>
+              </a:rPr>
+              <a:t>T</a:t>
+            </a:r>
+            <a:r>
+              <a:rPr b="0" lang="en-US" sz="1200" spc="-1" strike="noStrike">
+                <a:solidFill>
+                  <a:srgbClr val="000000"/>
+                </a:solidFill>
+                <a:latin typeface="Arial"/>
+                <a:ea typeface="DejaVu Sans"/>
+              </a:rPr>
+              <a:t> muons associated to the correct BC is 99.6% [1]</a:t>
+            </a:r>
+            <a:endParaRPr b="0" lang="en-US" sz="1200" spc="-1" strike="noStrike">
+              <a:latin typeface="Arial"/>
+            </a:endParaRPr>
+          </a:p>
+        </p:txBody>
+      </p:sp>
+      <p:sp>
+        <p:nvSpPr>
+          <p:cNvPr id="71" name="CustomShape 16"/>
           <p:cNvSpPr/>
           <p:nvPr/>
         </p:nvSpPr>
         <p:spPr>
           <a:xfrm>
-            <a:off x="9327460" y="4660975"/>
-            <a:ext cx="3291840" cy="1026720"/>
+            <a:off x="6217920" y="3931920"/>
+            <a:ext cx="2742840" cy="914040"/>
           </a:xfrm>
           <a:prstGeom prst="rect">
             <a:avLst/>
@@ -3564,19 +3403,13 @@
           </a:ln>
         </p:spPr>
         <p:style>
-          <a:lnRef idx="0">
-            <a:srgbClr val="FFFFFF"/>
-          </a:lnRef>
-          <a:fillRef idx="0">
-            <a:srgbClr val="FFFFFF"/>
-          </a:fillRef>
-          <a:effectRef idx="0">
-            <a:srgbClr val="FFFFFF"/>
-          </a:effectRef>
+          <a:lnRef idx="0"/>
+          <a:fillRef idx="0"/>
+          <a:effectRef idx="0"/>
           <a:fontRef idx="minor"/>
         </p:style>
         <p:txBody>
-          <a:bodyPr lIns="90000" tIns="45000" rIns="90000" bIns="45000"/>
+          <a:bodyPr lIns="90000" rIns="90000" tIns="45000" bIns="45000"/>
           <a:p>
             <a:pPr>
               <a:lnSpc>
@@ -3584,231 +3417,169 @@
               </a:lnSpc>
             </a:pPr>
             <a:r>
-              <a:rPr lang="en-US" sz="1200" b="0" strike="noStrike" spc="-1">
-                <a:solidFill>
-                  <a:srgbClr val="000000"/>
-                </a:solidFill>
-                <a:latin typeface="Arial" charset="0"/>
-                <a:ea typeface="DejaVu Sans"/>
-              </a:rPr>
-              <a:t>Fraction for the whole RPC trigger system as a function of time. Each point corresponds to a different ATLAS run recorded in 2017 [2]. The fraction of high p</a:t>
-            </a:r>
-            <a:r>
-              <a:rPr lang="en-US" sz="1200" b="0" strike="noStrike" spc="-1" baseline="-25000">
-                <a:solidFill>
-                  <a:srgbClr val="000000"/>
-                </a:solidFill>
-                <a:latin typeface="Arial" charset="0"/>
+              <a:rPr b="1" lang="en-US" sz="1200" spc="-1" strike="noStrike">
+                <a:solidFill>
+                  <a:srgbClr val="000000"/>
+                </a:solidFill>
+                <a:latin typeface="Arial"/>
+                <a:ea typeface="DejaVu Sans"/>
+              </a:rPr>
+              <a:t>L1 muon barrel trigger efficiency for offline muons as a function of their transverse momentum [4]. </a:t>
+            </a:r>
+            <a:endParaRPr b="0" lang="en-US" sz="1200" spc="-1" strike="noStrike">
+              <a:latin typeface="Arial"/>
+            </a:endParaRPr>
+          </a:p>
+          <a:p>
+            <a:pPr>
+              <a:lnSpc>
+                <a:spcPct val="100000"/>
+              </a:lnSpc>
+            </a:pPr>
+            <a:endParaRPr b="0" lang="en-US" sz="1200" spc="-1" strike="noStrike">
+              <a:latin typeface="Arial"/>
+            </a:endParaRPr>
+          </a:p>
+          <a:p>
+            <a:pPr marL="164520" indent="-164520">
+              <a:lnSpc>
+                <a:spcPct val="100000"/>
+              </a:lnSpc>
+              <a:buBlip>
+                <a:blip r:embed="rId23"/>
+              </a:buBlip>
+            </a:pPr>
+            <a:r>
+              <a:rPr b="0" lang="en-US" sz="1200" spc="-1" strike="noStrike">
+                <a:solidFill>
+                  <a:srgbClr val="000000"/>
+                </a:solidFill>
+                <a:latin typeface="Arial"/>
+                <a:ea typeface="DejaVu Sans"/>
+              </a:rPr>
+              <a:t>efficiencies are measured using a tag-and-probe method with  candidates</a:t>
+            </a:r>
+            <a:endParaRPr b="0" lang="en-US" sz="1200" spc="-1" strike="noStrike">
+              <a:latin typeface="Arial"/>
+            </a:endParaRPr>
+          </a:p>
+          <a:p>
+            <a:pPr marL="164520" indent="-164520">
+              <a:lnSpc>
+                <a:spcPct val="100000"/>
+              </a:lnSpc>
+              <a:buBlip>
+                <a:blip r:embed="rId24"/>
+              </a:buBlip>
+            </a:pPr>
+            <a:r>
+              <a:rPr b="0" lang="en-US" sz="1200" spc="-1" strike="noStrike">
+                <a:solidFill>
+                  <a:srgbClr val="000000"/>
+                </a:solidFill>
+                <a:latin typeface="Arial"/>
+                <a:ea typeface="DejaVu Sans"/>
+              </a:rPr>
+              <a:t>efficiencies for the low p</a:t>
+            </a:r>
+            <a:r>
+              <a:rPr b="0" lang="en-US" sz="1200" spc="-1" strike="noStrike" baseline="-25000">
+                <a:solidFill>
+                  <a:srgbClr val="000000"/>
+                </a:solidFill>
+                <a:latin typeface="Arial"/>
                 <a:ea typeface="DejaVu Sans"/>
               </a:rPr>
               <a:t>T</a:t>
             </a:r>
             <a:r>
-              <a:rPr lang="en-US" sz="1200" b="0" strike="noStrike" spc="-1">
-                <a:solidFill>
-                  <a:srgbClr val="000000"/>
-                </a:solidFill>
-                <a:latin typeface="Arial" charset="0"/>
-                <a:ea typeface="DejaVu Sans"/>
-              </a:rPr>
-              <a:t> muons associated to the correct BC is 99.6% [1].</a:t>
-            </a:r>
-            <a:endParaRPr lang="en-US" sz="1200" b="0" strike="noStrike" spc="-1">
-              <a:latin typeface="Arial" charset="0"/>
-            </a:endParaRPr>
-          </a:p>
-        </p:txBody>
-      </p:sp>
-      <p:sp>
-        <p:nvSpPr>
-          <p:cNvPr id="64" name="CustomShape 19"/>
+              <a:rPr b="0" lang="en-US" sz="1200" spc="-1" strike="noStrike">
+                <a:solidFill>
+                  <a:srgbClr val="000000"/>
+                </a:solidFill>
+                <a:latin typeface="Arial"/>
+                <a:ea typeface="DejaVu Sans"/>
+              </a:rPr>
+              <a:t> trigger thresholds (MU4, MU6, MU10) reach a plateau of about 78% </a:t>
+            </a:r>
+            <a:endParaRPr b="0" lang="en-US" sz="1200" spc="-1" strike="noStrike">
+              <a:latin typeface="Arial"/>
+            </a:endParaRPr>
+          </a:p>
+          <a:p>
+            <a:pPr marL="164520" indent="-164520">
+              <a:lnSpc>
+                <a:spcPct val="100000"/>
+              </a:lnSpc>
+              <a:buBlip>
+                <a:blip r:embed="rId25"/>
+              </a:buBlip>
+            </a:pPr>
+            <a:r>
+              <a:rPr b="0" lang="en-US" sz="1200" spc="-1" strike="noStrike">
+                <a:solidFill>
+                  <a:srgbClr val="000000"/>
+                </a:solidFill>
+                <a:latin typeface="Arial"/>
+                <a:ea typeface="DejaVu Sans"/>
+              </a:rPr>
+              <a:t>efficiencies for high p</a:t>
+            </a:r>
+            <a:r>
+              <a:rPr b="0" lang="en-US" sz="1200" spc="-1" strike="noStrike" baseline="-25000">
+                <a:solidFill>
+                  <a:srgbClr val="000000"/>
+                </a:solidFill>
+                <a:latin typeface="Arial"/>
+                <a:ea typeface="DejaVu Sans"/>
+              </a:rPr>
+              <a:t>T</a:t>
+            </a:r>
+            <a:r>
+              <a:rPr b="0" lang="en-US" sz="1200" spc="-1" strike="noStrike">
+                <a:solidFill>
+                  <a:srgbClr val="000000"/>
+                </a:solidFill>
+                <a:latin typeface="Arial"/>
+                <a:ea typeface="DejaVu Sans"/>
+              </a:rPr>
+              <a:t> trigger thresholds (MU11, MU20, MU21) rise to around 68% [1] </a:t>
+            </a:r>
+            <a:endParaRPr b="0" lang="en-US" sz="1200" spc="-1" strike="noStrike">
+              <a:latin typeface="Arial"/>
+            </a:endParaRPr>
+          </a:p>
+        </p:txBody>
+      </p:sp>
+      <p:sp>
+        <p:nvSpPr>
+          <p:cNvPr id="72" name="CustomShape 17"/>
           <p:cNvSpPr/>
           <p:nvPr/>
         </p:nvSpPr>
         <p:spPr>
           <a:xfrm>
-            <a:off x="6228000" y="6804000"/>
-            <a:ext cx="2550240" cy="2055600"/>
-          </a:xfrm>
-          <a:prstGeom prst="rect">
-            <a:avLst/>
-          </a:prstGeom>
-          <a:noFill/>
-          <a:ln>
-            <a:noFill/>
-          </a:ln>
-        </p:spPr>
-        <p:style>
-          <a:lnRef idx="0">
-            <a:srgbClr val="FFFFFF"/>
-          </a:lnRef>
-          <a:fillRef idx="0">
-            <a:srgbClr val="FFFFFF"/>
-          </a:fillRef>
-          <a:effectRef idx="0">
-            <a:srgbClr val="FFFFFF"/>
-          </a:effectRef>
-          <a:fontRef idx="minor"/>
-        </p:style>
-        <p:txBody>
-          <a:bodyPr lIns="90000" tIns="45000" rIns="90000" bIns="45000"/>
-          <a:p>
-            <a:pPr>
-              <a:lnSpc>
-                <a:spcPct val="100000"/>
-              </a:lnSpc>
-            </a:pPr>
-            <a:r>
-              <a:rPr lang="en-US" sz="1200" b="0" strike="noStrike" spc="-1">
-                <a:solidFill>
-                  <a:srgbClr val="000000"/>
-                </a:solidFill>
-                <a:latin typeface="Arial" charset="0"/>
-                <a:ea typeface="DejaVu Sans"/>
-              </a:rPr>
-              <a:t>L1 muon barrel trigger efficiency for reconstructed muons as a function of transverse momentum is shown for 6 L1 thresholds [2]. </a:t>
-            </a:r>
-            <a:endParaRPr lang="en-US" sz="1200" b="0" strike="noStrike" spc="-1">
-              <a:latin typeface="Arial" charset="0"/>
-            </a:endParaRPr>
-          </a:p>
-          <a:p>
-            <a:pPr>
-              <a:lnSpc>
-                <a:spcPct val="100000"/>
-              </a:lnSpc>
-            </a:pPr>
-            <a:endParaRPr lang="en-US" sz="1200" b="0" strike="noStrike" spc="-1">
-              <a:latin typeface="Arial" charset="0"/>
-            </a:endParaRPr>
-          </a:p>
-          <a:p>
-            <a:pPr marL="171450" indent="-170815">
-              <a:lnSpc>
-                <a:spcPct val="100000"/>
-              </a:lnSpc>
-              <a:buClr>
-                <a:srgbClr val="000000"/>
-              </a:buClr>
-              <a:buFont typeface="Arial" charset="0"/>
-              <a:buChar char="•"/>
-            </a:pPr>
-            <a:r>
-              <a:rPr lang="en-US" sz="1200" b="0" strike="noStrike" spc="-1">
-                <a:solidFill>
-                  <a:srgbClr val="000000"/>
-                </a:solidFill>
-                <a:latin typeface="Arial" charset="0"/>
-                <a:ea typeface="DejaVu Sans"/>
-              </a:rPr>
-              <a:t>efficiencies for the low p</a:t>
-            </a:r>
-            <a:r>
-              <a:rPr lang="en-US" sz="1200" b="0" strike="noStrike" spc="-1" baseline="-25000">
-                <a:solidFill>
-                  <a:srgbClr val="000000"/>
-                </a:solidFill>
-                <a:latin typeface="Arial" charset="0"/>
-                <a:ea typeface="DejaVu Sans"/>
-              </a:rPr>
-              <a:t>T</a:t>
-            </a:r>
-            <a:r>
-              <a:rPr lang="en-US" sz="1200" b="0" strike="noStrike" spc="-1">
-                <a:solidFill>
-                  <a:srgbClr val="000000"/>
-                </a:solidFill>
-                <a:latin typeface="Arial" charset="0"/>
-                <a:ea typeface="DejaVu Sans"/>
-              </a:rPr>
-              <a:t> trigger thresholds (MU4, MU6, MU10) reach a plateau of about 80% </a:t>
-            </a:r>
-            <a:endParaRPr lang="en-US" sz="1200" b="0" strike="noStrike" spc="-1">
-              <a:latin typeface="Arial" charset="0"/>
-            </a:endParaRPr>
-          </a:p>
-          <a:p>
-            <a:pPr marL="171450" indent="-170815">
-              <a:lnSpc>
-                <a:spcPct val="100000"/>
-              </a:lnSpc>
-              <a:buClr>
-                <a:srgbClr val="000000"/>
-              </a:buClr>
-              <a:buFont typeface="Arial" charset="0"/>
-              <a:buChar char="•"/>
-            </a:pPr>
-            <a:r>
-              <a:rPr lang="en-US" sz="1200" b="0" strike="noStrike" spc="-1">
-                <a:solidFill>
-                  <a:srgbClr val="000000"/>
-                </a:solidFill>
-                <a:latin typeface="Arial" charset="0"/>
-                <a:ea typeface="DejaVu Sans"/>
-              </a:rPr>
-              <a:t>efficiencies for high p</a:t>
-            </a:r>
-            <a:r>
-              <a:rPr lang="en-US" sz="1200" b="0" strike="noStrike" spc="-1" baseline="-25000">
-                <a:solidFill>
-                  <a:srgbClr val="000000"/>
-                </a:solidFill>
-                <a:latin typeface="Arial" charset="0"/>
-                <a:ea typeface="DejaVu Sans"/>
-              </a:rPr>
-              <a:t>T</a:t>
-            </a:r>
-            <a:r>
-              <a:rPr lang="en-US" sz="1200" b="0" strike="noStrike" spc="-1">
-                <a:solidFill>
-                  <a:srgbClr val="000000"/>
-                </a:solidFill>
-                <a:latin typeface="Arial" charset="0"/>
-                <a:ea typeface="DejaVu Sans"/>
-              </a:rPr>
-              <a:t> trigger thresholds (MU11, MU20, MU21) rise to around 70% [1] </a:t>
-            </a:r>
-            <a:endParaRPr lang="en-US" sz="1200" b="0" strike="noStrike" spc="-1">
-              <a:latin typeface="Arial" charset="0"/>
-            </a:endParaRPr>
-          </a:p>
-        </p:txBody>
-      </p:sp>
-      <p:sp>
-        <p:nvSpPr>
-          <p:cNvPr id="65" name="CustomShape 20"/>
-          <p:cNvSpPr/>
-          <p:nvPr/>
-        </p:nvSpPr>
-        <p:spPr>
-          <a:xfrm>
-            <a:off x="6192000" y="6300000"/>
-            <a:ext cx="6397560" cy="401040"/>
+            <a:off x="6198480" y="3392280"/>
+            <a:ext cx="6395040" cy="398520"/>
           </a:xfrm>
           <a:prstGeom prst="rect">
             <a:avLst/>
           </a:prstGeom>
           <a:solidFill>
-            <a:srgbClr val="2462A1"/>
+            <a:srgbClr val="2462a1"/>
           </a:solidFill>
           <a:ln>
             <a:noFill/>
           </a:ln>
         </p:spPr>
         <p:style>
-          <a:lnRef idx="0">
-            <a:srgbClr val="FFFFFF"/>
-          </a:lnRef>
-          <a:fillRef idx="0">
-            <a:srgbClr val="FFFFFF"/>
-          </a:fillRef>
-          <a:effectRef idx="0">
-            <a:srgbClr val="FFFFFF"/>
-          </a:effectRef>
+          <a:lnRef idx="0"/>
+          <a:fillRef idx="0"/>
+          <a:effectRef idx="0"/>
           <a:fontRef idx="minor"/>
         </p:style>
         <p:txBody>
-          <a:bodyPr lIns="90000" tIns="45000" rIns="90000" bIns="45000"/>
+          <a:bodyPr lIns="90000" rIns="90000" tIns="45000" bIns="45000"/>
           <a:p>
             <a:pPr>
               <a:lnSpc>
@@ -3816,98 +3587,41 @@
               </a:lnSpc>
             </a:pPr>
             <a:r>
-              <a:rPr lang="en-US" sz="1800" b="1" strike="noStrike" spc="-1">
-                <a:solidFill>
-                  <a:srgbClr val="FFFFFF"/>
-                </a:solidFill>
-                <a:latin typeface="Arial" charset="0"/>
+              <a:rPr b="1" lang="en-US" sz="1800" spc="-1" strike="noStrike">
+                <a:solidFill>
+                  <a:srgbClr val="ffffff"/>
+                </a:solidFill>
+                <a:latin typeface="Arial"/>
                 <a:ea typeface="DejaVu Sans"/>
               </a:rPr>
               <a:t>Trigger efficiency vs. offline muon p</a:t>
             </a:r>
             <a:r>
-              <a:rPr lang="en-US" sz="1800" b="1" strike="noStrike" spc="-1" baseline="-25000">
-                <a:solidFill>
-                  <a:srgbClr val="FFFFFF"/>
-                </a:solidFill>
-                <a:latin typeface="Arial" charset="0"/>
+              <a:rPr b="1" lang="en-US" sz="1800" spc="-1" strike="noStrike" baseline="-25000">
+                <a:solidFill>
+                  <a:srgbClr val="ffffff"/>
+                </a:solidFill>
+                <a:latin typeface="Arial"/>
                 <a:ea typeface="DejaVu Sans"/>
               </a:rPr>
               <a:t>T</a:t>
             </a:r>
-            <a:endParaRPr lang="en-US" sz="1800" b="0" strike="noStrike" spc="-1">
-              <a:latin typeface="Arial" charset="0"/>
-            </a:endParaRPr>
-          </a:p>
-        </p:txBody>
-      </p:sp>
-      <p:sp>
-        <p:nvSpPr>
-          <p:cNvPr id="67" name="CustomShape 21"/>
+            <a:endParaRPr b="0" lang="en-US" sz="1800" spc="-1" strike="noStrike">
+              <a:latin typeface="Arial"/>
+            </a:endParaRPr>
+          </a:p>
+        </p:txBody>
+      </p:sp>
+      <p:sp>
+        <p:nvSpPr>
+          <p:cNvPr id="73" name="CustomShape 18"/>
           <p:cNvSpPr/>
           <p:nvPr/>
         </p:nvSpPr>
         <p:spPr>
-          <a:xfrm>
-            <a:off x="0" y="8244000"/>
-            <a:ext cx="6090840" cy="364320"/>
-          </a:xfrm>
-          <a:prstGeom prst="rect">
-            <a:avLst/>
-          </a:prstGeom>
-          <a:solidFill>
-            <a:srgbClr val="2462A1"/>
-          </a:solidFill>
-          <a:ln>
-            <a:noFill/>
-          </a:ln>
-        </p:spPr>
-        <p:style>
-          <a:lnRef idx="0">
-            <a:srgbClr val="FFFFFF"/>
-          </a:lnRef>
-          <a:fillRef idx="0">
-            <a:srgbClr val="FFFFFF"/>
-          </a:fillRef>
-          <a:effectRef idx="0">
-            <a:srgbClr val="FFFFFF"/>
-          </a:effectRef>
-          <a:fontRef idx="minor"/>
-        </p:style>
-        <p:txBody>
-          <a:bodyPr lIns="90000" tIns="45000" rIns="90000" bIns="45000"/>
-          <a:p>
-            <a:pPr>
-              <a:lnSpc>
-                <a:spcPct val="100000"/>
-              </a:lnSpc>
-            </a:pPr>
-            <a:r>
-              <a:rPr lang="x-none" altLang="en-US" sz="1800" b="1" strike="noStrike" spc="-1">
-                <a:solidFill>
-                  <a:srgbClr val="FFFFFF"/>
-                </a:solidFill>
-                <a:latin typeface="Arial" charset="0"/>
-                <a:ea typeface="DejaVu Sans"/>
-              </a:rPr>
-              <a:t>Performance in one detector gas gap</a:t>
-            </a:r>
-            <a:endParaRPr lang="en-US" sz="1800" b="0" strike="noStrike" spc="-1">
-              <a:latin typeface="Arial" charset="0"/>
-            </a:endParaRPr>
-          </a:p>
-        </p:txBody>
-      </p:sp>
-      <p:sp>
-        <p:nvSpPr>
-          <p:cNvPr id="71" name="CustomShape 23"/>
-          <p:cNvSpPr/>
-          <p:nvPr/>
-        </p:nvSpPr>
-        <p:spPr>
-          <a:xfrm>
-            <a:off x="8889480" y="8604000"/>
-            <a:ext cx="689400" cy="1186200"/>
+          <a:xfrm flipH="1">
+            <a:off x="10970640" y="4480560"/>
+            <a:ext cx="546120" cy="2192760"/>
           </a:xfrm>
           <a:prstGeom prst="curvedRightArrow">
             <a:avLst>
@@ -3932,7 +3646,7 @@
             <a:round/>
           </a:ln>
           <a:effectLst>
-            <a:outerShdw blurRad="40000" dist="23000" dir="5400000" rotWithShape="0">
+            <a:outerShdw blurRad="40000" dir="5400000" dist="23000" rotWithShape="0">
               <a:srgbClr val="000000">
                 <a:alpha val="35000"/>
               </a:srgbClr>
@@ -3954,14 +3668,14 @@
       </p:sp>
       <p:sp>
         <p:nvSpPr>
-          <p:cNvPr id="73" name="CustomShape 25"/>
+          <p:cNvPr id="74" name="CustomShape 19"/>
           <p:cNvSpPr/>
           <p:nvPr/>
         </p:nvSpPr>
         <p:spPr>
           <a:xfrm>
-            <a:off x="6103620" y="16149320"/>
-            <a:ext cx="6478905" cy="1047115"/>
+            <a:off x="6217920" y="16353360"/>
+            <a:ext cx="6379560" cy="815760"/>
           </a:xfrm>
           <a:prstGeom prst="rect">
             <a:avLst/>
@@ -3977,19 +3691,13 @@
           </a:ln>
         </p:spPr>
         <p:style>
-          <a:lnRef idx="0">
-            <a:srgbClr val="FFFFFF"/>
-          </a:lnRef>
-          <a:fillRef idx="0">
-            <a:srgbClr val="FFFFFF"/>
-          </a:fillRef>
-          <a:effectRef idx="0">
-            <a:srgbClr val="FFFFFF"/>
-          </a:effectRef>
+          <a:lnRef idx="0"/>
+          <a:fillRef idx="0"/>
+          <a:effectRef idx="0"/>
           <a:fontRef idx="minor"/>
         </p:style>
         <p:txBody>
-          <a:bodyPr lIns="90000" tIns="45000" rIns="90000" bIns="45000"/>
+          <a:bodyPr lIns="90000" rIns="90000" tIns="45000" bIns="45000"/>
           <a:p>
             <a:pPr>
               <a:lnSpc>
@@ -3997,17 +3705,17 @@
               </a:lnSpc>
             </a:pPr>
             <a:r>
-              <a:rPr lang="en-US" sz="1200" b="0" strike="noStrike" spc="-1">
-                <a:solidFill>
-                  <a:srgbClr val="000000"/>
-                </a:solidFill>
-                <a:latin typeface="Arial" charset="0"/>
+              <a:rPr b="0" lang="en-US" sz="1000" spc="-1" strike="noStrike">
+                <a:solidFill>
+                  <a:srgbClr val="000000"/>
+                </a:solidFill>
+                <a:latin typeface="Arial"/>
                 <a:ea typeface="DejaVu Sans"/>
               </a:rPr>
               <a:t>[1] M. Corradi, Performance of ATLAS RPC Level-1 muon trigger during the 2015 data taking, 6032 Journal of Instrumentation 11 (2016) C09003</a:t>
             </a:r>
-            <a:endParaRPr lang="en-US" sz="1200" b="0" strike="noStrike" spc="-1">
-              <a:latin typeface="Arial" charset="0"/>
+            <a:endParaRPr b="0" lang="en-US" sz="1000" spc="-1" strike="noStrike">
+              <a:latin typeface="Arial"/>
             </a:endParaRPr>
           </a:p>
           <a:p>
@@ -4017,37 +3725,75 @@
               </a:lnSpc>
             </a:pPr>
             <a:r>
-              <a:rPr lang="en-US" sz="1200" b="0" strike="noStrike" spc="-1">
-                <a:solidFill>
-                  <a:srgbClr val="000000"/>
-                </a:solidFill>
-                <a:latin typeface="Arial" charset="0"/>
-                <a:ea typeface="DejaVu Sans"/>
-              </a:rPr>
-              <a:t>[2] ATLAS Collaboration, ATL-COM-DAQ-2018-008</a:t>
-            </a:r>
-            <a:endParaRPr lang="en-US" sz="1200" b="0" strike="noStrike" spc="-1">
-              <a:latin typeface="Arial" charset="0"/>
+              <a:rPr b="0" lang="en-US" sz="1000" spc="-1" strike="noStrike">
+                <a:solidFill>
+                  <a:srgbClr val="000000"/>
+                </a:solidFill>
+                <a:latin typeface="Arial"/>
+                <a:ea typeface="DejaVu Sans"/>
+              </a:rPr>
+              <a:t>[2] ATLAS Collaboration, ATL-COM-MUON-2018-065 </a:t>
+            </a:r>
+            <a:endParaRPr b="0" lang="en-US" sz="1000" spc="-1" strike="noStrike">
+              <a:latin typeface="Arial"/>
+            </a:endParaRPr>
+          </a:p>
+          <a:p>
+            <a:pPr>
+              <a:lnSpc>
+                <a:spcPct val="100000"/>
+              </a:lnSpc>
+            </a:pPr>
+            <a:r>
+              <a:rPr b="0" lang="en-US" sz="1000" spc="-1" strike="noStrike">
+                <a:solidFill>
+                  <a:srgbClr val="000000"/>
+                </a:solidFill>
+                <a:latin typeface="Arial"/>
+                <a:ea typeface="DejaVu Sans"/>
+              </a:rPr>
+              <a:t>[3] C. Luci, The Level-1 Trigger Muon Barrel System of the ATLAS experiment at CERN, 2009 JINST 4 P04010</a:t>
+            </a:r>
+            <a:endParaRPr b="0" lang="en-US" sz="1000" spc="-1" strike="noStrike">
+              <a:latin typeface="Arial"/>
+            </a:endParaRPr>
+          </a:p>
+          <a:p>
+            <a:pPr>
+              <a:lnSpc>
+                <a:spcPct val="100000"/>
+              </a:lnSpc>
+            </a:pPr>
+            <a:r>
+              <a:rPr b="0" lang="en-US" sz="1000" spc="-1" strike="noStrike">
+                <a:solidFill>
+                  <a:srgbClr val="000000"/>
+                </a:solidFill>
+                <a:latin typeface="Arial"/>
+                <a:ea typeface="DejaVu Sans"/>
+              </a:rPr>
+              <a:t>[4] ATLAS Collaboration, ATL-COM-DAQ-2018-181</a:t>
+            </a:r>
+            <a:endParaRPr b="0" lang="en-US" sz="1000" spc="-1" strike="noStrike">
+              <a:latin typeface="Arial"/>
             </a:endParaRPr>
           </a:p>
         </p:txBody>
       </p:sp>
       <p:pic>
         <p:nvPicPr>
-          <p:cNvPr id="76" name="Picture 75"/>
+          <p:cNvPr id="75" name="Picture 75" descr=""/>
           <p:cNvPicPr/>
           <p:nvPr/>
         </p:nvPicPr>
         <p:blipFill>
-          <a:blip r:embed="rId10"/>
-          <a:stretch>
-            <a:fillRect/>
-          </a:stretch>
+          <a:blip r:embed="rId26"/>
+          <a:stretch/>
         </p:blipFill>
         <p:spPr>
           <a:xfrm>
-            <a:off x="6059520" y="11916000"/>
-            <a:ext cx="3240000" cy="2376000"/>
+            <a:off x="6198120" y="9073800"/>
+            <a:ext cx="3237480" cy="2373480"/>
           </a:xfrm>
           <a:prstGeom prst="rect">
             <a:avLst/>
@@ -4059,20 +3805,19 @@
       </p:pic>
       <p:pic>
         <p:nvPicPr>
-          <p:cNvPr id="77" name="Picture 76"/>
+          <p:cNvPr id="76" name="Picture 76" descr=""/>
           <p:cNvPicPr/>
           <p:nvPr/>
         </p:nvPicPr>
         <p:blipFill>
-          <a:blip r:embed="rId11"/>
-          <a:stretch>
-            <a:fillRect/>
-          </a:stretch>
+          <a:blip r:embed="rId27"/>
+          <a:srcRect l="0" t="0" r="1715" b="0"/>
+          <a:stretch/>
         </p:blipFill>
         <p:spPr>
           <a:xfrm>
-            <a:off x="9216000" y="11916000"/>
-            <a:ext cx="3312414" cy="2426398"/>
+            <a:off x="9346320" y="9055440"/>
+            <a:ext cx="3252960" cy="2427840"/>
           </a:xfrm>
           <a:prstGeom prst="rect">
             <a:avLst/>
@@ -4082,22 +3827,496 @@
           </a:ln>
         </p:spPr>
       </p:pic>
+      <p:sp>
+        <p:nvSpPr>
+          <p:cNvPr id="77" name="CustomShape 20"/>
+          <p:cNvSpPr/>
+          <p:nvPr/>
+        </p:nvSpPr>
+        <p:spPr>
+          <a:xfrm rot="4740000">
+            <a:off x="10680120" y="5419440"/>
+            <a:ext cx="1293480" cy="361800"/>
+          </a:xfrm>
+          <a:prstGeom prst="rect">
+            <a:avLst/>
+          </a:prstGeom>
+          <a:noFill/>
+          <a:ln>
+            <a:noFill/>
+          </a:ln>
+        </p:spPr>
+        <p:style>
+          <a:lnRef idx="0"/>
+          <a:fillRef idx="0"/>
+          <a:effectRef idx="0"/>
+          <a:fontRef idx="minor"/>
+        </p:style>
+        <p:txBody>
+          <a:bodyPr lIns="90000" rIns="90000" tIns="45000" bIns="45000"/>
+          <a:p>
+            <a:pPr>
+              <a:lnSpc>
+                <a:spcPct val="100000"/>
+              </a:lnSpc>
+            </a:pPr>
+            <a:r>
+              <a:rPr b="0" lang="en-US" sz="1800" spc="-1" strike="noStrike">
+                <a:solidFill>
+                  <a:srgbClr val="17375e"/>
+                </a:solidFill>
+                <a:latin typeface="Arial"/>
+                <a:ea typeface="DejaVu Sans"/>
+              </a:rPr>
+              <a:t>Fit per run</a:t>
+            </a:r>
+            <a:endParaRPr b="0" lang="en-US" sz="1800" spc="-1" strike="noStrike">
+              <a:latin typeface="Arial"/>
+            </a:endParaRPr>
+          </a:p>
+        </p:txBody>
+      </p:sp>
+      <p:sp>
+        <p:nvSpPr>
+          <p:cNvPr id="78" name="CustomShape 21"/>
+          <p:cNvSpPr/>
+          <p:nvPr/>
+        </p:nvSpPr>
+        <p:spPr>
+          <a:xfrm>
+            <a:off x="-36000" y="15802560"/>
+            <a:ext cx="3565800" cy="770760"/>
+          </a:xfrm>
+          <a:prstGeom prst="rect">
+            <a:avLst/>
+          </a:prstGeom>
+          <a:noFill/>
+          <a:ln>
+            <a:noFill/>
+          </a:ln>
+        </p:spPr>
+        <p:style>
+          <a:lnRef idx="0"/>
+          <a:fillRef idx="0"/>
+          <a:effectRef idx="0"/>
+          <a:fontRef idx="minor"/>
+        </p:style>
+        <p:txBody>
+          <a:bodyPr lIns="90000" rIns="90000" tIns="45000" bIns="45000"/>
+          <a:p>
+            <a:pPr>
+              <a:lnSpc>
+                <a:spcPct val="100000"/>
+              </a:lnSpc>
+            </a:pPr>
+            <a:r>
+              <a:rPr b="1" lang="en-US" sz="1200" spc="-1" strike="noStrike">
+                <a:solidFill>
+                  <a:srgbClr val="000000"/>
+                </a:solidFill>
+                <a:latin typeface="Arial"/>
+                <a:ea typeface="Noto Sans CJK SC Regular"/>
+              </a:rPr>
+              <a:t>Distribution of the RPC "gap efficiency" of each gas volume and the "detector efficiency" for each strip panel in η and φ view.</a:t>
+            </a:r>
+            <a:endParaRPr b="0" lang="en-US" sz="1200" spc="-1" strike="noStrike">
+              <a:latin typeface="Arial"/>
+            </a:endParaRPr>
+          </a:p>
+        </p:txBody>
+      </p:sp>
+      <p:sp>
+        <p:nvSpPr>
+          <p:cNvPr id="79" name="CustomShape 22"/>
+          <p:cNvSpPr/>
+          <p:nvPr/>
+        </p:nvSpPr>
+        <p:spPr>
+          <a:xfrm>
+            <a:off x="0" y="16386120"/>
+            <a:ext cx="3200040" cy="770760"/>
+          </a:xfrm>
+          <a:prstGeom prst="rect">
+            <a:avLst/>
+          </a:prstGeom>
+          <a:noFill/>
+          <a:ln>
+            <a:noFill/>
+          </a:ln>
+        </p:spPr>
+        <p:style>
+          <a:lnRef idx="0"/>
+          <a:fillRef idx="0"/>
+          <a:effectRef idx="0"/>
+          <a:fontRef idx="minor"/>
+        </p:style>
+        <p:txBody>
+          <a:bodyPr lIns="90000" rIns="90000" tIns="45000" bIns="45000"/>
+          <a:p>
+            <a:pPr marL="164520" indent="-164520">
+              <a:lnSpc>
+                <a:spcPct val="100000"/>
+              </a:lnSpc>
+              <a:buBlip>
+                <a:blip r:embed="rId28"/>
+              </a:buBlip>
+            </a:pPr>
+            <a:r>
+              <a:rPr b="0" lang="en-US" sz="1200" spc="-1" strike="noStrike">
+                <a:solidFill>
+                  <a:srgbClr val="000000"/>
+                </a:solidFill>
+                <a:latin typeface="Arial"/>
+                <a:ea typeface="Noto Sans CJK SC Regular"/>
+              </a:rPr>
+              <a:t>"gap efficiency": the presence of hits on at least one of the two strip panels</a:t>
+            </a:r>
+            <a:endParaRPr b="0" lang="en-US" sz="1200" spc="-1" strike="noStrike">
+              <a:latin typeface="Arial"/>
+            </a:endParaRPr>
+          </a:p>
+          <a:p>
+            <a:pPr marL="164520" indent="-164520">
+              <a:lnSpc>
+                <a:spcPct val="100000"/>
+              </a:lnSpc>
+              <a:buBlip>
+                <a:blip r:embed="rId29"/>
+              </a:buBlip>
+            </a:pPr>
+            <a:r>
+              <a:rPr b="0" lang="en-US" sz="1200" spc="-1" strike="noStrike">
+                <a:solidFill>
+                  <a:srgbClr val="000000"/>
+                </a:solidFill>
+                <a:latin typeface="Arial"/>
+                <a:ea typeface="Noto Sans CJK SC Regular"/>
+              </a:rPr>
+              <a:t>"detector efficiency": the presence of hits in the related strip panel</a:t>
+            </a:r>
+            <a:endParaRPr b="0" lang="en-US" sz="1200" spc="-1" strike="noStrike">
+              <a:latin typeface="Arial"/>
+            </a:endParaRPr>
+          </a:p>
+        </p:txBody>
+      </p:sp>
+      <p:sp>
+        <p:nvSpPr>
+          <p:cNvPr id="80" name="CustomShape 23"/>
+          <p:cNvSpPr/>
+          <p:nvPr/>
+        </p:nvSpPr>
+        <p:spPr>
+          <a:xfrm>
+            <a:off x="1280160" y="16147440"/>
+            <a:ext cx="178560" cy="344160"/>
+          </a:xfrm>
+          <a:prstGeom prst="rect">
+            <a:avLst/>
+          </a:prstGeom>
+          <a:noFill/>
+          <a:ln>
+            <a:noFill/>
+          </a:ln>
+        </p:spPr>
+        <p:style>
+          <a:lnRef idx="0"/>
+          <a:fillRef idx="0"/>
+          <a:effectRef idx="0"/>
+          <a:fontRef idx="minor"/>
+        </p:style>
+      </p:sp>
+      <p:sp>
+        <p:nvSpPr>
+          <p:cNvPr id="81" name="CustomShape 24"/>
+          <p:cNvSpPr/>
+          <p:nvPr/>
+        </p:nvSpPr>
+        <p:spPr>
+          <a:xfrm flipH="1" flipV="1" rot="4621200">
+            <a:off x="2814480" y="13945320"/>
+            <a:ext cx="455040" cy="2092680"/>
+          </a:xfrm>
+          <a:prstGeom prst="curvedRightArrow">
+            <a:avLst>
+              <a:gd name="adj1" fmla="val 38536"/>
+              <a:gd name="adj2" fmla="val 71748"/>
+              <a:gd name="adj3" fmla="val 33302"/>
+            </a:avLst>
+          </a:prstGeom>
+          <a:solidFill>
+            <a:schemeClr val="tx2">
+              <a:lumMod val="60000"/>
+              <a:lumOff val="40000"/>
+              <a:alpha val="37000"/>
+            </a:schemeClr>
+          </a:solidFill>
+          <a:ln w="6480">
+            <a:solidFill>
+              <a:schemeClr val="accent1">
+                <a:alpha val="23000"/>
+              </a:schemeClr>
+            </a:solidFill>
+            <a:round/>
+          </a:ln>
+          <a:effectLst>
+            <a:outerShdw blurRad="40000" dir="5400000" dist="23000" rotWithShape="0">
+              <a:srgbClr val="000000">
+                <a:alpha val="35000"/>
+              </a:srgbClr>
+            </a:outerShdw>
+          </a:effectLst>
+        </p:spPr>
+        <p:style>
+          <a:lnRef idx="1">
+            <a:schemeClr val="accent1"/>
+          </a:lnRef>
+          <a:fillRef idx="3">
+            <a:schemeClr val="accent1"/>
+          </a:fillRef>
+          <a:effectRef idx="2">
+            <a:schemeClr val="accent1"/>
+          </a:effectRef>
+          <a:fontRef idx="minor"/>
+        </p:style>
+      </p:sp>
+      <p:sp>
+        <p:nvSpPr>
+          <p:cNvPr id="82" name="CustomShape 25"/>
+          <p:cNvSpPr/>
+          <p:nvPr/>
+        </p:nvSpPr>
+        <p:spPr>
+          <a:xfrm>
+            <a:off x="3452400" y="15809760"/>
+            <a:ext cx="2834280" cy="600120"/>
+          </a:xfrm>
+          <a:prstGeom prst="rect">
+            <a:avLst/>
+          </a:prstGeom>
+          <a:noFill/>
+          <a:ln>
+            <a:noFill/>
+          </a:ln>
+        </p:spPr>
+        <p:style>
+          <a:lnRef idx="0"/>
+          <a:fillRef idx="0"/>
+          <a:effectRef idx="0"/>
+          <a:fontRef idx="minor"/>
+        </p:style>
+        <p:txBody>
+          <a:bodyPr lIns="90000" rIns="90000" tIns="45000" bIns="45000"/>
+          <a:p>
+            <a:pPr>
+              <a:lnSpc>
+                <a:spcPct val="100000"/>
+              </a:lnSpc>
+            </a:pPr>
+            <a:r>
+              <a:rPr b="1" lang="en-US" sz="1200" spc="-1" strike="noStrike">
+                <a:solidFill>
+                  <a:srgbClr val="000000"/>
+                </a:solidFill>
+                <a:latin typeface="Arial"/>
+                <a:ea typeface="DejaVu Sans"/>
+              </a:rPr>
+              <a:t>Mean detector efficiency as a function of time in η view and φ view of all live RPC panels.</a:t>
+            </a:r>
+            <a:endParaRPr b="0" lang="en-US" sz="1200" spc="-1" strike="noStrike">
+              <a:latin typeface="Arial"/>
+            </a:endParaRPr>
+          </a:p>
+        </p:txBody>
+      </p:sp>
+      <p:sp>
+        <p:nvSpPr>
+          <p:cNvPr id="83" name="CustomShape 26"/>
+          <p:cNvSpPr/>
+          <p:nvPr/>
+        </p:nvSpPr>
+        <p:spPr>
+          <a:xfrm>
+            <a:off x="3394440" y="16391880"/>
+            <a:ext cx="2946240" cy="770760"/>
+          </a:xfrm>
+          <a:prstGeom prst="rect">
+            <a:avLst/>
+          </a:prstGeom>
+          <a:noFill/>
+          <a:ln>
+            <a:noFill/>
+          </a:ln>
+        </p:spPr>
+        <p:style>
+          <a:lnRef idx="0"/>
+          <a:fillRef idx="0"/>
+          <a:effectRef idx="0"/>
+          <a:fontRef idx="minor"/>
+        </p:style>
+        <p:txBody>
+          <a:bodyPr lIns="90000" rIns="90000" tIns="45000" bIns="45000"/>
+          <a:p>
+            <a:pPr marL="137160" indent="-136800">
+              <a:lnSpc>
+                <a:spcPct val="100000"/>
+              </a:lnSpc>
+              <a:buBlip>
+                <a:blip r:embed="rId30"/>
+              </a:buBlip>
+            </a:pPr>
+            <a:r>
+              <a:rPr b="0" lang="en-US" sz="1200" spc="-1" strike="noStrike">
+                <a:solidFill>
+                  <a:srgbClr val="000000"/>
+                </a:solidFill>
+                <a:latin typeface="Arial"/>
+                <a:ea typeface="DejaVu Sans"/>
+              </a:rPr>
+              <a:t>each point corresponds to a different ATLAS run recorded in 2018</a:t>
+            </a:r>
+            <a:endParaRPr b="0" lang="en-US" sz="1200" spc="-1" strike="noStrike">
+              <a:latin typeface="Arial"/>
+            </a:endParaRPr>
+          </a:p>
+          <a:p>
+            <a:pPr marL="137160" indent="-136800">
+              <a:lnSpc>
+                <a:spcPct val="100000"/>
+              </a:lnSpc>
+              <a:buBlip>
+                <a:blip r:embed="rId31"/>
+              </a:buBlip>
+            </a:pPr>
+            <a:r>
+              <a:rPr b="0" lang="en-US" sz="1200" spc="-1" strike="noStrike">
+                <a:solidFill>
+                  <a:srgbClr val="000000"/>
+                </a:solidFill>
+                <a:latin typeface="Arial"/>
+                <a:ea typeface="Noto Sans CJK SC Regular"/>
+              </a:rPr>
+              <a:t>only runs with </a:t>
+            </a:r>
+            <a:r>
+              <a:rPr b="0" lang="en-US" sz="1200" spc="-1" strike="noStrike">
+                <a:solidFill>
+                  <a:srgbClr val="000000"/>
+                </a:solidFill>
+                <a:latin typeface="Arial"/>
+                <a:ea typeface="DejaVu Sans"/>
+              </a:rPr>
+              <a:t>integrated luminosity greater than</a:t>
+            </a:r>
+            <a:r>
+              <a:rPr b="0" lang="en-US" sz="1200" spc="-1" strike="noStrike">
+                <a:solidFill>
+                  <a:srgbClr val="000000"/>
+                </a:solidFill>
+                <a:latin typeface="Arial"/>
+                <a:ea typeface="Noto Sans CJK SC Regular"/>
+              </a:rPr>
+              <a:t> 50 </a:t>
+            </a:r>
+            <a:r>
+              <a:rPr b="0" lang="en-US" sz="1200" spc="-1" strike="noStrike">
+                <a:solidFill>
+                  <a:srgbClr val="000000"/>
+                </a:solidFill>
+                <a:latin typeface="Arial"/>
+                <a:ea typeface="DejaVu Sans"/>
+              </a:rPr>
+              <a:t>pb</a:t>
+            </a:r>
+            <a:r>
+              <a:rPr b="0" lang="en-US" sz="1200" spc="-1" strike="noStrike" baseline="30000">
+                <a:solidFill>
+                  <a:srgbClr val="000000"/>
+                </a:solidFill>
+                <a:latin typeface="Arial"/>
+                <a:ea typeface="DejaVu Sans"/>
+              </a:rPr>
+              <a:t>-1</a:t>
+            </a:r>
+            <a:r>
+              <a:rPr b="0" lang="en-US" sz="1200" spc="-1" strike="noStrike">
+                <a:solidFill>
+                  <a:srgbClr val="000000"/>
+                </a:solidFill>
+                <a:latin typeface="Arial"/>
+                <a:ea typeface="DejaVu Sans"/>
+              </a:rPr>
+              <a:t> are used </a:t>
+            </a:r>
+            <a:endParaRPr b="0" lang="en-US" sz="1200" spc="-1" strike="noStrike">
+              <a:latin typeface="Arial"/>
+            </a:endParaRPr>
+          </a:p>
+        </p:txBody>
+      </p:sp>
+      <p:sp>
+        <p:nvSpPr>
+          <p:cNvPr id="84" name="CustomShape 27"/>
+          <p:cNvSpPr/>
+          <p:nvPr/>
+        </p:nvSpPr>
+        <p:spPr>
+          <a:xfrm>
+            <a:off x="9491040" y="13900680"/>
+            <a:ext cx="3108960" cy="941400"/>
+          </a:xfrm>
+          <a:prstGeom prst="rect">
+            <a:avLst/>
+          </a:prstGeom>
+          <a:noFill/>
+          <a:ln>
+            <a:noFill/>
+          </a:ln>
+        </p:spPr>
+        <p:style>
+          <a:lnRef idx="0"/>
+          <a:fillRef idx="0"/>
+          <a:effectRef idx="0"/>
+          <a:fontRef idx="minor"/>
+        </p:style>
+        <p:txBody>
+          <a:bodyPr lIns="90000" rIns="90000" tIns="45000" bIns="45000"/>
+          <a:p>
+            <a:pPr>
+              <a:lnSpc>
+                <a:spcPct val="100000"/>
+              </a:lnSpc>
+            </a:pPr>
+            <a:r>
+              <a:rPr b="1" lang="en-US" sz="1200" spc="-1" strike="noStrike">
+                <a:solidFill>
+                  <a:srgbClr val="000000"/>
+                </a:solidFill>
+                <a:latin typeface="Arial"/>
+                <a:ea typeface="DejaVu Sans"/>
+              </a:rPr>
+              <a:t>Fraction of RPC high-pT trigger hits associated correctly to the collision Bunch Crossing(BC) for the whole RPC trigger system as a function of time [4].</a:t>
+            </a:r>
+            <a:endParaRPr b="0" lang="en-US" sz="1200" spc="-1" strike="noStrike">
+              <a:latin typeface="Arial"/>
+            </a:endParaRPr>
+          </a:p>
+        </p:txBody>
+      </p:sp>
       <p:pic>
         <p:nvPicPr>
-          <p:cNvPr id="78" name="Picture 77"/>
+          <p:cNvPr id="85" name="" descr=""/>
           <p:cNvPicPr/>
           <p:nvPr/>
         </p:nvPicPr>
         <p:blipFill>
-          <a:blip r:embed="rId12"/>
-          <a:stretch>
-            <a:fillRect/>
-          </a:stretch>
+          <a:blip r:embed="rId32"/>
+          <a:stretch/>
         </p:blipFill>
         <p:spPr>
           <a:xfrm>
-            <a:off x="6156000" y="3840480"/>
-            <a:ext cx="3456432" cy="2478024"/>
+            <a:off x="10503720" y="0"/>
+            <a:ext cx="2090160" cy="2090160"/>
           </a:xfrm>
           <a:prstGeom prst="rect">
             <a:avLst/>
@@ -4107,22 +4326,237 @@
           </a:ln>
         </p:spPr>
       </p:pic>
+      <p:sp>
+        <p:nvSpPr>
+          <p:cNvPr id="86" name="CustomShape 28"/>
+          <p:cNvSpPr/>
+          <p:nvPr/>
+        </p:nvSpPr>
+        <p:spPr>
+          <a:xfrm>
+            <a:off x="6381360" y="11443680"/>
+            <a:ext cx="5779800" cy="533160"/>
+          </a:xfrm>
+          <a:prstGeom prst="rect">
+            <a:avLst/>
+          </a:prstGeom>
+          <a:noFill/>
+          <a:ln>
+            <a:noFill/>
+          </a:ln>
+        </p:spPr>
+        <p:style>
+          <a:lnRef idx="0"/>
+          <a:fillRef idx="0"/>
+          <a:effectRef idx="0"/>
+          <a:fontRef idx="minor"/>
+        </p:style>
+        <p:txBody>
+          <a:bodyPr lIns="90000" rIns="90000" tIns="45000" bIns="45000"/>
+          <a:p>
+            <a:pPr>
+              <a:lnSpc>
+                <a:spcPct val="100000"/>
+              </a:lnSpc>
+            </a:pPr>
+            <a:r>
+              <a:rPr b="1" lang="en-US" sz="1200" spc="-1" strike="noStrike">
+                <a:solidFill>
+                  <a:srgbClr val="000000"/>
+                </a:solidFill>
+                <a:latin typeface="Arial"/>
+                <a:ea typeface="Noto Sans CJK SC Regular"/>
+              </a:rPr>
+              <a:t>Level 1 muon barrel trigger efficiency for offline muons with </a:t>
+            </a:r>
+            <a:r>
+              <a:rPr b="1" lang="en-US" sz="1200" spc="-1" strike="noStrike">
+                <a:solidFill>
+                  <a:srgbClr val="000000"/>
+                </a:solidFill>
+                <a:latin typeface="Arial"/>
+                <a:ea typeface="DejaVu Sans"/>
+              </a:rPr>
+              <a:t>p</a:t>
+            </a:r>
+            <a:r>
+              <a:rPr b="1" lang="en-US" sz="1200" spc="-1" strike="noStrike" baseline="-25000">
+                <a:solidFill>
+                  <a:srgbClr val="000000"/>
+                </a:solidFill>
+                <a:latin typeface="Arial"/>
+                <a:ea typeface="DejaVu Sans"/>
+              </a:rPr>
+              <a:t>T</a:t>
+            </a:r>
+            <a:r>
+              <a:rPr b="1" lang="en-US" sz="1200" spc="-1" strike="noStrike">
+                <a:solidFill>
+                  <a:srgbClr val="000000"/>
+                </a:solidFill>
+                <a:latin typeface="Arial"/>
+                <a:ea typeface="Noto Sans CJK SC Regular"/>
+              </a:rPr>
+              <a:t> &gt; 25 GeV as a function of  η (left) and φ (right) coordinates [4].</a:t>
+            </a:r>
+            <a:endParaRPr b="0" lang="en-US" sz="1200" spc="-1" strike="noStrike">
+              <a:latin typeface="Arial"/>
+            </a:endParaRPr>
+          </a:p>
+        </p:txBody>
+      </p:sp>
+      <p:sp>
+        <p:nvSpPr>
+          <p:cNvPr id="87" name="CustomShape 29"/>
+          <p:cNvSpPr/>
+          <p:nvPr/>
+        </p:nvSpPr>
+        <p:spPr>
+          <a:xfrm>
+            <a:off x="6270120" y="11978640"/>
+            <a:ext cx="6237360" cy="1136520"/>
+          </a:xfrm>
+          <a:prstGeom prst="rect">
+            <a:avLst/>
+          </a:prstGeom>
+          <a:noFill/>
+          <a:ln>
+            <a:noFill/>
+          </a:ln>
+        </p:spPr>
+        <p:style>
+          <a:lnRef idx="0"/>
+          <a:fillRef idx="0"/>
+          <a:effectRef idx="0"/>
+          <a:fontRef idx="minor"/>
+        </p:style>
+        <p:txBody>
+          <a:bodyPr lIns="90000" rIns="90000" tIns="45000" bIns="45000"/>
+          <a:p>
+            <a:pPr marL="216000" indent="-214200">
+              <a:lnSpc>
+                <a:spcPct val="100000"/>
+              </a:lnSpc>
+              <a:buBlip>
+                <a:blip r:embed="rId33"/>
+              </a:buBlip>
+            </a:pPr>
+            <a:r>
+              <a:rPr b="0" lang="en-US" sz="1200" spc="-1" strike="noStrike">
+                <a:solidFill>
+                  <a:srgbClr val="000000"/>
+                </a:solidFill>
+                <a:latin typeface="Arial"/>
+                <a:ea typeface="DejaVu Sans"/>
+              </a:rPr>
+              <a:t>efficiencies for trigger threshold MU10 (low p</a:t>
+            </a:r>
+            <a:r>
+              <a:rPr b="0" lang="en-US" sz="1200" spc="-1" strike="noStrike" baseline="-25000">
+                <a:solidFill>
+                  <a:srgbClr val="000000"/>
+                </a:solidFill>
+                <a:latin typeface="Arial"/>
+                <a:ea typeface="DejaVu Sans"/>
+              </a:rPr>
+              <a:t>T</a:t>
+            </a:r>
+            <a:r>
+              <a:rPr b="0" lang="en-US" sz="1200" spc="-1" strike="noStrike">
+                <a:solidFill>
+                  <a:srgbClr val="000000"/>
+                </a:solidFill>
+                <a:latin typeface="Arial"/>
+                <a:ea typeface="DejaVu Sans"/>
+              </a:rPr>
+              <a:t>) and trigger threshold MU20 (high p</a:t>
+            </a:r>
+            <a:r>
+              <a:rPr b="0" lang="en-US" sz="1200" spc="-1" strike="noStrike" baseline="-25000">
+                <a:solidFill>
+                  <a:srgbClr val="000000"/>
+                </a:solidFill>
+                <a:latin typeface="Arial"/>
+                <a:ea typeface="DejaVu Sans"/>
+              </a:rPr>
+              <a:t>T</a:t>
+            </a:r>
+            <a:r>
+              <a:rPr b="0" lang="en-US" sz="1200" spc="-1" strike="noStrike">
+                <a:solidFill>
+                  <a:srgbClr val="000000"/>
+                </a:solidFill>
+                <a:latin typeface="Arial"/>
+                <a:ea typeface="DejaVu Sans"/>
+              </a:rPr>
+              <a:t>)</a:t>
+            </a:r>
+            <a:endParaRPr b="0" lang="en-US" sz="1200" spc="-1" strike="noStrike">
+              <a:latin typeface="Arial"/>
+            </a:endParaRPr>
+          </a:p>
+          <a:p>
+            <a:pPr marL="216000" indent="-214200">
+              <a:lnSpc>
+                <a:spcPct val="100000"/>
+              </a:lnSpc>
+              <a:buBlip>
+                <a:blip r:embed="rId34"/>
+              </a:buBlip>
+            </a:pPr>
+            <a:r>
+              <a:rPr b="0" lang="en-US" sz="1200" spc="-1" strike="noStrike">
+                <a:solidFill>
+                  <a:srgbClr val="000000"/>
+                </a:solidFill>
+                <a:latin typeface="Arial"/>
+                <a:ea typeface="DejaVu Sans"/>
+              </a:rPr>
+              <a:t>the left plot shows a lower trigger efficiency in regions where the detector coverage is lower due to the barrel toroid mechanical structures</a:t>
+            </a:r>
+            <a:endParaRPr b="0" lang="en-US" sz="1200" spc="-1" strike="noStrike">
+              <a:latin typeface="Arial"/>
+            </a:endParaRPr>
+          </a:p>
+          <a:p>
+            <a:pPr marL="216000" indent="-214200">
+              <a:lnSpc>
+                <a:spcPct val="100000"/>
+              </a:lnSpc>
+              <a:buBlip>
+                <a:blip r:embed="rId35"/>
+              </a:buBlip>
+            </a:pPr>
+            <a:r>
+              <a:rPr b="0" lang="en-US" sz="1200" spc="-1" strike="noStrike">
+                <a:solidFill>
+                  <a:srgbClr val="000000"/>
+                </a:solidFill>
+                <a:latin typeface="Arial"/>
+                <a:ea typeface="DejaVu Sans"/>
+              </a:rPr>
+              <a:t>the regions with lower efficiency around ϕ = -2 and ϕ = -1 in right plot correspond to the ”feet” structures that support the ATLAS calorimeters, in which the muon chamber coverage is reduced</a:t>
+            </a:r>
+            <a:endParaRPr b="0" lang="en-US" sz="1200" spc="-1" strike="noStrike">
+              <a:latin typeface="Arial"/>
+            </a:endParaRPr>
+          </a:p>
+        </p:txBody>
+      </p:sp>
       <p:pic>
         <p:nvPicPr>
-          <p:cNvPr id="83" name="Picture 82"/>
+          <p:cNvPr id="88" name="" descr=""/>
           <p:cNvPicPr/>
           <p:nvPr/>
         </p:nvPicPr>
         <p:blipFill>
-          <a:blip r:embed="rId13"/>
-          <a:stretch>
-            <a:fillRect/>
-          </a:stretch>
+          <a:blip r:embed="rId36"/>
+          <a:stretch/>
         </p:blipFill>
         <p:spPr>
           <a:xfrm>
-            <a:off x="3168000" y="10191080"/>
-            <a:ext cx="3024378" cy="2037017"/>
+            <a:off x="16560" y="8116920"/>
+            <a:ext cx="3090600" cy="1684800"/>
           </a:xfrm>
           <a:prstGeom prst="rect">
             <a:avLst/>
@@ -4134,14 +4568,14 @@
       </p:pic>
       <p:sp>
         <p:nvSpPr>
-          <p:cNvPr id="72" name="CustomShape 24"/>
+          <p:cNvPr id="89" name="CustomShape 30"/>
           <p:cNvSpPr/>
           <p:nvPr/>
         </p:nvSpPr>
         <p:spPr>
-          <a:xfrm rot="18540000">
-            <a:off x="8244000" y="8783999"/>
-            <a:ext cx="1296000" cy="364320"/>
+          <a:xfrm>
+            <a:off x="2945520" y="8102160"/>
+            <a:ext cx="3272040" cy="941760"/>
           </a:xfrm>
           <a:prstGeom prst="rect">
             <a:avLst/>
@@ -4152,19 +4586,90 @@
           </a:ln>
         </p:spPr>
         <p:style>
-          <a:lnRef idx="0">
-            <a:srgbClr val="FFFFFF"/>
-          </a:lnRef>
-          <a:fillRef idx="0">
-            <a:srgbClr val="FFFFFF"/>
-          </a:fillRef>
-          <a:effectRef idx="0">
-            <a:srgbClr val="FFFFFF"/>
-          </a:effectRef>
+          <a:lnRef idx="0"/>
+          <a:fillRef idx="0"/>
+          <a:effectRef idx="0"/>
           <a:fontRef idx="minor"/>
         </p:style>
         <p:txBody>
-          <a:bodyPr lIns="90000" tIns="45000" rIns="90000" bIns="45000"/>
+          <a:bodyPr lIns="90000" rIns="90000" tIns="45000" bIns="45000"/>
+          <a:p>
+            <a:pPr marL="210240" indent="-209880">
+              <a:lnSpc>
+                <a:spcPct val="100000"/>
+              </a:lnSpc>
+              <a:buBlip>
+                <a:blip r:embed="rId37"/>
+              </a:buBlip>
+            </a:pPr>
+            <a:r>
+              <a:rPr b="0" i="1" lang="en-US" sz="1200" spc="-1" strike="noStrike">
+                <a:solidFill>
+                  <a:srgbClr val="0066b3"/>
+                </a:solidFill>
+                <a:latin typeface="Arial"/>
+                <a:ea typeface="DejaVu Sans"/>
+              </a:rPr>
+              <a:t>all muon tracks are extrapolated to the RPC surface from MDT detector </a:t>
+            </a:r>
+            <a:endParaRPr b="0" lang="en-US" sz="1200" spc="-1" strike="noStrike">
+              <a:latin typeface="Arial"/>
+            </a:endParaRPr>
+          </a:p>
+          <a:p>
+            <a:pPr marL="210240" indent="-209880">
+              <a:lnSpc>
+                <a:spcPct val="100000"/>
+              </a:lnSpc>
+              <a:buBlip>
+                <a:blip r:embed="rId38"/>
+              </a:buBlip>
+            </a:pPr>
+            <a:r>
+              <a:rPr b="0" i="1" lang="en-US" sz="1200" spc="-1" strike="noStrike">
+                <a:solidFill>
+                  <a:srgbClr val="0066b3"/>
+                </a:solidFill>
+                <a:latin typeface="Arial"/>
+                <a:ea typeface="DejaVu Sans"/>
+              </a:rPr>
+              <a:t>only muons with tracks extrapolated inside the boundary are used for the study of this gas gap</a:t>
+            </a:r>
+            <a:endParaRPr b="0" lang="en-US" sz="1200" spc="-1" strike="noStrike">
+              <a:latin typeface="Arial"/>
+            </a:endParaRPr>
+          </a:p>
+        </p:txBody>
+      </p:sp>
+      <p:sp>
+        <p:nvSpPr>
+          <p:cNvPr id="90" name="CustomShape 31"/>
+          <p:cNvSpPr/>
+          <p:nvPr/>
+        </p:nvSpPr>
+        <p:spPr>
+          <a:xfrm>
+            <a:off x="0" y="7740000"/>
+            <a:ext cx="6088320" cy="361800"/>
+          </a:xfrm>
+          <a:prstGeom prst="rect">
+            <a:avLst/>
+          </a:prstGeom>
+          <a:solidFill>
+            <a:srgbClr val="2462a1"/>
+          </a:solidFill>
+          <a:ln>
+            <a:noFill/>
+          </a:ln>
+        </p:spPr>
+        <p:style>
+          <a:lnRef idx="0"/>
+          <a:fillRef idx="0"/>
+          <a:effectRef idx="0"/>
+          <a:fontRef idx="minor"/>
+        </p:style>
+        <p:txBody>
+          <a:bodyPr lIns="90000" rIns="90000" tIns="45000" bIns="45000"/>
           <a:p>
             <a:pPr>
               <a:lnSpc>
@@ -4172,30 +4677,554 @@
               </a:lnSpc>
             </a:pPr>
             <a:r>
-              <a:rPr lang="en-US" sz="1800" b="0" strike="noStrike" spc="-1">
-                <a:solidFill>
-                  <a:srgbClr val="17375E"/>
-                </a:solidFill>
-                <a:latin typeface="Arial" charset="0"/>
-                <a:ea typeface="DejaVu Sans"/>
-              </a:rPr>
-              <a:t>Fit per run</a:t>
-            </a:r>
-            <a:endParaRPr lang="en-US" sz="1800" b="0" strike="noStrike" spc="-1">
-              <a:latin typeface="Arial" charset="0"/>
+              <a:rPr b="1" lang="en-US" sz="1800" spc="-1" strike="noStrike">
+                <a:solidFill>
+                  <a:srgbClr val="ffffff"/>
+                </a:solidFill>
+                <a:latin typeface="Arial"/>
+                <a:ea typeface="DejaVu Sans"/>
+              </a:rPr>
+              <a:t>Performance in one detector gas gap</a:t>
+            </a:r>
+            <a:endParaRPr b="0" lang="en-US" sz="1800" spc="-1" strike="noStrike">
+              <a:latin typeface="Arial"/>
+            </a:endParaRPr>
+          </a:p>
+        </p:txBody>
+      </p:sp>
+      <p:sp>
+        <p:nvSpPr>
+          <p:cNvPr id="91" name="CustomShape 32"/>
+          <p:cNvSpPr/>
+          <p:nvPr/>
+        </p:nvSpPr>
+        <p:spPr>
+          <a:xfrm>
+            <a:off x="2887200" y="11119680"/>
+            <a:ext cx="3513240" cy="401400"/>
+          </a:xfrm>
+          <a:prstGeom prst="rect">
+            <a:avLst/>
+          </a:prstGeom>
+          <a:noFill/>
+          <a:ln>
+            <a:noFill/>
+          </a:ln>
+        </p:spPr>
+        <p:style>
+          <a:lnRef idx="0"/>
+          <a:fillRef idx="0"/>
+          <a:effectRef idx="0"/>
+          <a:fontRef idx="minor"/>
+        </p:style>
+        <p:txBody>
+          <a:bodyPr lIns="90000" rIns="90000" tIns="45000" bIns="45000"/>
+          <a:p>
+            <a:pPr marL="137160" indent="-136800">
+              <a:lnSpc>
+                <a:spcPct val="100000"/>
+              </a:lnSpc>
+              <a:buBlip>
+                <a:blip r:embed="rId39"/>
+              </a:buBlip>
+            </a:pPr>
+            <a:r>
+              <a:rPr b="0" i="1" lang="en-US" sz="1200" spc="-1" strike="noStrike">
+                <a:solidFill>
+                  <a:srgbClr val="000000"/>
+                </a:solidFill>
+                <a:latin typeface="Arial"/>
+                <a:ea typeface="Noto Sans CJK SC Regular"/>
+              </a:rPr>
+              <a:t>the closest distance between the extrapolated muon track position and hits (d) from η strips</a:t>
+            </a:r>
+            <a:endParaRPr b="0" lang="en-US" sz="1200" spc="-1" strike="noStrike">
+              <a:latin typeface="Arial"/>
+            </a:endParaRPr>
+          </a:p>
+        </p:txBody>
+      </p:sp>
+      <p:sp>
+        <p:nvSpPr>
+          <p:cNvPr id="92" name="Line 33"/>
+          <p:cNvSpPr/>
+          <p:nvPr/>
+        </p:nvSpPr>
+        <p:spPr>
+          <a:xfrm flipV="1">
+            <a:off x="3383280" y="10260720"/>
+            <a:ext cx="584640" cy="893880"/>
+          </a:xfrm>
+          <a:prstGeom prst="line">
+            <a:avLst/>
+          </a:prstGeom>
+          <a:ln>
+            <a:solidFill>
+              <a:srgbClr val="3465a4"/>
+            </a:solidFill>
+            <a:headEnd len="med" type="oval" w="med"/>
+            <a:tailEnd len="med" type="triangle" w="med"/>
+          </a:ln>
+        </p:spPr>
+        <p:style>
+          <a:lnRef idx="0"/>
+          <a:fillRef idx="0"/>
+          <a:effectRef idx="0"/>
+          <a:fontRef idx="minor"/>
+        </p:style>
+      </p:sp>
+      <p:sp>
+        <p:nvSpPr>
+          <p:cNvPr id="93" name="Line 34"/>
+          <p:cNvSpPr/>
+          <p:nvPr/>
+        </p:nvSpPr>
+        <p:spPr>
+          <a:xfrm flipH="1" flipV="1">
+            <a:off x="1737360" y="10972800"/>
+            <a:ext cx="1463040" cy="1005840"/>
+          </a:xfrm>
+          <a:prstGeom prst="line">
+            <a:avLst/>
+          </a:prstGeom>
+          <a:ln>
+            <a:solidFill>
+              <a:srgbClr val="3465a4"/>
+            </a:solidFill>
+            <a:headEnd len="med" type="oval" w="med"/>
+            <a:tailEnd len="med" type="triangle" w="med"/>
+          </a:ln>
+        </p:spPr>
+        <p:style>
+          <a:lnRef idx="0"/>
+          <a:fillRef idx="0"/>
+          <a:effectRef idx="0"/>
+          <a:fontRef idx="minor"/>
+        </p:style>
+      </p:sp>
+      <p:sp>
+        <p:nvSpPr>
+          <p:cNvPr id="94" name="Line 35"/>
+          <p:cNvSpPr/>
+          <p:nvPr/>
+        </p:nvSpPr>
+        <p:spPr>
+          <a:xfrm flipH="1">
+            <a:off x="1280160" y="12918600"/>
+            <a:ext cx="1811160" cy="193320"/>
+          </a:xfrm>
+          <a:prstGeom prst="line">
+            <a:avLst/>
+          </a:prstGeom>
+          <a:ln>
+            <a:solidFill>
+              <a:srgbClr val="3465a4"/>
+            </a:solidFill>
+            <a:headEnd len="med" type="oval" w="med"/>
+            <a:tailEnd len="med" type="triangle" w="med"/>
+          </a:ln>
+        </p:spPr>
+        <p:style>
+          <a:lnRef idx="0"/>
+          <a:fillRef idx="0"/>
+          <a:effectRef idx="0"/>
+          <a:fontRef idx="minor"/>
+        </p:style>
+      </p:sp>
+      <mc:AlternateContent>
+        <mc:Choice xmlns:a14="http://schemas.microsoft.com/office/drawing/2010/main" Requires="a14">
+          <p:sp>
+            <p:nvSpPr>
+              <p:cNvPr id="95" name="Formula 36"/>
+              <p:cNvSpPr txBox="1"/>
+              <p:nvPr/>
+            </p:nvSpPr>
+            <p:spPr>
+              <a:xfrm>
+                <a:off x="8321040" y="4901760"/>
+                <a:ext cx="488880" cy="167400"/>
+              </a:xfrm>
+              <a:prstGeom prst="rect">
+                <a:avLst/>
+              </a:prstGeom>
+            </p:spPr>
+            <p:txBody>
+              <a:bodyPr/>
+              <a:p>
+                <a14:m>
+                  <m:oMath xmlns:m="http://schemas.openxmlformats.org/officeDocument/2006/math">
+                    <m:r>
+                      <m:t xml:space="preserve">Z</m:t>
+                    </m:r>
+                    <m:r>
+                      <m:t xml:space="preserve">→</m:t>
+                    </m:r>
+                    <m:r>
+                      <m:t xml:space="preserve">µµ</m:t>
+                    </m:r>
+                  </m:oMath>
+                </a14:m>
+              </a:p>
+            </p:txBody>
+          </p:sp>
+        </mc:Choice>
+        <mc:Fallback/>
+      </mc:AlternateContent>
+      <p:sp>
+        <p:nvSpPr>
+          <p:cNvPr id="96" name="CustomShape 37"/>
+          <p:cNvSpPr/>
+          <p:nvPr/>
+        </p:nvSpPr>
+        <p:spPr>
+          <a:xfrm>
+            <a:off x="3020400" y="11485440"/>
+            <a:ext cx="3233160" cy="431280"/>
+          </a:xfrm>
+          <a:prstGeom prst="rect">
+            <a:avLst/>
+          </a:prstGeom>
+          <a:noFill/>
+          <a:ln>
+            <a:noFill/>
+          </a:ln>
+        </p:spPr>
+        <p:style>
+          <a:lnRef idx="0"/>
+          <a:fillRef idx="0"/>
+          <a:effectRef idx="0"/>
+          <a:fontRef idx="minor"/>
+        </p:style>
+        <p:txBody>
+          <a:bodyPr lIns="90000" rIns="90000" tIns="45000" bIns="45000"/>
+          <a:p>
+            <a:pPr marL="137160" indent="-137160">
+              <a:lnSpc>
+                <a:spcPct val="100000"/>
+              </a:lnSpc>
+              <a:buBlip>
+                <a:blip r:embed="rId40"/>
+              </a:buBlip>
+            </a:pPr>
+            <a:r>
+              <a:rPr b="0" lang="en-US" sz="1200" spc="-1" strike="noStrike">
+                <a:solidFill>
+                  <a:srgbClr val="000000"/>
+                </a:solidFill>
+                <a:latin typeface="Arial"/>
+                <a:ea typeface="Noto Sans CJK SC Regular"/>
+              </a:rPr>
+              <a:t>the width of the distribution corresponds to the width of one RPC readout strip</a:t>
+            </a:r>
+            <a:endParaRPr b="0" lang="en-US" sz="1200" spc="-1" strike="noStrike">
+              <a:latin typeface="Arial"/>
+            </a:endParaRPr>
+          </a:p>
+        </p:txBody>
+      </p:sp>
+      <p:sp>
+        <p:nvSpPr>
+          <p:cNvPr id="97" name="CustomShape 38"/>
+          <p:cNvSpPr/>
+          <p:nvPr/>
+        </p:nvSpPr>
+        <p:spPr>
+          <a:xfrm>
+            <a:off x="2870640" y="11917080"/>
+            <a:ext cx="3418920" cy="299520"/>
+          </a:xfrm>
+          <a:prstGeom prst="rect">
+            <a:avLst/>
+          </a:prstGeom>
+          <a:noFill/>
+          <a:ln>
+            <a:noFill/>
+          </a:ln>
+        </p:spPr>
+        <p:style>
+          <a:lnRef idx="0"/>
+          <a:fillRef idx="0"/>
+          <a:effectRef idx="0"/>
+          <a:fontRef idx="minor"/>
+        </p:style>
+        <p:txBody>
+          <a:bodyPr lIns="90000" rIns="90000" tIns="45000" bIns="45000"/>
+          <a:p>
+            <a:pPr marL="137160" indent="-136800">
+              <a:lnSpc>
+                <a:spcPct val="100000"/>
+              </a:lnSpc>
+              <a:buBlip>
+                <a:blip r:embed="rId41"/>
+              </a:buBlip>
+            </a:pPr>
+            <a:r>
+              <a:rPr b="0" i="1" lang="en-US" sz="1200" spc="-1" strike="noStrike">
+                <a:solidFill>
+                  <a:srgbClr val="000000"/>
+                </a:solidFill>
+                <a:latin typeface="Arial"/>
+                <a:ea typeface="Noto Sans CJK SC Regular"/>
+              </a:rPr>
+              <a:t>reconstructed readout hit time (T) for η strips</a:t>
+            </a:r>
+            <a:endParaRPr b="0" lang="en-US" sz="1200" spc="-1" strike="noStrike">
+              <a:latin typeface="Arial"/>
+            </a:endParaRPr>
+          </a:p>
+        </p:txBody>
+      </p:sp>
+      <p:sp>
+        <p:nvSpPr>
+          <p:cNvPr id="98" name="CustomShape 39"/>
+          <p:cNvSpPr/>
+          <p:nvPr/>
+        </p:nvSpPr>
+        <p:spPr>
+          <a:xfrm>
+            <a:off x="3017520" y="12078720"/>
+            <a:ext cx="3291480" cy="614520"/>
+          </a:xfrm>
+          <a:prstGeom prst="rect">
+            <a:avLst/>
+          </a:prstGeom>
+          <a:noFill/>
+          <a:ln>
+            <a:noFill/>
+          </a:ln>
+        </p:spPr>
+        <p:style>
+          <a:lnRef idx="0"/>
+          <a:fillRef idx="0"/>
+          <a:effectRef idx="0"/>
+          <a:fontRef idx="minor"/>
+        </p:style>
+        <p:txBody>
+          <a:bodyPr lIns="90000" rIns="90000" tIns="45000" bIns="45000"/>
+          <a:p>
+            <a:pPr marL="137160" indent="-136800">
+              <a:lnSpc>
+                <a:spcPct val="100000"/>
+              </a:lnSpc>
+              <a:buBlip>
+                <a:blip r:embed="rId42"/>
+              </a:buBlip>
+            </a:pPr>
+            <a:r>
+              <a:rPr b="0" lang="en-US" sz="1200" spc="-1" strike="noStrike">
+                <a:solidFill>
+                  <a:srgbClr val="000000"/>
+                </a:solidFill>
+                <a:latin typeface="Arial"/>
+                <a:ea typeface="Noto Sans CJK SC Regular"/>
+              </a:rPr>
+              <a:t>the time is calibrated by the triggered bunch crossing but without offline calibration</a:t>
+            </a:r>
+            <a:endParaRPr b="0" lang="en-US" sz="1200" spc="-1" strike="noStrike">
+              <a:latin typeface="Arial"/>
+            </a:endParaRPr>
+          </a:p>
+          <a:p>
+            <a:pPr marL="137160" indent="-136800">
+              <a:lnSpc>
+                <a:spcPct val="100000"/>
+              </a:lnSpc>
+              <a:buBlip>
+                <a:blip r:embed="rId43"/>
+              </a:buBlip>
+            </a:pPr>
+            <a:r>
+              <a:rPr b="0" lang="en-US" sz="1200" spc="-1" strike="noStrike">
+                <a:solidFill>
+                  <a:srgbClr val="000000"/>
+                </a:solidFill>
+                <a:latin typeface="Arial"/>
+                <a:ea typeface="Noto Sans CJK SC Regular"/>
+              </a:rPr>
+              <a:t>on track hits: hits with |d| &lt; 30 mm</a:t>
+            </a:r>
+            <a:endParaRPr b="0" lang="en-US" sz="1200" spc="-1" strike="noStrike">
+              <a:latin typeface="Arial"/>
+            </a:endParaRPr>
+          </a:p>
+        </p:txBody>
+      </p:sp>
+      <p:sp>
+        <p:nvSpPr>
+          <p:cNvPr id="99" name="CustomShape 40"/>
+          <p:cNvSpPr/>
+          <p:nvPr/>
+        </p:nvSpPr>
+        <p:spPr>
+          <a:xfrm>
+            <a:off x="2870640" y="12693600"/>
+            <a:ext cx="3200040" cy="260640"/>
+          </a:xfrm>
+          <a:prstGeom prst="rect">
+            <a:avLst/>
+          </a:prstGeom>
+          <a:noFill/>
+          <a:ln>
+            <a:noFill/>
+          </a:ln>
+        </p:spPr>
+        <p:style>
+          <a:lnRef idx="0"/>
+          <a:fillRef idx="0"/>
+          <a:effectRef idx="0"/>
+          <a:fontRef idx="minor"/>
+        </p:style>
+        <p:txBody>
+          <a:bodyPr lIns="90000" rIns="90000" tIns="45000" bIns="45000"/>
+          <a:p>
+            <a:pPr marL="137160" indent="-136800">
+              <a:lnSpc>
+                <a:spcPct val="100000"/>
+              </a:lnSpc>
+              <a:buBlip>
+                <a:blip r:embed="rId44"/>
+              </a:buBlip>
+            </a:pPr>
+            <a:r>
+              <a:rPr b="0" i="1" lang="en-US" sz="1200" spc="-1" strike="noStrike">
+                <a:solidFill>
+                  <a:srgbClr val="000000"/>
+                </a:solidFill>
+                <a:latin typeface="Arial"/>
+                <a:ea typeface="Noto Sans CJK SC Regular"/>
+              </a:rPr>
+              <a:t>hit multiplicity for three selections of hits</a:t>
+            </a:r>
+            <a:endParaRPr b="0" lang="en-US" sz="1200" spc="-1" strike="noStrike">
+              <a:latin typeface="Arial"/>
+            </a:endParaRPr>
+          </a:p>
+        </p:txBody>
+      </p:sp>
+      <p:sp>
+        <p:nvSpPr>
+          <p:cNvPr id="100" name="CustomShape 41"/>
+          <p:cNvSpPr/>
+          <p:nvPr/>
+        </p:nvSpPr>
+        <p:spPr>
+          <a:xfrm>
+            <a:off x="3017520" y="12918600"/>
+            <a:ext cx="3017160" cy="633600"/>
+          </a:xfrm>
+          <a:prstGeom prst="rect">
+            <a:avLst/>
+          </a:prstGeom>
+          <a:noFill/>
+          <a:ln>
+            <a:noFill/>
+          </a:ln>
+        </p:spPr>
+        <p:style>
+          <a:lnRef idx="0"/>
+          <a:fillRef idx="0"/>
+          <a:effectRef idx="0"/>
+          <a:fontRef idx="minor"/>
+        </p:style>
+        <p:txBody>
+          <a:bodyPr lIns="90000" rIns="90000" tIns="45000" bIns="45000"/>
+          <a:p>
+            <a:pPr marL="137160" indent="-136800">
+              <a:lnSpc>
+                <a:spcPct val="100000"/>
+              </a:lnSpc>
+              <a:buBlip>
+                <a:blip r:embed="rId45"/>
+              </a:buBlip>
+            </a:pPr>
+            <a:r>
+              <a:rPr b="0" lang="en-US" sz="1200" spc="-1" strike="noStrike">
+                <a:solidFill>
+                  <a:srgbClr val="000000"/>
+                </a:solidFill>
+                <a:latin typeface="Arial"/>
+                <a:ea typeface="Noto Sans CJK SC Regular"/>
+              </a:rPr>
+              <a:t>all hits: all recorded RPC readout hits</a:t>
+            </a:r>
+            <a:endParaRPr b="0" lang="en-US" sz="1200" spc="-1" strike="noStrike">
+              <a:latin typeface="Arial"/>
+            </a:endParaRPr>
+          </a:p>
+          <a:p>
+            <a:pPr marL="137160" indent="-136800">
+              <a:lnSpc>
+                <a:spcPct val="100000"/>
+              </a:lnSpc>
+              <a:buBlip>
+                <a:blip r:embed="rId46"/>
+              </a:buBlip>
+            </a:pPr>
+            <a:r>
+              <a:rPr b="0" lang="en-US" sz="1200" spc="-1" strike="noStrike">
+                <a:solidFill>
+                  <a:srgbClr val="000000"/>
+                </a:solidFill>
+                <a:latin typeface="Arial"/>
+                <a:ea typeface="Noto Sans CJK SC Regular"/>
+              </a:rPr>
+              <a:t>inTime hits: all hits with |T| &lt; 12.5 ns</a:t>
+            </a:r>
+            <a:endParaRPr b="0" lang="en-US" sz="1200" spc="-1" strike="noStrike">
+              <a:latin typeface="Arial"/>
+            </a:endParaRPr>
+          </a:p>
+          <a:p>
+            <a:pPr marL="137160" indent="-136800">
+              <a:lnSpc>
+                <a:spcPct val="100000"/>
+              </a:lnSpc>
+              <a:buBlip>
+                <a:blip r:embed="rId47"/>
+              </a:buBlip>
+            </a:pPr>
+            <a:r>
+              <a:rPr b="0" lang="en-US" sz="1200" spc="-1" strike="noStrike">
+                <a:solidFill>
+                  <a:srgbClr val="000000"/>
+                </a:solidFill>
+                <a:latin typeface="Arial"/>
+                <a:ea typeface="Noto Sans CJK SC Regular"/>
+              </a:rPr>
+              <a:t>signal hits: inTime hits with |d| &lt; 30 mm</a:t>
+            </a:r>
+            <a:endParaRPr b="0" lang="en-US" sz="1200" spc="-1" strike="noStrike">
+              <a:latin typeface="Arial"/>
             </a:endParaRPr>
           </a:p>
         </p:txBody>
       </p:sp>
     </p:spTree>
   </p:cSld>
-  <p:clrMapOvr>
-    <a:masterClrMapping/>
-  </p:clrMapOvr>
   <p:timing>
     <p:tnLst>
       <p:par>
-        <p:cTn id="1" dur="indefinite" restart="never" nodeType="tmRoot"/>
+        <p:cTn id="1" dur="indefinite" restart="never" nodeType="tmRoot">
+          <p:childTnLst>
+            <p:seq>
+              <p:cTn id="2" dur="indefinite" nodeType="mainSeq"/>
+              <p:prevCondLst>
+                <p:cond delay="0" evt="onPrev">
+                  <p:tgtEl>
+                    <p:sldTgt/>
+                  </p:tgtEl>
+                </p:cond>
+              </p:prevCondLst>
+              <p:nextCondLst>
+                <p:cond delay="0" evt="onNext">
+                  <p:tgtEl>
+                    <p:sldTgt/>
+                  </p:tgtEl>
+                </p:cond>
+              </p:nextCondLst>
+            </p:seq>
+          </p:childTnLst>
+        </p:cTn>
       </p:par>
     </p:tnLst>
   </p:timing>
@@ -4213,31 +5242,31 @@
         <a:sysClr val="window" lastClr="FFFFFF"/>
       </a:lt1>
       <a:dk2>
-        <a:srgbClr val="1F497D"/>
+        <a:srgbClr val="1f497d"/>
       </a:dk2>
       <a:lt2>
-        <a:srgbClr val="EEECE1"/>
+        <a:srgbClr val="eeece1"/>
       </a:lt2>
       <a:accent1>
-        <a:srgbClr val="4F81BD"/>
+        <a:srgbClr val="4f81bd"/>
       </a:accent1>
       <a:accent2>
-        <a:srgbClr val="C0504D"/>
+        <a:srgbClr val="c0504d"/>
       </a:accent2>
       <a:accent3>
-        <a:srgbClr val="9BBB59"/>
+        <a:srgbClr val="9bbb59"/>
       </a:accent3>
       <a:accent4>
-        <a:srgbClr val="8064A2"/>
+        <a:srgbClr val="8064a2"/>
       </a:accent4>
       <a:accent5>
-        <a:srgbClr val="4BACC6"/>
+        <a:srgbClr val="4bacc6"/>
       </a:accent5>
       <a:accent6>
-        <a:srgbClr val="F79646"/>
+        <a:srgbClr val="f79646"/>
       </a:accent6>
       <a:hlink>
-        <a:srgbClr val="0000FF"/>
+        <a:srgbClr val="0000ff"/>
       </a:hlink>
       <a:folHlink>
         <a:srgbClr val="800080"/>
@@ -4422,13 +5451,6 @@
       </a:bgFillStyleLst>
     </a:fmtScheme>
   </a:themeElements>
-  <a:objectDefaults/>
-  <a:extraClrSchemeLst/>
-  <a:extLst>
-    <a:ext uri="{05A4C25C-085E-4340-85A3-A5531E510DB2}">
-      <thm15:themeFamily xmlns:thm15="http://schemas.microsoft.com/office/thememl/2012/main" name="Office Theme" id="{62F939B6-93AF-4DB8-9C6B-D6C7DFDC589F}" vid="{4A3C46E8-61CC-4603-A589-7422A47A8E4A}"/>
-    </a:ext>
-  </a:extLst>
 </a:theme>
 </file>
 
@@ -4443,31 +5465,31 @@
         <a:sysClr val="window" lastClr="FFFFFF"/>
       </a:lt1>
       <a:dk2>
-        <a:srgbClr val="1F497D"/>
+        <a:srgbClr val="1f497d"/>
       </a:dk2>
       <a:lt2>
-        <a:srgbClr val="EEECE1"/>
+        <a:srgbClr val="eeece1"/>
       </a:lt2>
       <a:accent1>
-        <a:srgbClr val="4F81BD"/>
+        <a:srgbClr val="4f81bd"/>
       </a:accent1>
       <a:accent2>
-        <a:srgbClr val="C0504D"/>
+        <a:srgbClr val="c0504d"/>
       </a:accent2>
       <a:accent3>
-        <a:srgbClr val="9BBB59"/>
+        <a:srgbClr val="9bbb59"/>
       </a:accent3>
       <a:accent4>
-        <a:srgbClr val="8064A2"/>
+        <a:srgbClr val="8064a2"/>
       </a:accent4>
       <a:accent5>
-        <a:srgbClr val="4BACC6"/>
+        <a:srgbClr val="4bacc6"/>
       </a:accent5>
       <a:accent6>
-        <a:srgbClr val="F79646"/>
+        <a:srgbClr val="f79646"/>
       </a:accent6>
       <a:hlink>
-        <a:srgbClr val="0000FF"/>
+        <a:srgbClr val="0000ff"/>
       </a:hlink>
       <a:folHlink>
         <a:srgbClr val="800080"/>
@@ -4652,12 +5674,5 @@
       </a:bgFillStyleLst>
     </a:fmtScheme>
   </a:themeElements>
-  <a:objectDefaults/>
-  <a:extraClrSchemeLst/>
-  <a:extLst>
-    <a:ext uri="{05A4C25C-085E-4340-85A3-A5531E510DB2}">
-      <thm15:themeFamily xmlns:thm15="http://schemas.microsoft.com/office/thememl/2012/main" name="Office Theme" id="{62F939B6-93AF-4DB8-9C6B-D6C7DFDC589F}" vid="{4A3C46E8-61CC-4603-A589-7422A47A8E4A}"/>
-    </a:ext>
-  </a:extLst>
 </a:theme>
 </file>
--- a/LHCC_2019_poster/ATLAS-Poster_ATLASWeek_2019_02.pptx
+++ b/LHCC_2019_poster/ATLAS-Poster_ATLASWeek_2019_02.pptx
@@ -34,7 +34,7 @@
       </p:grpSpPr>
       <p:sp>
         <p:nvSpPr>
-          <p:cNvPr id="40" name="PlaceHolder 1"/>
+          <p:cNvPr id="38" name="PlaceHolder 1"/>
           <p:cNvSpPr>
             <a:spLocks noGrp="1"/>
           </p:cNvSpPr>
@@ -69,7 +69,7 @@
       </p:sp>
       <p:sp>
         <p:nvSpPr>
-          <p:cNvPr id="41" name="PlaceHolder 2"/>
+          <p:cNvPr id="39" name="PlaceHolder 2"/>
           <p:cNvSpPr>
             <a:spLocks noGrp="1"/>
           </p:cNvSpPr>
@@ -93,13 +93,7 @@
               <a:rPr b="0" lang="en-US" sz="2000" spc="-1" strike="noStrike">
                 <a:latin typeface="Arial"/>
               </a:rPr>
-              <a:t>Click to edit the notes </a:t>
-            </a:r>
-            <a:r>
-              <a:rPr b="0" lang="en-US" sz="2000" spc="-1" strike="noStrike">
-                <a:latin typeface="Arial"/>
-              </a:rPr>
-              <a:t>format</a:t>
+              <a:t>Click to edit the notes format</a:t>
             </a:r>
             <a:endParaRPr b="0" lang="en-US" sz="2000" spc="-1" strike="noStrike">
               <a:latin typeface="Arial"/>
@@ -109,7 +103,7 @@
       </p:sp>
       <p:sp>
         <p:nvSpPr>
-          <p:cNvPr id="42" name="PlaceHolder 3"/>
+          <p:cNvPr id="40" name="PlaceHolder 3"/>
           <p:cNvSpPr>
             <a:spLocks noGrp="1"/>
           </p:cNvSpPr>
@@ -133,7 +127,7 @@
               <a:rPr b="0" lang="en-US" sz="1400" spc="-1" strike="noStrike">
                 <a:latin typeface="Times New Roman"/>
               </a:rPr>
-              <a:t> </a:t>
+              <a:t>&lt;header&gt;</a:t>
             </a:r>
             <a:endParaRPr b="0" lang="en-US" sz="1400" spc="-1" strike="noStrike">
               <a:latin typeface="Times New Roman"/>
@@ -143,7 +137,7 @@
       </p:sp>
       <p:sp>
         <p:nvSpPr>
-          <p:cNvPr id="43" name="PlaceHolder 4"/>
+          <p:cNvPr id="41" name="PlaceHolder 4"/>
           <p:cNvSpPr>
             <a:spLocks noGrp="1"/>
           </p:cNvSpPr>
@@ -168,7 +162,7 @@
               <a:rPr b="0" lang="en-US" sz="1400" spc="-1" strike="noStrike">
                 <a:latin typeface="Times New Roman"/>
               </a:rPr>
-              <a:t> </a:t>
+              <a:t>&lt;date/time&gt;</a:t>
             </a:r>
             <a:endParaRPr b="0" lang="en-US" sz="1400" spc="-1" strike="noStrike">
               <a:latin typeface="Times New Roman"/>
@@ -178,7 +172,7 @@
       </p:sp>
       <p:sp>
         <p:nvSpPr>
-          <p:cNvPr id="44" name="PlaceHolder 5"/>
+          <p:cNvPr id="42" name="PlaceHolder 5"/>
           <p:cNvSpPr>
             <a:spLocks noGrp="1"/>
           </p:cNvSpPr>
@@ -202,7 +196,7 @@
               <a:rPr b="0" lang="en-US" sz="1400" spc="-1" strike="noStrike">
                 <a:latin typeface="Times New Roman"/>
               </a:rPr>
-              <a:t> </a:t>
+              <a:t>&lt;footer&gt;</a:t>
             </a:r>
             <a:endParaRPr b="0" lang="en-US" sz="1400" spc="-1" strike="noStrike">
               <a:latin typeface="Times New Roman"/>
@@ -212,7 +206,7 @@
       </p:sp>
       <p:sp>
         <p:nvSpPr>
-          <p:cNvPr id="45" name="PlaceHolder 6"/>
+          <p:cNvPr id="43" name="PlaceHolder 6"/>
           <p:cNvSpPr>
             <a:spLocks noGrp="1"/>
           </p:cNvSpPr>
@@ -233,7 +227,7 @@
           <a:bodyPr lIns="0" rIns="0" tIns="0" bIns="0" anchor="b"/>
           <a:p>
             <a:pPr algn="r"/>
-            <a:fld id="{46B62682-AB41-4C95-BC75-C47618472C2B}" type="slidenum">
+            <a:fld id="{67303628-3AD9-49CF-A1F7-5BA139AED08C}" type="slidenum">
               <a:rPr b="0" lang="en-US" sz="1400" spc="-1" strike="noStrike">
                 <a:latin typeface="Times New Roman"/>
               </a:rPr>
@@ -270,7 +264,7 @@
       </p:grpSpPr>
       <p:sp>
         <p:nvSpPr>
-          <p:cNvPr id="101" name="PlaceHolder 1"/>
+          <p:cNvPr id="99" name="PlaceHolder 1"/>
           <p:cNvSpPr>
             <a:spLocks noGrp="1"/>
           </p:cNvSpPr>
@@ -281,16 +275,16 @@
         <p:spPr>
           <a:xfrm>
             <a:off x="2228760" y="685800"/>
-            <a:ext cx="2397240" cy="3425760"/>
-          </a:xfrm>
-          <a:prstGeom prst="rect">
-            <a:avLst/>
-          </a:prstGeom>
-        </p:spPr>
-      </p:sp>
-      <p:sp>
-        <p:nvSpPr>
-          <p:cNvPr id="102" name="PlaceHolder 2"/>
+            <a:ext cx="2396880" cy="3425400"/>
+          </a:xfrm>
+          <a:prstGeom prst="rect">
+            <a:avLst/>
+          </a:prstGeom>
+        </p:spPr>
+      </p:sp>
+      <p:sp>
+        <p:nvSpPr>
+          <p:cNvPr id="100" name="PlaceHolder 2"/>
           <p:cNvSpPr>
             <a:spLocks noGrp="1"/>
           </p:cNvSpPr>
@@ -301,7 +295,7 @@
         <p:spPr>
           <a:xfrm>
             <a:off x="685800" y="4343400"/>
-            <a:ext cx="5483160" cy="4111560"/>
+            <a:ext cx="5482800" cy="4111200"/>
           </a:xfrm>
           <a:prstGeom prst="rect">
             <a:avLst/>
@@ -318,14 +312,14 @@
       </p:sp>
       <p:sp>
         <p:nvSpPr>
-          <p:cNvPr id="103" name="CustomShape 3"/>
+          <p:cNvPr id="101" name="CustomShape 3"/>
           <p:cNvSpPr/>
           <p:nvPr/>
         </p:nvSpPr>
         <p:spPr>
           <a:xfrm>
             <a:off x="3884760" y="8685360"/>
-            <a:ext cx="2968560" cy="453960"/>
+            <a:ext cx="2968200" cy="453600"/>
           </a:xfrm>
           <a:prstGeom prst="rect">
             <a:avLst/>
@@ -388,7 +382,7 @@
       </p:grpSpPr>
       <p:sp>
         <p:nvSpPr>
-          <p:cNvPr id="25" name="PlaceHolder 1"/>
+          <p:cNvPr id="23" name="PlaceHolder 1"/>
           <p:cNvSpPr>
             <a:spLocks noGrp="1"/>
           </p:cNvSpPr>
@@ -417,7 +411,7 @@
       </p:sp>
       <p:sp>
         <p:nvSpPr>
-          <p:cNvPr id="26" name="PlaceHolder 2"/>
+          <p:cNvPr id="24" name="PlaceHolder 2"/>
           <p:cNvSpPr>
             <a:spLocks noGrp="1"/>
           </p:cNvSpPr>
@@ -447,7 +441,7 @@
       </p:sp>
       <p:sp>
         <p:nvSpPr>
-          <p:cNvPr id="27" name="PlaceHolder 3"/>
+          <p:cNvPr id="25" name="PlaceHolder 3"/>
           <p:cNvSpPr>
             <a:spLocks noGrp="1"/>
           </p:cNvSpPr>
@@ -499,7 +493,7 @@
       </p:grpSpPr>
       <p:sp>
         <p:nvSpPr>
-          <p:cNvPr id="28" name="PlaceHolder 1"/>
+          <p:cNvPr id="26" name="PlaceHolder 1"/>
           <p:cNvSpPr>
             <a:spLocks noGrp="1"/>
           </p:cNvSpPr>
@@ -528,7 +522,7 @@
       </p:sp>
       <p:sp>
         <p:nvSpPr>
-          <p:cNvPr id="29" name="PlaceHolder 2"/>
+          <p:cNvPr id="27" name="PlaceHolder 2"/>
           <p:cNvSpPr>
             <a:spLocks noGrp="1"/>
           </p:cNvSpPr>
@@ -558,7 +552,7 @@
       </p:sp>
       <p:sp>
         <p:nvSpPr>
-          <p:cNvPr id="30" name="PlaceHolder 3"/>
+          <p:cNvPr id="28" name="PlaceHolder 3"/>
           <p:cNvSpPr>
             <a:spLocks noGrp="1"/>
           </p:cNvSpPr>
@@ -588,7 +582,7 @@
       </p:sp>
       <p:sp>
         <p:nvSpPr>
-          <p:cNvPr id="31" name="PlaceHolder 4"/>
+          <p:cNvPr id="29" name="PlaceHolder 4"/>
           <p:cNvSpPr>
             <a:spLocks noGrp="1"/>
           </p:cNvSpPr>
@@ -618,7 +612,7 @@
       </p:sp>
       <p:sp>
         <p:nvSpPr>
-          <p:cNvPr id="32" name="PlaceHolder 5"/>
+          <p:cNvPr id="30" name="PlaceHolder 5"/>
           <p:cNvSpPr>
             <a:spLocks noGrp="1"/>
           </p:cNvSpPr>
@@ -670,7 +664,7 @@
       </p:grpSpPr>
       <p:sp>
         <p:nvSpPr>
-          <p:cNvPr id="33" name="PlaceHolder 1"/>
+          <p:cNvPr id="31" name="PlaceHolder 1"/>
           <p:cNvSpPr>
             <a:spLocks noGrp="1"/>
           </p:cNvSpPr>
@@ -699,7 +693,7 @@
       </p:sp>
       <p:sp>
         <p:nvSpPr>
-          <p:cNvPr id="34" name="PlaceHolder 2"/>
+          <p:cNvPr id="32" name="PlaceHolder 2"/>
           <p:cNvSpPr>
             <a:spLocks noGrp="1"/>
           </p:cNvSpPr>
@@ -729,7 +723,7 @@
       </p:sp>
       <p:sp>
         <p:nvSpPr>
-          <p:cNvPr id="35" name="PlaceHolder 3"/>
+          <p:cNvPr id="33" name="PlaceHolder 3"/>
           <p:cNvSpPr>
             <a:spLocks noGrp="1"/>
           </p:cNvSpPr>
@@ -759,7 +753,7 @@
       </p:sp>
       <p:sp>
         <p:nvSpPr>
-          <p:cNvPr id="36" name="PlaceHolder 4"/>
+          <p:cNvPr id="34" name="PlaceHolder 4"/>
           <p:cNvSpPr>
             <a:spLocks noGrp="1"/>
           </p:cNvSpPr>
@@ -789,7 +783,7 @@
       </p:sp>
       <p:sp>
         <p:nvSpPr>
-          <p:cNvPr id="37" name="PlaceHolder 5"/>
+          <p:cNvPr id="35" name="PlaceHolder 5"/>
           <p:cNvSpPr>
             <a:spLocks noGrp="1"/>
           </p:cNvSpPr>
@@ -819,7 +813,7 @@
       </p:sp>
       <p:sp>
         <p:nvSpPr>
-          <p:cNvPr id="38" name="PlaceHolder 6"/>
+          <p:cNvPr id="36" name="PlaceHolder 6"/>
           <p:cNvSpPr>
             <a:spLocks noGrp="1"/>
           </p:cNvSpPr>
@@ -849,7 +843,7 @@
       </p:sp>
       <p:sp>
         <p:nvSpPr>
-          <p:cNvPr id="39" name="PlaceHolder 7"/>
+          <p:cNvPr id="37" name="PlaceHolder 7"/>
           <p:cNvSpPr>
             <a:spLocks noGrp="1"/>
           </p:cNvSpPr>
@@ -901,7 +895,7 @@
       </p:grpSpPr>
       <p:sp>
         <p:nvSpPr>
-          <p:cNvPr id="4" name="PlaceHolder 1"/>
+          <p:cNvPr id="2" name="PlaceHolder 1"/>
           <p:cNvSpPr>
             <a:spLocks noGrp="1"/>
           </p:cNvSpPr>
@@ -930,7 +924,7 @@
       </p:sp>
       <p:sp>
         <p:nvSpPr>
-          <p:cNvPr id="5" name="PlaceHolder 2"/>
+          <p:cNvPr id="3" name="PlaceHolder 2"/>
           <p:cNvSpPr>
             <a:spLocks noGrp="1"/>
           </p:cNvSpPr>
@@ -981,7 +975,7 @@
       </p:grpSpPr>
       <p:sp>
         <p:nvSpPr>
-          <p:cNvPr id="6" name="PlaceHolder 1"/>
+          <p:cNvPr id="4" name="PlaceHolder 1"/>
           <p:cNvSpPr>
             <a:spLocks noGrp="1"/>
           </p:cNvSpPr>
@@ -1010,7 +1004,7 @@
       </p:sp>
       <p:sp>
         <p:nvSpPr>
-          <p:cNvPr id="7" name="PlaceHolder 2"/>
+          <p:cNvPr id="5" name="PlaceHolder 2"/>
           <p:cNvSpPr>
             <a:spLocks noGrp="1"/>
           </p:cNvSpPr>
@@ -1062,7 +1056,7 @@
       </p:grpSpPr>
       <p:sp>
         <p:nvSpPr>
-          <p:cNvPr id="8" name="PlaceHolder 1"/>
+          <p:cNvPr id="6" name="PlaceHolder 1"/>
           <p:cNvSpPr>
             <a:spLocks noGrp="1"/>
           </p:cNvSpPr>
@@ -1091,7 +1085,7 @@
       </p:sp>
       <p:sp>
         <p:nvSpPr>
-          <p:cNvPr id="9" name="PlaceHolder 2"/>
+          <p:cNvPr id="7" name="PlaceHolder 2"/>
           <p:cNvSpPr>
             <a:spLocks noGrp="1"/>
           </p:cNvSpPr>
@@ -1121,7 +1115,7 @@
       </p:sp>
       <p:sp>
         <p:nvSpPr>
-          <p:cNvPr id="10" name="PlaceHolder 3"/>
+          <p:cNvPr id="8" name="PlaceHolder 3"/>
           <p:cNvSpPr>
             <a:spLocks noGrp="1"/>
           </p:cNvSpPr>
@@ -1173,7 +1167,7 @@
       </p:grpSpPr>
       <p:sp>
         <p:nvSpPr>
-          <p:cNvPr id="11" name="PlaceHolder 1"/>
+          <p:cNvPr id="9" name="PlaceHolder 1"/>
           <p:cNvSpPr>
             <a:spLocks noGrp="1"/>
           </p:cNvSpPr>
@@ -1224,7 +1218,7 @@
       </p:grpSpPr>
       <p:sp>
         <p:nvSpPr>
-          <p:cNvPr id="12" name="PlaceHolder 1"/>
+          <p:cNvPr id="10" name="PlaceHolder 1"/>
           <p:cNvSpPr>
             <a:spLocks noGrp="1"/>
           </p:cNvSpPr>
@@ -1275,7 +1269,7 @@
       </p:grpSpPr>
       <p:sp>
         <p:nvSpPr>
-          <p:cNvPr id="13" name="PlaceHolder 1"/>
+          <p:cNvPr id="11" name="PlaceHolder 1"/>
           <p:cNvSpPr>
             <a:spLocks noGrp="1"/>
           </p:cNvSpPr>
@@ -1304,7 +1298,7 @@
       </p:sp>
       <p:sp>
         <p:nvSpPr>
-          <p:cNvPr id="14" name="PlaceHolder 2"/>
+          <p:cNvPr id="12" name="PlaceHolder 2"/>
           <p:cNvSpPr>
             <a:spLocks noGrp="1"/>
           </p:cNvSpPr>
@@ -1334,7 +1328,7 @@
       </p:sp>
       <p:sp>
         <p:nvSpPr>
-          <p:cNvPr id="15" name="PlaceHolder 3"/>
+          <p:cNvPr id="13" name="PlaceHolder 3"/>
           <p:cNvSpPr>
             <a:spLocks noGrp="1"/>
           </p:cNvSpPr>
@@ -1364,7 +1358,7 @@
       </p:sp>
       <p:sp>
         <p:nvSpPr>
-          <p:cNvPr id="16" name="PlaceHolder 4"/>
+          <p:cNvPr id="14" name="PlaceHolder 4"/>
           <p:cNvSpPr>
             <a:spLocks noGrp="1"/>
           </p:cNvSpPr>
@@ -1416,7 +1410,7 @@
       </p:grpSpPr>
       <p:sp>
         <p:nvSpPr>
-          <p:cNvPr id="17" name="PlaceHolder 1"/>
+          <p:cNvPr id="15" name="PlaceHolder 1"/>
           <p:cNvSpPr>
             <a:spLocks noGrp="1"/>
           </p:cNvSpPr>
@@ -1445,7 +1439,7 @@
       </p:sp>
       <p:sp>
         <p:nvSpPr>
-          <p:cNvPr id="18" name="PlaceHolder 2"/>
+          <p:cNvPr id="16" name="PlaceHolder 2"/>
           <p:cNvSpPr>
             <a:spLocks noGrp="1"/>
           </p:cNvSpPr>
@@ -1475,7 +1469,7 @@
       </p:sp>
       <p:sp>
         <p:nvSpPr>
-          <p:cNvPr id="19" name="PlaceHolder 3"/>
+          <p:cNvPr id="17" name="PlaceHolder 3"/>
           <p:cNvSpPr>
             <a:spLocks noGrp="1"/>
           </p:cNvSpPr>
@@ -1505,7 +1499,7 @@
       </p:sp>
       <p:sp>
         <p:nvSpPr>
-          <p:cNvPr id="20" name="PlaceHolder 4"/>
+          <p:cNvPr id="18" name="PlaceHolder 4"/>
           <p:cNvSpPr>
             <a:spLocks noGrp="1"/>
           </p:cNvSpPr>
@@ -1557,7 +1551,7 @@
       </p:grpSpPr>
       <p:sp>
         <p:nvSpPr>
-          <p:cNvPr id="21" name="PlaceHolder 1"/>
+          <p:cNvPr id="19" name="PlaceHolder 1"/>
           <p:cNvSpPr>
             <a:spLocks noGrp="1"/>
           </p:cNvSpPr>
@@ -1586,7 +1580,7 @@
       </p:sp>
       <p:sp>
         <p:nvSpPr>
-          <p:cNvPr id="22" name="PlaceHolder 2"/>
+          <p:cNvPr id="20" name="PlaceHolder 2"/>
           <p:cNvSpPr>
             <a:spLocks noGrp="1"/>
           </p:cNvSpPr>
@@ -1616,7 +1610,7 @@
       </p:sp>
       <p:sp>
         <p:nvSpPr>
-          <p:cNvPr id="23" name="PlaceHolder 3"/>
+          <p:cNvPr id="21" name="PlaceHolder 3"/>
           <p:cNvSpPr>
             <a:spLocks noGrp="1"/>
           </p:cNvSpPr>
@@ -1646,7 +1640,7 @@
       </p:sp>
       <p:sp>
         <p:nvSpPr>
-          <p:cNvPr id="24" name="PlaceHolder 4"/>
+          <p:cNvPr id="22" name="PlaceHolder 4"/>
           <p:cNvSpPr>
             <a:spLocks noGrp="1"/>
           </p:cNvSpPr>
@@ -1716,7 +1710,7 @@
         <p:spPr>
           <a:xfrm>
             <a:off x="0" y="0"/>
-            <a:ext cx="12596760" cy="3416400"/>
+            <a:ext cx="12596400" cy="3416040"/>
           </a:xfrm>
           <a:prstGeom prst="rect">
             <a:avLst/>
@@ -1739,7 +1733,7 @@
         <p:spPr>
           <a:xfrm>
             <a:off x="0" y="17193240"/>
-            <a:ext cx="12596760" cy="807480"/>
+            <a:ext cx="12596400" cy="807120"/>
           </a:xfrm>
           <a:prstGeom prst="rect">
             <a:avLst/>
@@ -1749,232 +1743,6 @@
           </a:ln>
         </p:spPr>
       </p:pic>
-      <p:sp>
-        <p:nvSpPr>
-          <p:cNvPr id="2" name="PlaceHolder 1"/>
-          <p:cNvSpPr>
-            <a:spLocks noGrp="1"/>
-          </p:cNvSpPr>
-          <p:nvPr>
-            <p:ph type="title"/>
-          </p:nvPr>
-        </p:nvSpPr>
-        <p:spPr>
-          <a:xfrm>
-            <a:off x="630000" y="718200"/>
-            <a:ext cx="11339640" cy="3006000"/>
-          </a:xfrm>
-          <a:prstGeom prst="rect">
-            <a:avLst/>
-          </a:prstGeom>
-        </p:spPr>
-        <p:txBody>
-          <a:bodyPr lIns="0" rIns="0" tIns="0" bIns="0" anchor="ctr"/>
-          <a:p>
-            <a:pPr algn="ctr"/>
-            <a:r>
-              <a:rPr b="0" lang="en-US" sz="4400" spc="-1" strike="noStrike">
-                <a:latin typeface="Arial"/>
-              </a:rPr>
-              <a:t>Click to edit </a:t>
-            </a:r>
-            <a:r>
-              <a:rPr b="0" lang="en-US" sz="4400" spc="-1" strike="noStrike">
-                <a:latin typeface="Arial"/>
-              </a:rPr>
-              <a:t>the title text </a:t>
-            </a:r>
-            <a:r>
-              <a:rPr b="0" lang="en-US" sz="4400" spc="-1" strike="noStrike">
-                <a:latin typeface="Arial"/>
-              </a:rPr>
-              <a:t>format</a:t>
-            </a:r>
-            <a:endParaRPr b="0" lang="en-US" sz="4400" spc="-1" strike="noStrike">
-              <a:latin typeface="Arial"/>
-            </a:endParaRPr>
-          </a:p>
-        </p:txBody>
-      </p:sp>
-      <p:sp>
-        <p:nvSpPr>
-          <p:cNvPr id="3" name="PlaceHolder 2"/>
-          <p:cNvSpPr>
-            <a:spLocks noGrp="1"/>
-          </p:cNvSpPr>
-          <p:nvPr>
-            <p:ph type="body"/>
-          </p:nvPr>
-        </p:nvSpPr>
-        <p:spPr>
-          <a:xfrm>
-            <a:off x="630000" y="4212720"/>
-            <a:ext cx="11339640" cy="10441800"/>
-          </a:xfrm>
-          <a:prstGeom prst="rect">
-            <a:avLst/>
-          </a:prstGeom>
-        </p:spPr>
-        <p:txBody>
-          <a:bodyPr lIns="0" rIns="0" tIns="0" bIns="0">
-            <a:normAutofit/>
-          </a:bodyPr>
-          <a:p>
-            <a:pPr marL="432000" indent="-324000">
-              <a:spcBef>
-                <a:spcPts val="1417"/>
-              </a:spcBef>
-              <a:buClr>
-                <a:srgbClr val="000000"/>
-              </a:buClr>
-              <a:buSzPct val="45000"/>
-              <a:buFont typeface="Wingdings" charset="2"/>
-              <a:buChar char=""/>
-            </a:pPr>
-            <a:r>
-              <a:rPr b="0" lang="en-US" sz="3200" spc="-1" strike="noStrike">
-                <a:latin typeface="Arial"/>
-              </a:rPr>
-              <a:t>Click to edit the outline text format</a:t>
-            </a:r>
-            <a:endParaRPr b="0" lang="en-US" sz="3200" spc="-1" strike="noStrike">
-              <a:latin typeface="Arial"/>
-            </a:endParaRPr>
-          </a:p>
-          <a:p>
-            <a:pPr lvl="1" marL="864000" indent="-324000">
-              <a:spcBef>
-                <a:spcPts val="1134"/>
-              </a:spcBef>
-              <a:buClr>
-                <a:srgbClr val="000000"/>
-              </a:buClr>
-              <a:buSzPct val="75000"/>
-              <a:buFont typeface="Symbol" charset="2"/>
-              <a:buChar char=""/>
-            </a:pPr>
-            <a:r>
-              <a:rPr b="0" lang="en-US" sz="2800" spc="-1" strike="noStrike">
-                <a:latin typeface="Arial"/>
-              </a:rPr>
-              <a:t>Second Outline Level</a:t>
-            </a:r>
-            <a:endParaRPr b="0" lang="en-US" sz="2800" spc="-1" strike="noStrike">
-              <a:latin typeface="Arial"/>
-            </a:endParaRPr>
-          </a:p>
-          <a:p>
-            <a:pPr lvl="2" marL="1296000" indent="-288000">
-              <a:spcBef>
-                <a:spcPts val="850"/>
-              </a:spcBef>
-              <a:buClr>
-                <a:srgbClr val="000000"/>
-              </a:buClr>
-              <a:buSzPct val="45000"/>
-              <a:buFont typeface="Wingdings" charset="2"/>
-              <a:buChar char=""/>
-            </a:pPr>
-            <a:r>
-              <a:rPr b="0" lang="en-US" sz="2400" spc="-1" strike="noStrike">
-                <a:latin typeface="Arial"/>
-              </a:rPr>
-              <a:t>Third Outline Level</a:t>
-            </a:r>
-            <a:endParaRPr b="0" lang="en-US" sz="2400" spc="-1" strike="noStrike">
-              <a:latin typeface="Arial"/>
-            </a:endParaRPr>
-          </a:p>
-          <a:p>
-            <a:pPr lvl="3" marL="1728000" indent="-216000">
-              <a:spcBef>
-                <a:spcPts val="567"/>
-              </a:spcBef>
-              <a:buClr>
-                <a:srgbClr val="000000"/>
-              </a:buClr>
-              <a:buSzPct val="75000"/>
-              <a:buFont typeface="Symbol" charset="2"/>
-              <a:buChar char=""/>
-            </a:pPr>
-            <a:r>
-              <a:rPr b="0" lang="en-US" sz="2000" spc="-1" strike="noStrike">
-                <a:latin typeface="Arial"/>
-              </a:rPr>
-              <a:t>Fourth Outline Level</a:t>
-            </a:r>
-            <a:endParaRPr b="0" lang="en-US" sz="2000" spc="-1" strike="noStrike">
-              <a:latin typeface="Arial"/>
-            </a:endParaRPr>
-          </a:p>
-          <a:p>
-            <a:pPr lvl="4" marL="2160000" indent="-216000">
-              <a:spcBef>
-                <a:spcPts val="283"/>
-              </a:spcBef>
-              <a:buClr>
-                <a:srgbClr val="000000"/>
-              </a:buClr>
-              <a:buSzPct val="45000"/>
-              <a:buFont typeface="Wingdings" charset="2"/>
-              <a:buChar char=""/>
-            </a:pPr>
-            <a:r>
-              <a:rPr b="0" lang="en-US" sz="2000" spc="-1" strike="noStrike">
-                <a:latin typeface="Arial"/>
-              </a:rPr>
-              <a:t>Fifth Outline Level</a:t>
-            </a:r>
-            <a:endParaRPr b="0" lang="en-US" sz="2000" spc="-1" strike="noStrike">
-              <a:latin typeface="Arial"/>
-            </a:endParaRPr>
-          </a:p>
-          <a:p>
-            <a:pPr lvl="5" marL="2592000" indent="-216000">
-              <a:spcBef>
-                <a:spcPts val="283"/>
-              </a:spcBef>
-              <a:buClr>
-                <a:srgbClr val="000000"/>
-              </a:buClr>
-              <a:buSzPct val="45000"/>
-              <a:buFont typeface="Wingdings" charset="2"/>
-              <a:buChar char=""/>
-            </a:pPr>
-            <a:r>
-              <a:rPr b="0" lang="en-US" sz="2000" spc="-1" strike="noStrike">
-                <a:latin typeface="Arial"/>
-              </a:rPr>
-              <a:t>Sixth Outline Level</a:t>
-            </a:r>
-            <a:endParaRPr b="0" lang="en-US" sz="2000" spc="-1" strike="noStrike">
-              <a:latin typeface="Arial"/>
-            </a:endParaRPr>
-          </a:p>
-          <a:p>
-            <a:pPr lvl="6" marL="3024000" indent="-216000">
-              <a:spcBef>
-                <a:spcPts val="283"/>
-              </a:spcBef>
-              <a:buClr>
-                <a:srgbClr val="000000"/>
-              </a:buClr>
-              <a:buSzPct val="45000"/>
-              <a:buFont typeface="Wingdings" charset="2"/>
-              <a:buChar char=""/>
-            </a:pPr>
-            <a:r>
-              <a:rPr b="0" lang="en-US" sz="2000" spc="-1" strike="noStrike">
-                <a:latin typeface="Arial"/>
-              </a:rPr>
-              <a:t>Seventh Outline Level</a:t>
-            </a:r>
-            <a:endParaRPr b="0" lang="en-US" sz="2000" spc="-1" strike="noStrike">
-              <a:latin typeface="Arial"/>
-            </a:endParaRPr>
-          </a:p>
-        </p:txBody>
-      </p:sp>
     </p:spTree>
   </p:cSld>
   <p:clrMap bg1="lt1" bg2="lt2" tx1="dk1" tx2="dk2" accent1="accent1" accent2="accent2" accent3="accent3" accent4="accent4" accent5="accent5" accent6="accent6" hlink="hlink" folHlink="folHlink"/>
@@ -2014,14 +1782,14 @@
       </p:grpSpPr>
       <p:sp>
         <p:nvSpPr>
-          <p:cNvPr id="46" name="CustomShape 1"/>
+          <p:cNvPr id="44" name="CustomShape 1"/>
           <p:cNvSpPr/>
           <p:nvPr/>
         </p:nvSpPr>
         <p:spPr>
           <a:xfrm>
             <a:off x="10551960" y="36000"/>
-            <a:ext cx="1991160" cy="2054160"/>
+            <a:ext cx="1990800" cy="2053800"/>
           </a:xfrm>
           <a:prstGeom prst="ellipse">
             <a:avLst/>
@@ -2044,7 +1812,7 @@
       </p:sp>
       <p:pic>
         <p:nvPicPr>
-          <p:cNvPr id="47" name="" descr=""/>
+          <p:cNvPr id="45" name="" descr=""/>
           <p:cNvPicPr/>
           <p:nvPr/>
         </p:nvPicPr>
@@ -2055,7 +1823,7 @@
         <p:spPr>
           <a:xfrm>
             <a:off x="3149280" y="13890600"/>
-            <a:ext cx="3027600" cy="2053800"/>
+            <a:ext cx="3027240" cy="2053440"/>
           </a:xfrm>
           <a:prstGeom prst="rect">
             <a:avLst/>
@@ -2067,7 +1835,7 @@
       </p:pic>
       <p:pic>
         <p:nvPicPr>
-          <p:cNvPr id="48" name="Picture 77" descr=""/>
+          <p:cNvPr id="46" name="Picture 77" descr=""/>
           <p:cNvPicPr/>
           <p:nvPr/>
         </p:nvPicPr>
@@ -2078,7 +1846,7 @@
         <p:spPr>
           <a:xfrm>
             <a:off x="6143040" y="13804560"/>
-            <a:ext cx="3453840" cy="2475360"/>
+            <a:ext cx="3453480" cy="2475000"/>
           </a:xfrm>
           <a:prstGeom prst="rect">
             <a:avLst/>
@@ -2090,7 +1858,7 @@
       </p:pic>
       <p:pic>
         <p:nvPicPr>
-          <p:cNvPr id="49" name="Picture 79" descr=""/>
+          <p:cNvPr id="47" name="Picture 79" descr=""/>
           <p:cNvPicPr/>
           <p:nvPr/>
         </p:nvPicPr>
@@ -2102,7 +1870,7 @@
         <p:spPr>
           <a:xfrm>
             <a:off x="55440" y="11545560"/>
-            <a:ext cx="3035160" cy="2135160"/>
+            <a:ext cx="3034800" cy="2134800"/>
           </a:xfrm>
           <a:prstGeom prst="rect">
             <a:avLst/>
@@ -2114,7 +1882,7 @@
       </p:pic>
       <p:pic>
         <p:nvPicPr>
-          <p:cNvPr id="50" name="Picture 81" descr=""/>
+          <p:cNvPr id="48" name="Picture 81" descr=""/>
           <p:cNvPicPr/>
           <p:nvPr/>
         </p:nvPicPr>
@@ -2126,7 +1894,7 @@
         <p:spPr>
           <a:xfrm>
             <a:off x="2687760" y="8928720"/>
-            <a:ext cx="3381480" cy="2225520"/>
+            <a:ext cx="3381120" cy="2225160"/>
           </a:xfrm>
           <a:prstGeom prst="rect">
             <a:avLst/>
@@ -2138,7 +1906,7 @@
       </p:pic>
       <p:pic>
         <p:nvPicPr>
-          <p:cNvPr id="51" name="Picture 80" descr=""/>
+          <p:cNvPr id="49" name="Picture 80" descr=""/>
           <p:cNvPicPr/>
           <p:nvPr/>
         </p:nvPicPr>
@@ -2150,7 +1918,7 @@
         <p:spPr>
           <a:xfrm>
             <a:off x="19440" y="9609840"/>
-            <a:ext cx="3071160" cy="2125080"/>
+            <a:ext cx="3070800" cy="2124720"/>
           </a:xfrm>
           <a:prstGeom prst="rect">
             <a:avLst/>
@@ -2162,7 +1930,7 @@
       </p:pic>
       <p:pic>
         <p:nvPicPr>
-          <p:cNvPr id="52" name="Picture 19" descr=""/>
+          <p:cNvPr id="50" name="Picture 19" descr=""/>
           <p:cNvPicPr/>
           <p:nvPr/>
         </p:nvPicPr>
@@ -2174,7 +1942,7 @@
         <p:spPr>
           <a:xfrm>
             <a:off x="3368160" y="5796000"/>
-            <a:ext cx="2550960" cy="1941120"/>
+            <a:ext cx="2550600" cy="1940760"/>
           </a:xfrm>
           <a:prstGeom prst="rect">
             <a:avLst/>
@@ -2186,7 +1954,7 @@
       </p:pic>
       <p:pic>
         <p:nvPicPr>
-          <p:cNvPr id="53" name="Picture 51" descr=""/>
+          <p:cNvPr id="51" name="Picture 51" descr=""/>
           <p:cNvPicPr/>
           <p:nvPr/>
         </p:nvPicPr>
@@ -2197,7 +1965,7 @@
         <p:spPr>
           <a:xfrm>
             <a:off x="3161520" y="3744000"/>
-            <a:ext cx="2895840" cy="2214720"/>
+            <a:ext cx="2895480" cy="2214360"/>
           </a:xfrm>
           <a:prstGeom prst="rect">
             <a:avLst/>
@@ -2209,7 +1977,7 @@
       </p:pic>
       <p:pic>
         <p:nvPicPr>
-          <p:cNvPr id="54" name="Picture 78" descr=""/>
+          <p:cNvPr id="52" name="Picture 78" descr=""/>
           <p:cNvPicPr/>
           <p:nvPr/>
         </p:nvPicPr>
@@ -2221,7 +1989,7 @@
         <p:spPr>
           <a:xfrm>
             <a:off x="38880" y="13879440"/>
-            <a:ext cx="2884680" cy="2100600"/>
+            <a:ext cx="2884320" cy="2100240"/>
           </a:xfrm>
           <a:prstGeom prst="rect">
             <a:avLst/>
@@ -2233,7 +2001,7 @@
       </p:pic>
       <p:pic>
         <p:nvPicPr>
-          <p:cNvPr id="55" name="Picture 73" descr=""/>
+          <p:cNvPr id="53" name="Picture 73" descr=""/>
           <p:cNvPicPr/>
           <p:nvPr/>
         </p:nvPicPr>
@@ -2245,7 +2013,7 @@
         <p:spPr>
           <a:xfrm>
             <a:off x="8925120" y="6273360"/>
-            <a:ext cx="3674160" cy="2451960"/>
+            <a:ext cx="3673800" cy="2451600"/>
           </a:xfrm>
           <a:prstGeom prst="rect">
             <a:avLst/>
@@ -2257,7 +2025,7 @@
       </p:pic>
       <p:pic>
         <p:nvPicPr>
-          <p:cNvPr id="56" name="Picture 74" descr=""/>
+          <p:cNvPr id="54" name="Picture 74" descr=""/>
           <p:cNvPicPr/>
           <p:nvPr/>
         </p:nvPicPr>
@@ -2269,7 +2037,7 @@
         <p:spPr>
           <a:xfrm>
             <a:off x="8905320" y="3809160"/>
-            <a:ext cx="3693960" cy="2553480"/>
+            <a:ext cx="3693600" cy="2553120"/>
           </a:xfrm>
           <a:prstGeom prst="rect">
             <a:avLst/>
@@ -2281,14 +2049,14 @@
       </p:pic>
       <p:sp>
         <p:nvSpPr>
-          <p:cNvPr id="57" name="CustomShape 2"/>
+          <p:cNvPr id="55" name="CustomShape 2"/>
           <p:cNvSpPr/>
           <p:nvPr/>
         </p:nvSpPr>
         <p:spPr>
           <a:xfrm>
             <a:off x="3375360" y="0"/>
-            <a:ext cx="6955200" cy="2232000"/>
+            <a:ext cx="6954840" cy="2231640"/>
           </a:xfrm>
           <a:prstGeom prst="rect">
             <a:avLst/>
@@ -2330,14 +2098,14 @@
       </p:sp>
       <p:sp>
         <p:nvSpPr>
-          <p:cNvPr id="58" name="CustomShape 3"/>
+          <p:cNvPr id="56" name="CustomShape 3"/>
           <p:cNvSpPr/>
           <p:nvPr/>
         </p:nvSpPr>
         <p:spPr>
           <a:xfrm>
             <a:off x="318240" y="17498520"/>
-            <a:ext cx="10362600" cy="606240"/>
+            <a:ext cx="10362240" cy="605880"/>
           </a:xfrm>
           <a:prstGeom prst="rect">
             <a:avLst/>
@@ -2399,14 +2167,14 @@
       </p:sp>
       <p:sp>
         <p:nvSpPr>
-          <p:cNvPr id="59" name="CustomShape 4"/>
+          <p:cNvPr id="57" name="CustomShape 4"/>
           <p:cNvSpPr/>
           <p:nvPr/>
         </p:nvSpPr>
         <p:spPr>
           <a:xfrm>
             <a:off x="3109680" y="2147400"/>
-            <a:ext cx="9488880" cy="1353240"/>
+            <a:ext cx="9488520" cy="1352880"/>
           </a:xfrm>
           <a:prstGeom prst="rect">
             <a:avLst/>
@@ -2453,14 +2221,14 @@
       </p:sp>
       <p:sp>
         <p:nvSpPr>
-          <p:cNvPr id="60" name="CustomShape 5"/>
+          <p:cNvPr id="58" name="CustomShape 5"/>
           <p:cNvSpPr/>
           <p:nvPr/>
         </p:nvSpPr>
         <p:spPr>
           <a:xfrm>
             <a:off x="0" y="3398040"/>
-            <a:ext cx="6124320" cy="361800"/>
+            <a:ext cx="6123960" cy="361440"/>
           </a:xfrm>
           <a:prstGeom prst="rect">
             <a:avLst/>
@@ -2504,14 +2272,14 @@
       </p:sp>
       <p:sp>
         <p:nvSpPr>
-          <p:cNvPr id="61" name="CustomShape 6"/>
+          <p:cNvPr id="59" name="CustomShape 6"/>
           <p:cNvSpPr/>
           <p:nvPr/>
         </p:nvSpPr>
         <p:spPr>
           <a:xfrm>
             <a:off x="6150240" y="13398840"/>
-            <a:ext cx="6447240" cy="361800"/>
+            <a:ext cx="6446880" cy="361440"/>
           </a:xfrm>
           <a:prstGeom prst="rect">
             <a:avLst/>
@@ -2555,14 +2323,14 @@
       </p:sp>
       <p:sp>
         <p:nvSpPr>
-          <p:cNvPr id="62" name="CustomShape 7"/>
+          <p:cNvPr id="60" name="CustomShape 7"/>
           <p:cNvSpPr/>
           <p:nvPr/>
         </p:nvSpPr>
         <p:spPr>
           <a:xfrm>
             <a:off x="17280" y="13624560"/>
-            <a:ext cx="6017400" cy="335880"/>
+            <a:ext cx="6017040" cy="335520"/>
           </a:xfrm>
           <a:prstGeom prst="rect">
             <a:avLst/>
@@ -2606,14 +2374,14 @@
       </p:sp>
       <p:sp>
         <p:nvSpPr>
-          <p:cNvPr id="63" name="CustomShape 8"/>
+          <p:cNvPr id="61" name="CustomShape 8"/>
           <p:cNvSpPr/>
           <p:nvPr/>
         </p:nvSpPr>
         <p:spPr>
           <a:xfrm>
             <a:off x="6197400" y="8691480"/>
-            <a:ext cx="6400080" cy="361800"/>
+            <a:ext cx="6399720" cy="361440"/>
           </a:xfrm>
           <a:prstGeom prst="rect">
             <a:avLst/>
@@ -2667,14 +2435,14 @@
       </p:sp>
       <p:sp>
         <p:nvSpPr>
-          <p:cNvPr id="64" name="CustomShape 9"/>
+          <p:cNvPr id="62" name="CustomShape 9"/>
           <p:cNvSpPr/>
           <p:nvPr/>
         </p:nvSpPr>
         <p:spPr>
           <a:xfrm>
             <a:off x="3128400" y="2124000"/>
-            <a:ext cx="9450720" cy="361800"/>
+            <a:ext cx="9450360" cy="361440"/>
           </a:xfrm>
           <a:prstGeom prst="rect">
             <a:avLst/>
@@ -2718,14 +2486,14 @@
       </p:sp>
       <p:sp>
         <p:nvSpPr>
-          <p:cNvPr id="65" name="CustomShape 10"/>
+          <p:cNvPr id="63" name="CustomShape 10"/>
           <p:cNvSpPr/>
           <p:nvPr/>
         </p:nvSpPr>
         <p:spPr>
           <a:xfrm>
             <a:off x="3101400" y="2469240"/>
-            <a:ext cx="9493200" cy="939960"/>
+            <a:ext cx="9492840" cy="939600"/>
           </a:xfrm>
           <a:prstGeom prst="rect">
             <a:avLst/>
@@ -2767,14 +2535,14 @@
       </p:sp>
       <p:sp>
         <p:nvSpPr>
-          <p:cNvPr id="66" name="CustomShape 11"/>
+          <p:cNvPr id="64" name="CustomShape 11"/>
           <p:cNvSpPr/>
           <p:nvPr/>
         </p:nvSpPr>
         <p:spPr>
           <a:xfrm>
             <a:off x="0" y="3816000"/>
-            <a:ext cx="3198240" cy="479880"/>
+            <a:ext cx="3197880" cy="479520"/>
           </a:xfrm>
           <a:prstGeom prst="rect">
             <a:avLst/>
@@ -2823,7 +2591,7 @@
             </a:endParaRPr>
           </a:p>
           <a:p>
-            <a:pPr marL="164520" indent="-164520">
+            <a:pPr marL="164520" indent="-164160">
               <a:lnSpc>
                 <a:spcPct val="100000"/>
               </a:lnSpc>
@@ -2846,7 +2614,7 @@
             </a:endParaRPr>
           </a:p>
           <a:p>
-            <a:pPr marL="164520" indent="-164520">
+            <a:pPr marL="164520" indent="-164160">
               <a:lnSpc>
                 <a:spcPct val="100000"/>
               </a:lnSpc>
@@ -2869,7 +2637,7 @@
             </a:endParaRPr>
           </a:p>
           <a:p>
-            <a:pPr marL="164520" indent="-164520">
+            <a:pPr marL="164520" indent="-164160">
               <a:lnSpc>
                 <a:spcPct val="100000"/>
               </a:lnSpc>
@@ -2892,7 +2660,7 @@
             </a:endParaRPr>
           </a:p>
           <a:p>
-            <a:pPr marL="164520" indent="-164520">
+            <a:pPr marL="164520" indent="-164160">
               <a:lnSpc>
                 <a:spcPct val="100000"/>
               </a:lnSpc>
@@ -2915,7 +2683,7 @@
             </a:endParaRPr>
           </a:p>
           <a:p>
-            <a:pPr marL="164520" indent="-164520">
+            <a:pPr marL="164520" indent="-164160">
               <a:lnSpc>
                 <a:spcPct val="100000"/>
               </a:lnSpc>
@@ -2941,14 +2709,14 @@
       </p:sp>
       <p:sp>
         <p:nvSpPr>
-          <p:cNvPr id="67" name="CustomShape 12"/>
+          <p:cNvPr id="65" name="CustomShape 12"/>
           <p:cNvSpPr/>
           <p:nvPr/>
         </p:nvSpPr>
         <p:spPr>
           <a:xfrm>
             <a:off x="6217920" y="6602400"/>
-            <a:ext cx="2834280" cy="907200"/>
+            <a:ext cx="2833920" cy="906840"/>
           </a:xfrm>
           <a:prstGeom prst="rect">
             <a:avLst/>
@@ -2997,7 +2765,7 @@
             </a:endParaRPr>
           </a:p>
           <a:p>
-            <a:pPr marL="171360" indent="-168120">
+            <a:pPr marL="171360" indent="-167760">
               <a:lnSpc>
                 <a:spcPct val="100000"/>
               </a:lnSpc>
@@ -3020,7 +2788,7 @@
             </a:endParaRPr>
           </a:p>
           <a:p>
-            <a:pPr marL="171360" indent="-168120">
+            <a:pPr marL="171360" indent="-167760">
               <a:lnSpc>
                 <a:spcPct val="100000"/>
               </a:lnSpc>
@@ -3066,14 +2834,14 @@
       </p:sp>
       <p:sp>
         <p:nvSpPr>
-          <p:cNvPr id="68" name="CustomShape 13"/>
+          <p:cNvPr id="66" name="CustomShape 13"/>
           <p:cNvSpPr/>
           <p:nvPr/>
         </p:nvSpPr>
         <p:spPr>
           <a:xfrm>
             <a:off x="28440" y="16049160"/>
-            <a:ext cx="6073920" cy="1112400"/>
+            <a:ext cx="6073560" cy="1112040"/>
           </a:xfrm>
           <a:prstGeom prst="rect">
             <a:avLst/>
@@ -3092,14 +2860,14 @@
       </p:sp>
       <p:sp>
         <p:nvSpPr>
-          <p:cNvPr id="69" name="CustomShape 14"/>
+          <p:cNvPr id="67" name="CustomShape 14"/>
           <p:cNvSpPr/>
           <p:nvPr/>
         </p:nvSpPr>
         <p:spPr>
           <a:xfrm>
             <a:off x="0" y="5838480"/>
-            <a:ext cx="3198600" cy="1735200"/>
+            <a:ext cx="3198240" cy="1734840"/>
           </a:xfrm>
           <a:prstGeom prst="rect">
             <a:avLst/>
@@ -3148,7 +2916,7 @@
             </a:endParaRPr>
           </a:p>
           <a:p>
-            <a:pPr marL="164520" indent="-164160">
+            <a:pPr marL="164520" indent="-163800">
               <a:lnSpc>
                 <a:spcPct val="100000"/>
               </a:lnSpc>
@@ -3191,7 +2959,7 @@
             </a:endParaRPr>
           </a:p>
           <a:p>
-            <a:pPr marL="164520" indent="-164160">
+            <a:pPr marL="164520" indent="-163800">
               <a:lnSpc>
                 <a:spcPct val="100000"/>
               </a:lnSpc>
@@ -3207,7 +2975,7 @@
                 <a:latin typeface="Arial"/>
                 <a:ea typeface="DejaVu Sans"/>
               </a:rPr>
-              <a:t>ligh p</a:t>
+              <a:t>high p</a:t>
             </a:r>
             <a:r>
               <a:rPr b="0" lang="en-US" sz="1200" spc="-1" strike="noStrike" baseline="-25000">
@@ -3237,14 +3005,14 @@
       </p:sp>
       <p:sp>
         <p:nvSpPr>
-          <p:cNvPr id="70" name="CustomShape 15"/>
+          <p:cNvPr id="68" name="CustomShape 15"/>
           <p:cNvSpPr/>
           <p:nvPr/>
         </p:nvSpPr>
         <p:spPr>
           <a:xfrm>
             <a:off x="9446400" y="14598720"/>
-            <a:ext cx="3191760" cy="1386000"/>
+            <a:ext cx="3191400" cy="1385640"/>
           </a:xfrm>
           <a:prstGeom prst="rect">
             <a:avLst/>
@@ -3273,7 +3041,7 @@
             </a:endParaRPr>
           </a:p>
           <a:p>
-            <a:pPr marL="216000" indent="-213840">
+            <a:pPr marL="216000" indent="-213480">
               <a:lnSpc>
                 <a:spcPct val="100000"/>
               </a:lnSpc>
@@ -3296,7 +3064,7 @@
             </a:endParaRPr>
           </a:p>
           <a:p>
-            <a:pPr marL="216000" indent="-213840">
+            <a:pPr marL="216000" indent="-213480">
               <a:lnSpc>
                 <a:spcPct val="100000"/>
               </a:lnSpc>
@@ -3339,7 +3107,7 @@
             </a:endParaRPr>
           </a:p>
           <a:p>
-            <a:pPr marL="216000" indent="-213840">
+            <a:pPr marL="216000" indent="-213480">
               <a:lnSpc>
                 <a:spcPct val="100000"/>
               </a:lnSpc>
@@ -3385,14 +3153,14 @@
       </p:sp>
       <p:sp>
         <p:nvSpPr>
-          <p:cNvPr id="71" name="CustomShape 16"/>
+          <p:cNvPr id="69" name="CustomShape 16"/>
           <p:cNvSpPr/>
           <p:nvPr/>
         </p:nvSpPr>
         <p:spPr>
           <a:xfrm>
             <a:off x="6217920" y="3931920"/>
-            <a:ext cx="2742840" cy="914040"/>
+            <a:ext cx="2742480" cy="913680"/>
           </a:xfrm>
           <a:prstGeom prst="rect">
             <a:avLst/>
@@ -3441,7 +3209,7 @@
             </a:endParaRPr>
           </a:p>
           <a:p>
-            <a:pPr marL="164520" indent="-164520">
+            <a:pPr marL="164520" indent="-164160">
               <a:lnSpc>
                 <a:spcPct val="100000"/>
               </a:lnSpc>
@@ -3464,7 +3232,7 @@
             </a:endParaRPr>
           </a:p>
           <a:p>
-            <a:pPr marL="164520" indent="-164520">
+            <a:pPr marL="164520" indent="-164160">
               <a:lnSpc>
                 <a:spcPct val="100000"/>
               </a:lnSpc>
@@ -3507,7 +3275,7 @@
             </a:endParaRPr>
           </a:p>
           <a:p>
-            <a:pPr marL="164520" indent="-164520">
+            <a:pPr marL="164520" indent="-164160">
               <a:lnSpc>
                 <a:spcPct val="100000"/>
               </a:lnSpc>
@@ -3553,14 +3321,14 @@
       </p:sp>
       <p:sp>
         <p:nvSpPr>
-          <p:cNvPr id="72" name="CustomShape 17"/>
+          <p:cNvPr id="70" name="CustomShape 17"/>
           <p:cNvSpPr/>
           <p:nvPr/>
         </p:nvSpPr>
         <p:spPr>
           <a:xfrm>
             <a:off x="6198480" y="3392280"/>
-            <a:ext cx="6395040" cy="398520"/>
+            <a:ext cx="6394680" cy="398160"/>
           </a:xfrm>
           <a:prstGeom prst="rect">
             <a:avLst/>
@@ -3614,14 +3382,14 @@
       </p:sp>
       <p:sp>
         <p:nvSpPr>
-          <p:cNvPr id="73" name="CustomShape 18"/>
+          <p:cNvPr id="71" name="CustomShape 18"/>
           <p:cNvSpPr/>
           <p:nvPr/>
         </p:nvSpPr>
         <p:spPr>
           <a:xfrm flipH="1">
             <a:off x="10970640" y="4480560"/>
-            <a:ext cx="546120" cy="2192760"/>
+            <a:ext cx="545760" cy="2192400"/>
           </a:xfrm>
           <a:prstGeom prst="curvedRightArrow">
             <a:avLst>
@@ -3668,14 +3436,14 @@
       </p:sp>
       <p:sp>
         <p:nvSpPr>
-          <p:cNvPr id="74" name="CustomShape 19"/>
+          <p:cNvPr id="72" name="CustomShape 19"/>
           <p:cNvSpPr/>
           <p:nvPr/>
         </p:nvSpPr>
         <p:spPr>
           <a:xfrm>
             <a:off x="6217920" y="16353360"/>
-            <a:ext cx="6379560" cy="815760"/>
+            <a:ext cx="6379200" cy="815400"/>
           </a:xfrm>
           <a:prstGeom prst="rect">
             <a:avLst/>
@@ -3782,7 +3550,7 @@
       </p:sp>
       <p:pic>
         <p:nvPicPr>
-          <p:cNvPr id="75" name="Picture 75" descr=""/>
+          <p:cNvPr id="73" name="Picture 75" descr=""/>
           <p:cNvPicPr/>
           <p:nvPr/>
         </p:nvPicPr>
@@ -3793,7 +3561,7 @@
         <p:spPr>
           <a:xfrm>
             <a:off x="6198120" y="9073800"/>
-            <a:ext cx="3237480" cy="2373480"/>
+            <a:ext cx="3237120" cy="2373120"/>
           </a:xfrm>
           <a:prstGeom prst="rect">
             <a:avLst/>
@@ -3805,7 +3573,7 @@
       </p:pic>
       <p:pic>
         <p:nvPicPr>
-          <p:cNvPr id="76" name="Picture 76" descr=""/>
+          <p:cNvPr id="74" name="Picture 76" descr=""/>
           <p:cNvPicPr/>
           <p:nvPr/>
         </p:nvPicPr>
@@ -3817,7 +3585,7 @@
         <p:spPr>
           <a:xfrm>
             <a:off x="9346320" y="9055440"/>
-            <a:ext cx="3252960" cy="2427840"/>
+            <a:ext cx="3252600" cy="2427480"/>
           </a:xfrm>
           <a:prstGeom prst="rect">
             <a:avLst/>
@@ -3829,14 +3597,14 @@
       </p:pic>
       <p:sp>
         <p:nvSpPr>
-          <p:cNvPr id="77" name="CustomShape 20"/>
+          <p:cNvPr id="75" name="CustomShape 20"/>
           <p:cNvSpPr/>
           <p:nvPr/>
         </p:nvSpPr>
         <p:spPr>
           <a:xfrm rot="4740000">
-            <a:off x="10680120" y="5419440"/>
-            <a:ext cx="1293480" cy="361800"/>
+            <a:off x="10680120" y="5419080"/>
+            <a:ext cx="1293120" cy="361440"/>
           </a:xfrm>
           <a:prstGeom prst="rect">
             <a:avLst/>
@@ -3878,14 +3646,14 @@
       </p:sp>
       <p:sp>
         <p:nvSpPr>
-          <p:cNvPr id="78" name="CustomShape 21"/>
+          <p:cNvPr id="76" name="CustomShape 21"/>
           <p:cNvSpPr/>
           <p:nvPr/>
         </p:nvSpPr>
         <p:spPr>
           <a:xfrm>
             <a:off x="-36000" y="15802560"/>
-            <a:ext cx="3565800" cy="770760"/>
+            <a:ext cx="3565440" cy="770400"/>
           </a:xfrm>
           <a:prstGeom prst="rect">
             <a:avLst/>
@@ -3927,14 +3695,14 @@
       </p:sp>
       <p:sp>
         <p:nvSpPr>
-          <p:cNvPr id="79" name="CustomShape 22"/>
+          <p:cNvPr id="77" name="CustomShape 22"/>
           <p:cNvSpPr/>
           <p:nvPr/>
         </p:nvSpPr>
         <p:spPr>
           <a:xfrm>
             <a:off x="0" y="16386120"/>
-            <a:ext cx="3200040" cy="770760"/>
+            <a:ext cx="3199680" cy="770400"/>
           </a:xfrm>
           <a:prstGeom prst="rect">
             <a:avLst/>
@@ -3953,7 +3721,7 @@
         <p:txBody>
           <a:bodyPr lIns="90000" rIns="90000" tIns="45000" bIns="45000"/>
           <a:p>
-            <a:pPr marL="164520" indent="-164520">
+            <a:pPr marL="164520" indent="-164160">
               <a:lnSpc>
                 <a:spcPct val="100000"/>
               </a:lnSpc>
@@ -3976,7 +3744,7 @@
             </a:endParaRPr>
           </a:p>
           <a:p>
-            <a:pPr marL="164520" indent="-164520">
+            <a:pPr marL="164520" indent="-164160">
               <a:lnSpc>
                 <a:spcPct val="100000"/>
               </a:lnSpc>
@@ -4002,14 +3770,14 @@
       </p:sp>
       <p:sp>
         <p:nvSpPr>
-          <p:cNvPr id="80" name="CustomShape 23"/>
+          <p:cNvPr id="78" name="CustomShape 23"/>
           <p:cNvSpPr/>
           <p:nvPr/>
         </p:nvSpPr>
         <p:spPr>
           <a:xfrm>
             <a:off x="1280160" y="16147440"/>
-            <a:ext cx="178560" cy="344160"/>
+            <a:ext cx="178200" cy="343800"/>
           </a:xfrm>
           <a:prstGeom prst="rect">
             <a:avLst/>
@@ -4028,14 +3796,14 @@
       </p:sp>
       <p:sp>
         <p:nvSpPr>
-          <p:cNvPr id="81" name="CustomShape 24"/>
+          <p:cNvPr id="79" name="CustomShape 24"/>
           <p:cNvSpPr/>
           <p:nvPr/>
         </p:nvSpPr>
         <p:spPr>
           <a:xfrm flipH="1" flipV="1" rot="4621200">
-            <a:off x="2814480" y="13945320"/>
-            <a:ext cx="455040" cy="2092680"/>
+            <a:off x="2813760" y="13944600"/>
+            <a:ext cx="454680" cy="2092320"/>
           </a:xfrm>
           <a:prstGeom prst="curvedRightArrow">
             <a:avLst>
@@ -4082,14 +3850,14 @@
       </p:sp>
       <p:sp>
         <p:nvSpPr>
-          <p:cNvPr id="82" name="CustomShape 25"/>
+          <p:cNvPr id="80" name="CustomShape 25"/>
           <p:cNvSpPr/>
           <p:nvPr/>
         </p:nvSpPr>
         <p:spPr>
           <a:xfrm>
             <a:off x="3452400" y="15809760"/>
-            <a:ext cx="2834280" cy="600120"/>
+            <a:ext cx="2833920" cy="599760"/>
           </a:xfrm>
           <a:prstGeom prst="rect">
             <a:avLst/>
@@ -4131,14 +3899,14 @@
       </p:sp>
       <p:sp>
         <p:nvSpPr>
-          <p:cNvPr id="83" name="CustomShape 26"/>
+          <p:cNvPr id="81" name="CustomShape 26"/>
           <p:cNvSpPr/>
           <p:nvPr/>
         </p:nvSpPr>
         <p:spPr>
           <a:xfrm>
             <a:off x="3394440" y="16391880"/>
-            <a:ext cx="2946240" cy="770760"/>
+            <a:ext cx="2945880" cy="770400"/>
           </a:xfrm>
           <a:prstGeom prst="rect">
             <a:avLst/>
@@ -4157,7 +3925,7 @@
         <p:txBody>
           <a:bodyPr lIns="90000" rIns="90000" tIns="45000" bIns="45000"/>
           <a:p>
-            <a:pPr marL="137160" indent="-136800">
+            <a:pPr marL="137160" indent="-136440">
               <a:lnSpc>
                 <a:spcPct val="100000"/>
               </a:lnSpc>
@@ -4180,7 +3948,7 @@
             </a:endParaRPr>
           </a:p>
           <a:p>
-            <a:pPr marL="137160" indent="-136800">
+            <a:pPr marL="137160" indent="-136440">
               <a:lnSpc>
                 <a:spcPct val="100000"/>
               </a:lnSpc>
@@ -4256,14 +4024,14 @@
       </p:sp>
       <p:sp>
         <p:nvSpPr>
-          <p:cNvPr id="84" name="CustomShape 27"/>
+          <p:cNvPr id="82" name="CustomShape 27"/>
           <p:cNvSpPr/>
           <p:nvPr/>
         </p:nvSpPr>
         <p:spPr>
           <a:xfrm>
             <a:off x="9491040" y="13900680"/>
-            <a:ext cx="3108960" cy="941400"/>
+            <a:ext cx="3108600" cy="941040"/>
           </a:xfrm>
           <a:prstGeom prst="rect">
             <a:avLst/>
@@ -4305,7 +4073,7 @@
       </p:sp>
       <p:pic>
         <p:nvPicPr>
-          <p:cNvPr id="85" name="" descr=""/>
+          <p:cNvPr id="83" name="" descr=""/>
           <p:cNvPicPr/>
           <p:nvPr/>
         </p:nvPicPr>
@@ -4316,7 +4084,7 @@
         <p:spPr>
           <a:xfrm>
             <a:off x="10503720" y="0"/>
-            <a:ext cx="2090160" cy="2090160"/>
+            <a:ext cx="2089800" cy="2089800"/>
           </a:xfrm>
           <a:prstGeom prst="rect">
             <a:avLst/>
@@ -4328,14 +4096,14 @@
       </p:pic>
       <p:sp>
         <p:nvSpPr>
-          <p:cNvPr id="86" name="CustomShape 28"/>
+          <p:cNvPr id="84" name="CustomShape 28"/>
           <p:cNvSpPr/>
           <p:nvPr/>
         </p:nvSpPr>
         <p:spPr>
           <a:xfrm>
             <a:off x="6381360" y="11443680"/>
-            <a:ext cx="5779800" cy="533160"/>
+            <a:ext cx="5779440" cy="532800"/>
           </a:xfrm>
           <a:prstGeom prst="rect">
             <a:avLst/>
@@ -4407,14 +4175,14 @@
       </p:sp>
       <p:sp>
         <p:nvSpPr>
-          <p:cNvPr id="87" name="CustomShape 29"/>
+          <p:cNvPr id="85" name="CustomShape 29"/>
           <p:cNvSpPr/>
           <p:nvPr/>
         </p:nvSpPr>
         <p:spPr>
           <a:xfrm>
             <a:off x="6270120" y="11978640"/>
-            <a:ext cx="6237360" cy="1136520"/>
+            <a:ext cx="6237000" cy="1136160"/>
           </a:xfrm>
           <a:prstGeom prst="rect">
             <a:avLst/>
@@ -4433,7 +4201,7 @@
         <p:txBody>
           <a:bodyPr lIns="90000" rIns="90000" tIns="45000" bIns="45000"/>
           <a:p>
-            <a:pPr marL="216000" indent="-214200">
+            <a:pPr marL="216000" indent="-213840">
               <a:lnSpc>
                 <a:spcPct val="100000"/>
               </a:lnSpc>
@@ -4496,7 +4264,7 @@
             </a:endParaRPr>
           </a:p>
           <a:p>
-            <a:pPr marL="216000" indent="-214200">
+            <a:pPr marL="216000" indent="-213840">
               <a:lnSpc>
                 <a:spcPct val="100000"/>
               </a:lnSpc>
@@ -4519,7 +4287,7 @@
             </a:endParaRPr>
           </a:p>
           <a:p>
-            <a:pPr marL="216000" indent="-214200">
+            <a:pPr marL="216000" indent="-213840">
               <a:lnSpc>
                 <a:spcPct val="100000"/>
               </a:lnSpc>
@@ -4545,7 +4313,7 @@
       </p:sp>
       <p:pic>
         <p:nvPicPr>
-          <p:cNvPr id="88" name="" descr=""/>
+          <p:cNvPr id="86" name="" descr=""/>
           <p:cNvPicPr/>
           <p:nvPr/>
         </p:nvPicPr>
@@ -4556,7 +4324,7 @@
         <p:spPr>
           <a:xfrm>
             <a:off x="16560" y="8116920"/>
-            <a:ext cx="3090600" cy="1684800"/>
+            <a:ext cx="3090240" cy="1684440"/>
           </a:xfrm>
           <a:prstGeom prst="rect">
             <a:avLst/>
@@ -4568,14 +4336,14 @@
       </p:pic>
       <p:sp>
         <p:nvSpPr>
-          <p:cNvPr id="89" name="CustomShape 30"/>
+          <p:cNvPr id="87" name="CustomShape 30"/>
           <p:cNvSpPr/>
           <p:nvPr/>
         </p:nvSpPr>
         <p:spPr>
           <a:xfrm>
             <a:off x="2945520" y="8102160"/>
-            <a:ext cx="3272040" cy="941760"/>
+            <a:ext cx="3271680" cy="941400"/>
           </a:xfrm>
           <a:prstGeom prst="rect">
             <a:avLst/>
@@ -4594,7 +4362,7 @@
         <p:txBody>
           <a:bodyPr lIns="90000" rIns="90000" tIns="45000" bIns="45000"/>
           <a:p>
-            <a:pPr marL="210240" indent="-209880">
+            <a:pPr marL="210240" indent="-209520">
               <a:lnSpc>
                 <a:spcPct val="100000"/>
               </a:lnSpc>
@@ -4617,7 +4385,7 @@
             </a:endParaRPr>
           </a:p>
           <a:p>
-            <a:pPr marL="210240" indent="-209880">
+            <a:pPr marL="210240" indent="-209520">
               <a:lnSpc>
                 <a:spcPct val="100000"/>
               </a:lnSpc>
@@ -4643,14 +4411,14 @@
       </p:sp>
       <p:sp>
         <p:nvSpPr>
-          <p:cNvPr id="90" name="CustomShape 31"/>
+          <p:cNvPr id="88" name="CustomShape 31"/>
           <p:cNvSpPr/>
           <p:nvPr/>
         </p:nvSpPr>
         <p:spPr>
           <a:xfrm>
             <a:off x="0" y="7740000"/>
-            <a:ext cx="6088320" cy="361800"/>
+            <a:ext cx="6087960" cy="361440"/>
           </a:xfrm>
           <a:prstGeom prst="rect">
             <a:avLst/>
@@ -4694,14 +4462,14 @@
       </p:sp>
       <p:sp>
         <p:nvSpPr>
-          <p:cNvPr id="91" name="CustomShape 32"/>
+          <p:cNvPr id="89" name="CustomShape 32"/>
           <p:cNvSpPr/>
           <p:nvPr/>
         </p:nvSpPr>
         <p:spPr>
           <a:xfrm>
             <a:off x="2887200" y="11119680"/>
-            <a:ext cx="3513240" cy="401400"/>
+            <a:ext cx="3512880" cy="401040"/>
           </a:xfrm>
           <a:prstGeom prst="rect">
             <a:avLst/>
@@ -4720,7 +4488,7 @@
         <p:txBody>
           <a:bodyPr lIns="90000" rIns="90000" tIns="45000" bIns="45000"/>
           <a:p>
-            <a:pPr marL="137160" indent="-136800">
+            <a:pPr marL="137160" indent="-136440">
               <a:lnSpc>
                 <a:spcPct val="100000"/>
               </a:lnSpc>
@@ -4746,7 +4514,7 @@
       </p:sp>
       <p:sp>
         <p:nvSpPr>
-          <p:cNvPr id="92" name="Line 33"/>
+          <p:cNvPr id="90" name="Line 33"/>
           <p:cNvSpPr/>
           <p:nvPr/>
         </p:nvSpPr>
@@ -4775,7 +4543,7 @@
       </p:sp>
       <p:sp>
         <p:nvSpPr>
-          <p:cNvPr id="93" name="Line 34"/>
+          <p:cNvPr id="91" name="Line 34"/>
           <p:cNvSpPr/>
           <p:nvPr/>
         </p:nvSpPr>
@@ -4804,7 +4572,7 @@
       </p:sp>
       <p:sp>
         <p:nvSpPr>
-          <p:cNvPr id="94" name="Line 35"/>
+          <p:cNvPr id="92" name="Line 35"/>
           <p:cNvSpPr/>
           <p:nvPr/>
         </p:nvSpPr>
@@ -4835,14 +4603,14 @@
         <mc:Choice xmlns:a14="http://schemas.microsoft.com/office/drawing/2010/main" Requires="a14">
           <p:sp>
             <p:nvSpPr>
-              <p:cNvPr id="95" name="Formula 36"/>
+              <p:cNvPr id="93" name="Formula 36"/>
               <p:cNvSpPr txBox="1"/>
               <p:nvPr/>
             </p:nvSpPr>
             <p:spPr>
               <a:xfrm>
                 <a:off x="8321040" y="4901760"/>
-                <a:ext cx="488880" cy="167400"/>
+                <a:ext cx="488520" cy="167040"/>
               </a:xfrm>
               <a:prstGeom prst="rect">
                 <a:avLst/>
@@ -4872,14 +4640,14 @@
       </mc:AlternateContent>
       <p:sp>
         <p:nvSpPr>
-          <p:cNvPr id="96" name="CustomShape 37"/>
+          <p:cNvPr id="94" name="CustomShape 37"/>
           <p:cNvSpPr/>
           <p:nvPr/>
         </p:nvSpPr>
         <p:spPr>
           <a:xfrm>
             <a:off x="3020400" y="11485440"/>
-            <a:ext cx="3233160" cy="431280"/>
+            <a:ext cx="3232800" cy="430920"/>
           </a:xfrm>
           <a:prstGeom prst="rect">
             <a:avLst/>
@@ -4898,7 +4666,7 @@
         <p:txBody>
           <a:bodyPr lIns="90000" rIns="90000" tIns="45000" bIns="45000"/>
           <a:p>
-            <a:pPr marL="137160" indent="-137160">
+            <a:pPr marL="137160" indent="-136800">
               <a:lnSpc>
                 <a:spcPct val="100000"/>
               </a:lnSpc>
@@ -4924,14 +4692,14 @@
       </p:sp>
       <p:sp>
         <p:nvSpPr>
-          <p:cNvPr id="97" name="CustomShape 38"/>
+          <p:cNvPr id="95" name="CustomShape 38"/>
           <p:cNvSpPr/>
           <p:nvPr/>
         </p:nvSpPr>
         <p:spPr>
           <a:xfrm>
             <a:off x="2870640" y="11917080"/>
-            <a:ext cx="3418920" cy="299520"/>
+            <a:ext cx="3418560" cy="299160"/>
           </a:xfrm>
           <a:prstGeom prst="rect">
             <a:avLst/>
@@ -4950,7 +4718,7 @@
         <p:txBody>
           <a:bodyPr lIns="90000" rIns="90000" tIns="45000" bIns="45000"/>
           <a:p>
-            <a:pPr marL="137160" indent="-136800">
+            <a:pPr marL="137160" indent="-136440">
               <a:lnSpc>
                 <a:spcPct val="100000"/>
               </a:lnSpc>
@@ -4976,14 +4744,14 @@
       </p:sp>
       <p:sp>
         <p:nvSpPr>
-          <p:cNvPr id="98" name="CustomShape 39"/>
+          <p:cNvPr id="96" name="CustomShape 39"/>
           <p:cNvSpPr/>
           <p:nvPr/>
         </p:nvSpPr>
         <p:spPr>
           <a:xfrm>
             <a:off x="3017520" y="12078720"/>
-            <a:ext cx="3291480" cy="614520"/>
+            <a:ext cx="3291120" cy="614160"/>
           </a:xfrm>
           <a:prstGeom prst="rect">
             <a:avLst/>
@@ -5002,7 +4770,7 @@
         <p:txBody>
           <a:bodyPr lIns="90000" rIns="90000" tIns="45000" bIns="45000"/>
           <a:p>
-            <a:pPr marL="137160" indent="-136800">
+            <a:pPr marL="137160" indent="-136440">
               <a:lnSpc>
                 <a:spcPct val="100000"/>
               </a:lnSpc>
@@ -5025,7 +4793,7 @@
             </a:endParaRPr>
           </a:p>
           <a:p>
-            <a:pPr marL="137160" indent="-136800">
+            <a:pPr marL="137160" indent="-136440">
               <a:lnSpc>
                 <a:spcPct val="100000"/>
               </a:lnSpc>
@@ -5051,14 +4819,14 @@
       </p:sp>
       <p:sp>
         <p:nvSpPr>
-          <p:cNvPr id="99" name="CustomShape 40"/>
+          <p:cNvPr id="97" name="CustomShape 40"/>
           <p:cNvSpPr/>
           <p:nvPr/>
         </p:nvSpPr>
         <p:spPr>
           <a:xfrm>
             <a:off x="2870640" y="12693600"/>
-            <a:ext cx="3200040" cy="260640"/>
+            <a:ext cx="3199680" cy="260280"/>
           </a:xfrm>
           <a:prstGeom prst="rect">
             <a:avLst/>
@@ -5077,7 +4845,7 @@
         <p:txBody>
           <a:bodyPr lIns="90000" rIns="90000" tIns="45000" bIns="45000"/>
           <a:p>
-            <a:pPr marL="137160" indent="-136800">
+            <a:pPr marL="137160" indent="-136440">
               <a:lnSpc>
                 <a:spcPct val="100000"/>
               </a:lnSpc>
@@ -5103,14 +4871,14 @@
       </p:sp>
       <p:sp>
         <p:nvSpPr>
-          <p:cNvPr id="100" name="CustomShape 41"/>
+          <p:cNvPr id="98" name="CustomShape 41"/>
           <p:cNvSpPr/>
           <p:nvPr/>
         </p:nvSpPr>
         <p:spPr>
           <a:xfrm>
             <a:off x="3017520" y="12918600"/>
-            <a:ext cx="3017160" cy="633600"/>
+            <a:ext cx="3016800" cy="633240"/>
           </a:xfrm>
           <a:prstGeom prst="rect">
             <a:avLst/>
@@ -5129,7 +4897,7 @@
         <p:txBody>
           <a:bodyPr lIns="90000" rIns="90000" tIns="45000" bIns="45000"/>
           <a:p>
-            <a:pPr marL="137160" indent="-136800">
+            <a:pPr marL="137160" indent="-136440">
               <a:lnSpc>
                 <a:spcPct val="100000"/>
               </a:lnSpc>
@@ -5152,7 +4920,7 @@
             </a:endParaRPr>
           </a:p>
           <a:p>
-            <a:pPr marL="137160" indent="-136800">
+            <a:pPr marL="137160" indent="-136440">
               <a:lnSpc>
                 <a:spcPct val="100000"/>
               </a:lnSpc>
@@ -5175,7 +4943,7 @@
             </a:endParaRPr>
           </a:p>
           <a:p>
-            <a:pPr marL="137160" indent="-136800">
+            <a:pPr marL="137160" indent="-136440">
               <a:lnSpc>
                 <a:spcPct val="100000"/>
               </a:lnSpc>
